--- a/Slides/2020-Even-DAA-L10b-Recurrence-Master-Theorem.pptx
+++ b/Slides/2020-Even-DAA-L10b-Recurrence-Master-Theorem.pptx
@@ -2406,7 +2406,7 @@
       </p:grpSpPr>
       <p:sp>
         <p:nvSpPr>
-          <p:cNvPr id="280" name="Recurrence :MaxMin Algo"/>
+          <p:cNvPr id="289" name="Recurrence :MaxMin Algo"/>
           <p:cNvSpPr txBox="1"/>
           <p:nvPr>
             <p:ph type="title"/>
@@ -2430,7 +2430,7 @@
       </p:sp>
       <p:sp>
         <p:nvSpPr>
-          <p:cNvPr id="281" name="Recurrence  relation for MaxMin…"/>
+          <p:cNvPr id="290" name="Recurrence  relation for MaxMin…"/>
           <p:cNvSpPr txBox="1"/>
           <p:nvPr>
             <p:ph type="body" idx="1"/>
@@ -2866,7 +2866,7 @@
       </p:sp>
       <p:sp>
         <p:nvSpPr>
-          <p:cNvPr id="282" name="Slide Number"/>
+          <p:cNvPr id="291" name="Slide Number"/>
           <p:cNvSpPr txBox="1"/>
           <p:nvPr>
             <p:ph type="sldNum" sz="quarter" idx="2"/>
@@ -2893,7 +2893,7 @@
       </p:sp>
       <p:sp>
         <p:nvSpPr>
-          <p:cNvPr id="283" name="DAA/Divide and Conquer"/>
+          <p:cNvPr id="292" name="DAA/Divide and Conquer"/>
           <p:cNvSpPr txBox="1"/>
           <p:nvPr/>
         </p:nvSpPr>
@@ -2933,7 +2933,7 @@
       </p:sp>
       <p:sp>
         <p:nvSpPr>
-          <p:cNvPr id="284" name="RPR/"/>
+          <p:cNvPr id="293" name="RPR/"/>
           <p:cNvSpPr txBox="1"/>
           <p:nvPr/>
         </p:nvSpPr>
@@ -3010,7 +3010,7 @@
                                       <p:cBhvr>
                                         <p:cTn id="6" fill="hold"/>
                                         <p:tgtEl>
-                                          <p:spTgt spid="281">
+                                          <p:spTgt spid="290">
                                             <p:bg/>
                                           </p:spTgt>
                                         </p:tgtEl>
@@ -3038,7 +3038,7 @@
                                       <p:cBhvr>
                                         <p:cTn id="8" fill="hold"/>
                                         <p:tgtEl>
-                                          <p:spTgt spid="281">
+                                          <p:spTgt spid="290">
                                             <p:txEl>
                                               <p:pRg st="0" end="0"/>
                                             </p:txEl>
@@ -3086,7 +3086,7 @@
                                       <p:cBhvr>
                                         <p:cTn id="12" fill="hold"/>
                                         <p:tgtEl>
-                                          <p:spTgt spid="281">
+                                          <p:spTgt spid="290">
                                             <p:txEl>
                                               <p:pRg st="1" end="1"/>
                                             </p:txEl>
@@ -3134,7 +3134,7 @@
                                       <p:cBhvr>
                                         <p:cTn id="16" fill="hold"/>
                                         <p:tgtEl>
-                                          <p:spTgt spid="281">
+                                          <p:spTgt spid="290">
                                             <p:txEl>
                                               <p:pRg st="2" end="2"/>
                                             </p:txEl>
@@ -3182,7 +3182,7 @@
                                       <p:cBhvr>
                                         <p:cTn id="20" fill="hold"/>
                                         <p:tgtEl>
-                                          <p:spTgt spid="281">
+                                          <p:spTgt spid="290">
                                             <p:txEl>
                                               <p:pRg st="3" end="3"/>
                                             </p:txEl>
@@ -3230,7 +3230,7 @@
                                       <p:cBhvr>
                                         <p:cTn id="24" fill="hold"/>
                                         <p:tgtEl>
-                                          <p:spTgt spid="281">
+                                          <p:spTgt spid="290">
                                             <p:txEl>
                                               <p:pRg st="4" end="4"/>
                                             </p:txEl>
@@ -3278,7 +3278,7 @@
                                       <p:cBhvr>
                                         <p:cTn id="28" fill="hold"/>
                                         <p:tgtEl>
-                                          <p:spTgt spid="281">
+                                          <p:spTgt spid="290">
                                             <p:txEl>
                                               <p:pRg st="5" end="5"/>
                                             </p:txEl>
@@ -3326,7 +3326,7 @@
                                       <p:cBhvr>
                                         <p:cTn id="32" fill="hold"/>
                                         <p:tgtEl>
-                                          <p:spTgt spid="281">
+                                          <p:spTgt spid="290">
                                             <p:txEl>
                                               <p:pRg st="6" end="6"/>
                                             </p:txEl>
@@ -3374,7 +3374,7 @@
                                       <p:cBhvr>
                                         <p:cTn id="36" fill="hold"/>
                                         <p:tgtEl>
-                                          <p:spTgt spid="281">
+                                          <p:spTgt spid="290">
                                             <p:txEl>
                                               <p:pRg st="7" end="7"/>
                                             </p:txEl>
@@ -3422,7 +3422,7 @@
                                       <p:cBhvr>
                                         <p:cTn id="40" fill="hold"/>
                                         <p:tgtEl>
-                                          <p:spTgt spid="281">
+                                          <p:spTgt spid="290">
                                             <p:txEl>
                                               <p:pRg st="8" end="8"/>
                                             </p:txEl>
@@ -3470,7 +3470,7 @@
                                       <p:cBhvr>
                                         <p:cTn id="44" fill="hold"/>
                                         <p:tgtEl>
-                                          <p:spTgt spid="281">
+                                          <p:spTgt spid="290">
                                             <p:txEl>
                                               <p:pRg st="9" end="9"/>
                                             </p:txEl>
@@ -3518,7 +3518,7 @@
                                       <p:cBhvr>
                                         <p:cTn id="48" fill="hold"/>
                                         <p:tgtEl>
-                                          <p:spTgt spid="281">
+                                          <p:spTgt spid="290">
                                             <p:txEl>
                                               <p:pRg st="10" end="10"/>
                                             </p:txEl>
@@ -3566,7 +3566,7 @@
                                       <p:cBhvr>
                                         <p:cTn id="52" fill="hold"/>
                                         <p:tgtEl>
-                                          <p:spTgt spid="281">
+                                          <p:spTgt spid="290">
                                             <p:txEl>
                                               <p:pRg st="11" end="11"/>
                                             </p:txEl>
@@ -3611,7 +3611,7 @@
       </p:par>
     </p:tnLst>
     <p:bldLst>
-      <p:bldP build="p" bldLvl="5" animBg="1" rev="0" advAuto="0" spid="281" grpId="1"/>
+      <p:bldP build="p" bldLvl="5" animBg="1" rev="0" advAuto="0" spid="290" grpId="1"/>
     </p:bldLst>
   </p:timing>
 </p:sld>
@@ -3636,7 +3636,7 @@
       </p:grpSpPr>
       <p:sp>
         <p:nvSpPr>
-          <p:cNvPr id="286" name="Solving Recurrence Relation"/>
+          <p:cNvPr id="295" name="Solving Recurrence Relation"/>
           <p:cNvSpPr txBox="1"/>
           <p:nvPr>
             <p:ph type="title"/>
@@ -3660,7 +3660,7 @@
       </p:sp>
       <p:sp>
         <p:nvSpPr>
-          <p:cNvPr id="287" name="Let n=bk, then"/>
+          <p:cNvPr id="296" name="Let n=bk, then"/>
           <p:cNvSpPr txBox="1"/>
           <p:nvPr>
             <p:ph type="body" sz="quarter" idx="1"/>
@@ -3711,7 +3711,7 @@
       </p:sp>
       <p:sp>
         <p:nvSpPr>
-          <p:cNvPr id="288" name="Slide Number"/>
+          <p:cNvPr id="297" name="Slide Number"/>
           <p:cNvSpPr txBox="1"/>
           <p:nvPr>
             <p:ph type="sldNum" sz="quarter" idx="2"/>
@@ -3738,7 +3738,7 @@
       </p:sp>
       <p:sp>
         <p:nvSpPr>
-          <p:cNvPr id="289" name="DAA/Divide and Conquer"/>
+          <p:cNvPr id="298" name="DAA/Divide and Conquer"/>
           <p:cNvSpPr txBox="1"/>
           <p:nvPr/>
         </p:nvSpPr>
@@ -3778,7 +3778,7 @@
       </p:sp>
       <p:sp>
         <p:nvSpPr>
-          <p:cNvPr id="290" name="RPR/"/>
+          <p:cNvPr id="299" name="RPR/"/>
           <p:cNvSpPr txBox="1"/>
           <p:nvPr/>
         </p:nvSpPr>
@@ -3818,7 +3818,7 @@
       </p:sp>
       <p:sp>
         <p:nvSpPr>
-          <p:cNvPr id="291" name="Equation"/>
+          <p:cNvPr id="300" name="Equation"/>
           <p:cNvSpPr txBox="1"/>
           <p:nvPr/>
         </p:nvSpPr>
@@ -4013,7 +4013,7 @@
       </p:sp>
       <p:sp>
         <p:nvSpPr>
-          <p:cNvPr id="292" name="Equation"/>
+          <p:cNvPr id="301" name="Equation"/>
           <p:cNvSpPr txBox="1"/>
           <p:nvPr/>
         </p:nvSpPr>
@@ -4253,7 +4253,7 @@
       </p:sp>
       <p:sp>
         <p:nvSpPr>
-          <p:cNvPr id="293" name="Equation"/>
+          <p:cNvPr id="302" name="Equation"/>
           <p:cNvSpPr txBox="1"/>
           <p:nvPr/>
         </p:nvSpPr>
@@ -4544,7 +4544,7 @@
       </p:sp>
       <p:sp>
         <p:nvSpPr>
-          <p:cNvPr id="294" name="Equation"/>
+          <p:cNvPr id="303" name="Equation"/>
           <p:cNvSpPr txBox="1"/>
           <p:nvPr/>
         </p:nvSpPr>
@@ -4961,7 +4961,7 @@
       </p:sp>
       <p:sp>
         <p:nvSpPr>
-          <p:cNvPr id="295" name="Equation"/>
+          <p:cNvPr id="304" name="Equation"/>
           <p:cNvSpPr txBox="1"/>
           <p:nvPr/>
         </p:nvSpPr>
@@ -5525,7 +5525,7 @@
       </p:sp>
       <p:sp>
         <p:nvSpPr>
-          <p:cNvPr id="296" name=":"/>
+          <p:cNvPr id="305" name=":"/>
           <p:cNvSpPr txBox="1"/>
           <p:nvPr/>
         </p:nvSpPr>
@@ -5565,7 +5565,7 @@
       </p:sp>
       <p:sp>
         <p:nvSpPr>
-          <p:cNvPr id="297" name="Equation"/>
+          <p:cNvPr id="306" name="Equation"/>
           <p:cNvSpPr txBox="1"/>
           <p:nvPr/>
         </p:nvSpPr>
@@ -6000,7 +6000,7 @@
       </p:sp>
       <p:sp>
         <p:nvSpPr>
-          <p:cNvPr id="298" name="Equation"/>
+          <p:cNvPr id="307" name="Equation"/>
           <p:cNvSpPr txBox="1"/>
           <p:nvPr/>
         </p:nvSpPr>
@@ -6444,7 +6444,7 @@
       </p:sp>
       <p:sp>
         <p:nvSpPr>
-          <p:cNvPr id="299" name="Equation"/>
+          <p:cNvPr id="308" name="Equation"/>
           <p:cNvSpPr txBox="1"/>
           <p:nvPr/>
         </p:nvSpPr>
@@ -6775,7 +6775,7 @@
                                       <p:cBhvr>
                                         <p:cTn id="6" fill="hold"/>
                                         <p:tgtEl>
-                                          <p:spTgt spid="291"/>
+                                          <p:spTgt spid="300"/>
                                         </p:tgtEl>
                                         <p:attrNameLst>
                                           <p:attrName>style.visibility</p:attrName>
@@ -6819,7 +6819,7 @@
                                       <p:cBhvr>
                                         <p:cTn id="10" fill="hold"/>
                                         <p:tgtEl>
-                                          <p:spTgt spid="287"/>
+                                          <p:spTgt spid="296"/>
                                         </p:tgtEl>
                                         <p:attrNameLst>
                                           <p:attrName>style.visibility</p:attrName>
@@ -6863,7 +6863,7 @@
                                       <p:cBhvr>
                                         <p:cTn id="14" fill="hold"/>
                                         <p:tgtEl>
-                                          <p:spTgt spid="292"/>
+                                          <p:spTgt spid="301"/>
                                         </p:tgtEl>
                                         <p:attrNameLst>
                                           <p:attrName>style.visibility</p:attrName>
@@ -6907,7 +6907,7 @@
                                       <p:cBhvr>
                                         <p:cTn id="18" fill="hold"/>
                                         <p:tgtEl>
-                                          <p:spTgt spid="299"/>
+                                          <p:spTgt spid="308"/>
                                         </p:tgtEl>
                                         <p:attrNameLst>
                                           <p:attrName>style.visibility</p:attrName>
@@ -6951,7 +6951,7 @@
                                       <p:cBhvr>
                                         <p:cTn id="22" fill="hold"/>
                                         <p:tgtEl>
-                                          <p:spTgt spid="293"/>
+                                          <p:spTgt spid="302"/>
                                         </p:tgtEl>
                                         <p:attrNameLst>
                                           <p:attrName>style.visibility</p:attrName>
@@ -6995,7 +6995,7 @@
                                       <p:cBhvr>
                                         <p:cTn id="26" fill="hold"/>
                                         <p:tgtEl>
-                                          <p:spTgt spid="294"/>
+                                          <p:spTgt spid="303"/>
                                         </p:tgtEl>
                                         <p:attrNameLst>
                                           <p:attrName>style.visibility</p:attrName>
@@ -7039,7 +7039,7 @@
                                       <p:cBhvr>
                                         <p:cTn id="30" fill="hold"/>
                                         <p:tgtEl>
-                                          <p:spTgt spid="296"/>
+                                          <p:spTgt spid="305"/>
                                         </p:tgtEl>
                                         <p:attrNameLst>
                                           <p:attrName>style.visibility</p:attrName>
@@ -7083,7 +7083,7 @@
                                       <p:cBhvr>
                                         <p:cTn id="34" fill="hold"/>
                                         <p:tgtEl>
-                                          <p:spTgt spid="295"/>
+                                          <p:spTgt spid="304"/>
                                         </p:tgtEl>
                                         <p:attrNameLst>
                                           <p:attrName>style.visibility</p:attrName>
@@ -7127,7 +7127,7 @@
                                       <p:cBhvr>
                                         <p:cTn id="38" fill="hold"/>
                                         <p:tgtEl>
-                                          <p:spTgt spid="297"/>
+                                          <p:spTgt spid="306"/>
                                         </p:tgtEl>
                                         <p:attrNameLst>
                                           <p:attrName>style.visibility</p:attrName>
@@ -7171,7 +7171,7 @@
                                       <p:cBhvr>
                                         <p:cTn id="42" fill="hold"/>
                                         <p:tgtEl>
-                                          <p:spTgt spid="298"/>
+                                          <p:spTgt spid="307"/>
                                         </p:tgtEl>
                                         <p:attrNameLst>
                                           <p:attrName>style.visibility</p:attrName>
@@ -7212,16 +7212,16 @@
       </p:par>
     </p:tnLst>
     <p:bldLst>
-      <p:bldP build="whole" bldLvl="1" animBg="1" rev="0" advAuto="0" spid="297" grpId="9"/>
-      <p:bldP build="whole" bldLvl="1" animBg="1" rev="0" advAuto="0" spid="287" grpId="2"/>
-      <p:bldP build="whole" bldLvl="1" animBg="1" rev="0" advAuto="0" spid="295" grpId="8"/>
-      <p:bldP build="whole" bldLvl="1" animBg="1" rev="0" advAuto="0" spid="293" grpId="5"/>
-      <p:bldP build="whole" bldLvl="1" animBg="1" rev="0" advAuto="0" spid="291" grpId="1"/>
-      <p:bldP build="whole" bldLvl="1" animBg="1" rev="0" advAuto="0" spid="298" grpId="10"/>
-      <p:bldP build="whole" bldLvl="1" animBg="1" rev="0" advAuto="0" spid="292" grpId="3"/>
-      <p:bldP build="whole" bldLvl="1" animBg="1" rev="0" advAuto="0" spid="296" grpId="7"/>
-      <p:bldP build="whole" bldLvl="1" animBg="1" rev="0" advAuto="0" spid="299" grpId="4"/>
-      <p:bldP build="whole" bldLvl="1" animBg="1" rev="0" advAuto="0" spid="294" grpId="6"/>
+      <p:bldP build="whole" bldLvl="1" animBg="1" rev="0" advAuto="0" spid="303" grpId="6"/>
+      <p:bldP build="whole" bldLvl="1" animBg="1" rev="0" advAuto="0" spid="306" grpId="9"/>
+      <p:bldP build="whole" bldLvl="1" animBg="1" rev="0" advAuto="0" spid="300" grpId="1"/>
+      <p:bldP build="whole" bldLvl="1" animBg="1" rev="0" advAuto="0" spid="305" grpId="7"/>
+      <p:bldP build="whole" bldLvl="1" animBg="1" rev="0" advAuto="0" spid="301" grpId="3"/>
+      <p:bldP build="whole" bldLvl="1" animBg="1" rev="0" advAuto="0" spid="308" grpId="4"/>
+      <p:bldP build="whole" bldLvl="1" animBg="1" rev="0" advAuto="0" spid="296" grpId="2"/>
+      <p:bldP build="whole" bldLvl="1" animBg="1" rev="0" advAuto="0" spid="307" grpId="10"/>
+      <p:bldP build="whole" bldLvl="1" animBg="1" rev="0" advAuto="0" spid="302" grpId="5"/>
+      <p:bldP build="whole" bldLvl="1" animBg="1" rev="0" advAuto="0" spid="304" grpId="8"/>
     </p:bldLst>
   </p:timing>
 </p:sld>
@@ -7246,7 +7246,7 @@
       </p:grpSpPr>
       <p:sp>
         <p:nvSpPr>
-          <p:cNvPr id="301" name="Solving Recurrence Relation"/>
+          <p:cNvPr id="310" name="Solving Recurrence Relation"/>
           <p:cNvSpPr txBox="1"/>
           <p:nvPr>
             <p:ph type="title"/>
@@ -7270,7 +7270,7 @@
       </p:sp>
       <p:sp>
         <p:nvSpPr>
-          <p:cNvPr id="302" name="Slide Number"/>
+          <p:cNvPr id="311" name="Slide Number"/>
           <p:cNvSpPr txBox="1"/>
           <p:nvPr>
             <p:ph type="sldNum" sz="quarter" idx="2"/>
@@ -7297,7 +7297,7 @@
       </p:sp>
       <p:sp>
         <p:nvSpPr>
-          <p:cNvPr id="303" name="DAA/Divide and Conquer"/>
+          <p:cNvPr id="312" name="DAA/Divide and Conquer"/>
           <p:cNvSpPr txBox="1"/>
           <p:nvPr/>
         </p:nvSpPr>
@@ -7337,7 +7337,7 @@
       </p:sp>
       <p:sp>
         <p:nvSpPr>
-          <p:cNvPr id="304" name="RPR/"/>
+          <p:cNvPr id="313" name="RPR/"/>
           <p:cNvSpPr txBox="1"/>
           <p:nvPr/>
         </p:nvSpPr>
@@ -7377,7 +7377,7 @@
       </p:sp>
       <p:sp>
         <p:nvSpPr>
-          <p:cNvPr id="305" name="Equation"/>
+          <p:cNvPr id="314" name="Equation"/>
           <p:cNvSpPr txBox="1"/>
           <p:nvPr/>
         </p:nvSpPr>
@@ -7572,7 +7572,7 @@
       </p:sp>
       <p:sp>
         <p:nvSpPr>
-          <p:cNvPr id="306" name="Equation"/>
+          <p:cNvPr id="315" name="Equation"/>
           <p:cNvSpPr txBox="1"/>
           <p:nvPr/>
         </p:nvSpPr>
@@ -7812,7 +7812,7 @@
       </p:sp>
       <p:sp>
         <p:nvSpPr>
-          <p:cNvPr id="307" name="Equation"/>
+          <p:cNvPr id="316" name="Equation"/>
           <p:cNvSpPr txBox="1"/>
           <p:nvPr/>
         </p:nvSpPr>
@@ -8256,7 +8256,7 @@
       </p:sp>
       <p:sp>
         <p:nvSpPr>
-          <p:cNvPr id="308" name="Equation"/>
+          <p:cNvPr id="317" name="Equation"/>
           <p:cNvSpPr txBox="1"/>
           <p:nvPr/>
         </p:nvSpPr>
@@ -8543,7 +8543,7 @@
       </p:sp>
       <p:sp>
         <p:nvSpPr>
-          <p:cNvPr id="309" name="Thus, T(n) depends upon a, b, and f()"/>
+          <p:cNvPr id="318" name="Thus, T(n) depends upon a, b, and f()"/>
           <p:cNvSpPr txBox="1"/>
           <p:nvPr/>
         </p:nvSpPr>
@@ -8637,7 +8637,7 @@
       </p:sp>
       <p:sp>
         <p:nvSpPr>
-          <p:cNvPr id="310" name="As n=bk, then k=logbn, thus…"/>
+          <p:cNvPr id="319" name="As n=bk, then k=logbn, thus…"/>
           <p:cNvSpPr txBox="1"/>
           <p:nvPr/>
         </p:nvSpPr>
@@ -8797,7 +8797,7 @@
       </p:sp>
       <p:sp>
         <p:nvSpPr>
-          <p:cNvPr id="311" name="Equation"/>
+          <p:cNvPr id="320" name="Equation"/>
           <p:cNvSpPr txBox="1"/>
           <p:nvPr/>
         </p:nvSpPr>
@@ -9364,7 +9364,7 @@
                                       <p:cBhvr>
                                         <p:cTn id="6" fill="hold"/>
                                         <p:tgtEl>
-                                          <p:spTgt spid="305"/>
+                                          <p:spTgt spid="314"/>
                                         </p:tgtEl>
                                         <p:attrNameLst>
                                           <p:attrName>style.visibility</p:attrName>
@@ -9408,7 +9408,7 @@
                                       <p:cBhvr>
                                         <p:cTn id="10" fill="hold"/>
                                         <p:tgtEl>
-                                          <p:spTgt spid="306"/>
+                                          <p:spTgt spid="315"/>
                                         </p:tgtEl>
                                         <p:attrNameLst>
                                           <p:attrName>style.visibility</p:attrName>
@@ -9452,7 +9452,7 @@
                                       <p:cBhvr>
                                         <p:cTn id="14" fill="hold"/>
                                         <p:tgtEl>
-                                          <p:spTgt spid="307"/>
+                                          <p:spTgt spid="316"/>
                                         </p:tgtEl>
                                         <p:attrNameLst>
                                           <p:attrName>style.visibility</p:attrName>
@@ -9496,7 +9496,7 @@
                                       <p:cBhvr>
                                         <p:cTn id="18" fill="hold"/>
                                         <p:tgtEl>
-                                          <p:spTgt spid="308"/>
+                                          <p:spTgt spid="317"/>
                                         </p:tgtEl>
                                         <p:attrNameLst>
                                           <p:attrName>style.visibility</p:attrName>
@@ -9540,7 +9540,7 @@
                                       <p:cBhvr>
                                         <p:cTn id="22" fill="hold"/>
                                         <p:tgtEl>
-                                          <p:spTgt spid="309"/>
+                                          <p:spTgt spid="318"/>
                                         </p:tgtEl>
                                         <p:attrNameLst>
                                           <p:attrName>style.visibility</p:attrName>
@@ -9584,7 +9584,7 @@
                                       <p:cBhvr>
                                         <p:cTn id="26" fill="hold"/>
                                         <p:tgtEl>
-                                          <p:spTgt spid="310">
+                                          <p:spTgt spid="319">
                                             <p:bg/>
                                           </p:spTgt>
                                         </p:tgtEl>
@@ -9612,7 +9612,7 @@
                                       <p:cBhvr>
                                         <p:cTn id="28" fill="hold"/>
                                         <p:tgtEl>
-                                          <p:spTgt spid="310">
+                                          <p:spTgt spid="319">
                                             <p:txEl>
                                               <p:pRg st="0" end="0"/>
                                             </p:txEl>
@@ -9660,7 +9660,7 @@
                                       <p:cBhvr>
                                         <p:cTn id="32" fill="hold"/>
                                         <p:tgtEl>
-                                          <p:spTgt spid="310">
+                                          <p:spTgt spid="319">
                                             <p:txEl>
                                               <p:pRg st="1" end="1"/>
                                             </p:txEl>
@@ -9708,7 +9708,7 @@
                                       <p:cBhvr>
                                         <p:cTn id="36" fill="hold"/>
                                         <p:tgtEl>
-                                          <p:spTgt spid="311"/>
+                                          <p:spTgt spid="320"/>
                                         </p:tgtEl>
                                         <p:attrNameLst>
                                           <p:attrName>style.visibility</p:attrName>
@@ -9749,13 +9749,13 @@
       </p:par>
     </p:tnLst>
     <p:bldLst>
-      <p:bldP build="whole" bldLvl="1" animBg="1" rev="0" advAuto="0" spid="309" grpId="5"/>
-      <p:bldP build="whole" bldLvl="1" animBg="1" rev="0" advAuto="0" spid="305" grpId="1"/>
-      <p:bldP build="whole" bldLvl="1" animBg="1" rev="0" advAuto="0" spid="306" grpId="2"/>
-      <p:bldP build="whole" bldLvl="1" animBg="1" rev="0" advAuto="0" spid="311" grpId="7"/>
-      <p:bldP build="p" bldLvl="5" animBg="1" rev="0" advAuto="0" spid="310" grpId="6"/>
-      <p:bldP build="whole" bldLvl="1" animBg="1" rev="0" advAuto="0" spid="308" grpId="4"/>
-      <p:bldP build="whole" bldLvl="1" animBg="1" rev="0" advAuto="0" spid="307" grpId="3"/>
+      <p:bldP build="whole" bldLvl="1" animBg="1" rev="0" advAuto="0" spid="317" grpId="4"/>
+      <p:bldP build="p" bldLvl="5" animBg="1" rev="0" advAuto="0" spid="319" grpId="6"/>
+      <p:bldP build="whole" bldLvl="1" animBg="1" rev="0" advAuto="0" spid="315" grpId="2"/>
+      <p:bldP build="whole" bldLvl="1" animBg="1" rev="0" advAuto="0" spid="314" grpId="1"/>
+      <p:bldP build="whole" bldLvl="1" animBg="1" rev="0" advAuto="0" spid="320" grpId="7"/>
+      <p:bldP build="whole" bldLvl="1" animBg="1" rev="0" advAuto="0" spid="316" grpId="3"/>
+      <p:bldP build="whole" bldLvl="1" animBg="1" rev="0" advAuto="0" spid="318" grpId="5"/>
     </p:bldLst>
   </p:timing>
 </p:sld>
@@ -9780,7 +9780,7 @@
       </p:grpSpPr>
       <p:sp>
         <p:nvSpPr>
-          <p:cNvPr id="313" name="Recurrence :MaxMin Algo"/>
+          <p:cNvPr id="322" name="Recurrence :MaxMin Algo"/>
           <p:cNvSpPr txBox="1"/>
           <p:nvPr>
             <p:ph type="title"/>
@@ -9804,7 +9804,7 @@
       </p:sp>
       <p:sp>
         <p:nvSpPr>
-          <p:cNvPr id="314" name="Recurrence  relation for MaxMin…"/>
+          <p:cNvPr id="323" name="Recurrence  relation for MaxMin…"/>
           <p:cNvSpPr txBox="1"/>
           <p:nvPr>
             <p:ph type="body" idx="1"/>
@@ -10065,7 +10065,7 @@
       </p:sp>
       <p:sp>
         <p:nvSpPr>
-          <p:cNvPr id="315" name="Slide Number"/>
+          <p:cNvPr id="324" name="Slide Number"/>
           <p:cNvSpPr txBox="1"/>
           <p:nvPr>
             <p:ph type="sldNum" sz="quarter" idx="2"/>
@@ -10092,7 +10092,7 @@
       </p:sp>
       <p:sp>
         <p:nvSpPr>
-          <p:cNvPr id="316" name="DAA/Divide and Conquer"/>
+          <p:cNvPr id="325" name="DAA/Divide and Conquer"/>
           <p:cNvSpPr txBox="1"/>
           <p:nvPr/>
         </p:nvSpPr>
@@ -10132,7 +10132,7 @@
       </p:sp>
       <p:sp>
         <p:nvSpPr>
-          <p:cNvPr id="317" name="RPR/"/>
+          <p:cNvPr id="326" name="RPR/"/>
           <p:cNvSpPr txBox="1"/>
           <p:nvPr/>
         </p:nvSpPr>
@@ -10172,7 +10172,7 @@
       </p:sp>
       <p:sp>
         <p:nvSpPr>
-          <p:cNvPr id="318" name="Equation"/>
+          <p:cNvPr id="327" name="Equation"/>
           <p:cNvSpPr txBox="1"/>
           <p:nvPr/>
         </p:nvSpPr>
@@ -10605,7 +10605,7 @@
       </p:sp>
       <p:sp>
         <p:nvSpPr>
-          <p:cNvPr id="319" name="Equation"/>
+          <p:cNvPr id="328" name="Equation"/>
           <p:cNvSpPr txBox="1"/>
           <p:nvPr/>
         </p:nvSpPr>
@@ -10933,7 +10933,7 @@
       </p:sp>
       <p:sp>
         <p:nvSpPr>
-          <p:cNvPr id="320" name="Equation"/>
+          <p:cNvPr id="329" name="Equation"/>
           <p:cNvSpPr txBox="1"/>
           <p:nvPr/>
         </p:nvSpPr>
@@ -11259,7 +11259,7 @@
                                       <p:cBhvr>
                                         <p:cTn id="6" fill="hold"/>
                                         <p:tgtEl>
-                                          <p:spTgt spid="314">
+                                          <p:spTgt spid="323">
                                             <p:bg/>
                                           </p:spTgt>
                                         </p:tgtEl>
@@ -11287,7 +11287,7 @@
                                       <p:cBhvr>
                                         <p:cTn id="8" fill="hold"/>
                                         <p:tgtEl>
-                                          <p:spTgt spid="314">
+                                          <p:spTgt spid="323">
                                             <p:txEl>
                                               <p:pRg st="0" end="0"/>
                                             </p:txEl>
@@ -11335,7 +11335,7 @@
                                       <p:cBhvr>
                                         <p:cTn id="12" fill="hold"/>
                                         <p:tgtEl>
-                                          <p:spTgt spid="314">
+                                          <p:spTgt spid="323">
                                             <p:txEl>
                                               <p:pRg st="1" end="1"/>
                                             </p:txEl>
@@ -11383,7 +11383,7 @@
                                       <p:cBhvr>
                                         <p:cTn id="16" fill="hold"/>
                                         <p:tgtEl>
-                                          <p:spTgt spid="314">
+                                          <p:spTgt spid="323">
                                             <p:txEl>
                                               <p:pRg st="2" end="2"/>
                                             </p:txEl>
@@ -11431,7 +11431,7 @@
                                       <p:cBhvr>
                                         <p:cTn id="20" fill="hold"/>
                                         <p:tgtEl>
-                                          <p:spTgt spid="314">
+                                          <p:spTgt spid="323">
                                             <p:txEl>
                                               <p:pRg st="3" end="3"/>
                                             </p:txEl>
@@ -11479,7 +11479,7 @@
                                       <p:cBhvr>
                                         <p:cTn id="24" fill="hold"/>
                                         <p:tgtEl>
-                                          <p:spTgt spid="314">
+                                          <p:spTgt spid="323">
                                             <p:txEl>
                                               <p:pRg st="4" end="4"/>
                                             </p:txEl>
@@ -11527,7 +11527,7 @@
                                       <p:cBhvr>
                                         <p:cTn id="28" fill="hold"/>
                                         <p:tgtEl>
-                                          <p:spTgt spid="314">
+                                          <p:spTgt spid="323">
                                             <p:txEl>
                                               <p:pRg st="5" end="5"/>
                                             </p:txEl>
@@ -11575,7 +11575,7 @@
                                       <p:cBhvr>
                                         <p:cTn id="32" fill="hold"/>
                                         <p:tgtEl>
-                                          <p:spTgt spid="314">
+                                          <p:spTgt spid="323">
                                             <p:txEl>
                                               <p:pRg st="6" end="6"/>
                                             </p:txEl>
@@ -11623,7 +11623,7 @@
                                       <p:cBhvr>
                                         <p:cTn id="36" fill="hold"/>
                                         <p:tgtEl>
-                                          <p:spTgt spid="314">
+                                          <p:spTgt spid="323">
                                             <p:txEl>
                                               <p:pRg st="7" end="7"/>
                                             </p:txEl>
@@ -11671,7 +11671,7 @@
                                       <p:cBhvr>
                                         <p:cTn id="40" fill="hold"/>
                                         <p:tgtEl>
-                                          <p:spTgt spid="314">
+                                          <p:spTgt spid="323">
                                             <p:txEl>
                                               <p:pRg st="8" end="8"/>
                                             </p:txEl>
@@ -11719,7 +11719,7 @@
                                       <p:cBhvr>
                                         <p:cTn id="44" fill="hold"/>
                                         <p:tgtEl>
-                                          <p:spTgt spid="318"/>
+                                          <p:spTgt spid="327"/>
                                         </p:tgtEl>
                                         <p:attrNameLst>
                                           <p:attrName>style.visibility</p:attrName>
@@ -11763,7 +11763,7 @@
                                       <p:cBhvr>
                                         <p:cTn id="48" fill="hold"/>
                                         <p:tgtEl>
-                                          <p:spTgt spid="319"/>
+                                          <p:spTgt spid="328"/>
                                         </p:tgtEl>
                                         <p:attrNameLst>
                                           <p:attrName>style.visibility</p:attrName>
@@ -11807,7 +11807,7 @@
                                       <p:cBhvr>
                                         <p:cTn id="52" fill="hold"/>
                                         <p:tgtEl>
-                                          <p:spTgt spid="320"/>
+                                          <p:spTgt spid="329"/>
                                         </p:tgtEl>
                                         <p:attrNameLst>
                                           <p:attrName>style.visibility</p:attrName>
@@ -11848,10 +11848,10 @@
       </p:par>
     </p:tnLst>
     <p:bldLst>
-      <p:bldP build="whole" bldLvl="1" animBg="1" rev="0" advAuto="0" spid="318" grpId="2"/>
-      <p:bldP build="whole" bldLvl="1" animBg="1" rev="0" advAuto="0" spid="320" grpId="4"/>
-      <p:bldP build="whole" bldLvl="1" animBg="1" rev="0" advAuto="0" spid="319" grpId="3"/>
-      <p:bldP build="p" bldLvl="5" animBg="1" rev="0" advAuto="0" spid="314" grpId="1"/>
+      <p:bldP build="whole" bldLvl="1" animBg="1" rev="0" advAuto="0" spid="329" grpId="4"/>
+      <p:bldP build="whole" bldLvl="1" animBg="1" rev="0" advAuto="0" spid="328" grpId="3"/>
+      <p:bldP build="whole" bldLvl="1" animBg="1" rev="0" advAuto="0" spid="327" grpId="2"/>
+      <p:bldP build="p" bldLvl="5" animBg="1" rev="0" advAuto="0" spid="323" grpId="1"/>
     </p:bldLst>
   </p:timing>
 </p:sld>
@@ -11876,7 +11876,7 @@
       </p:grpSpPr>
       <p:sp>
         <p:nvSpPr>
-          <p:cNvPr id="322" name="Recurrence :MaxMin Algo"/>
+          <p:cNvPr id="331" name="Recurrence :MaxMin Algo"/>
           <p:cNvSpPr txBox="1"/>
           <p:nvPr>
             <p:ph type="title"/>
@@ -11900,7 +11900,7 @@
       </p:sp>
       <p:sp>
         <p:nvSpPr>
-          <p:cNvPr id="323" name="Slide Number"/>
+          <p:cNvPr id="332" name="Slide Number"/>
           <p:cNvSpPr txBox="1"/>
           <p:nvPr>
             <p:ph type="sldNum" sz="quarter" idx="2"/>
@@ -11927,7 +11927,7 @@
       </p:sp>
       <p:sp>
         <p:nvSpPr>
-          <p:cNvPr id="324" name="DAA/Divide and Conquer"/>
+          <p:cNvPr id="333" name="DAA/Divide and Conquer"/>
           <p:cNvSpPr txBox="1"/>
           <p:nvPr/>
         </p:nvSpPr>
@@ -11967,7 +11967,7 @@
       </p:sp>
       <p:sp>
         <p:nvSpPr>
-          <p:cNvPr id="325" name="RPR/"/>
+          <p:cNvPr id="334" name="RPR/"/>
           <p:cNvSpPr txBox="1"/>
           <p:nvPr/>
         </p:nvSpPr>
@@ -12007,7 +12007,7 @@
       </p:sp>
       <p:sp>
         <p:nvSpPr>
-          <p:cNvPr id="326" name="Equation"/>
+          <p:cNvPr id="335" name="Equation"/>
           <p:cNvSpPr txBox="1"/>
           <p:nvPr/>
         </p:nvSpPr>
@@ -12332,7 +12332,7 @@
       </p:sp>
       <p:sp>
         <p:nvSpPr>
-          <p:cNvPr id="327" name="Equation"/>
+          <p:cNvPr id="336" name="Equation"/>
           <p:cNvSpPr txBox="1"/>
           <p:nvPr/>
         </p:nvSpPr>
@@ -12678,7 +12678,7 @@
       </p:sp>
       <p:sp>
         <p:nvSpPr>
-          <p:cNvPr id="328" name="Equation"/>
+          <p:cNvPr id="337" name="Equation"/>
           <p:cNvSpPr txBox="1"/>
           <p:nvPr/>
         </p:nvSpPr>
@@ -12949,7 +12949,7 @@
       </p:sp>
       <p:sp>
         <p:nvSpPr>
-          <p:cNvPr id="329" name="Equation"/>
+          <p:cNvPr id="338" name="Equation"/>
           <p:cNvSpPr txBox="1"/>
           <p:nvPr/>
         </p:nvSpPr>
@@ -13124,7 +13124,7 @@
       </p:sp>
       <p:sp>
         <p:nvSpPr>
-          <p:cNvPr id="330" name="Equation"/>
+          <p:cNvPr id="339" name="Equation"/>
           <p:cNvSpPr txBox="1"/>
           <p:nvPr/>
         </p:nvSpPr>
@@ -13281,7 +13281,7 @@
       </p:sp>
       <p:sp>
         <p:nvSpPr>
-          <p:cNvPr id="331" name="Equation"/>
+          <p:cNvPr id="340" name="Equation"/>
           <p:cNvSpPr txBox="1"/>
           <p:nvPr/>
         </p:nvSpPr>
@@ -13431,7 +13431,7 @@
                                       <p:cBhvr>
                                         <p:cTn id="6" fill="hold"/>
                                         <p:tgtEl>
-                                          <p:spTgt spid="326"/>
+                                          <p:spTgt spid="335"/>
                                         </p:tgtEl>
                                         <p:attrNameLst>
                                           <p:attrName>style.visibility</p:attrName>
@@ -13475,7 +13475,7 @@
                                       <p:cBhvr>
                                         <p:cTn id="10" fill="hold"/>
                                         <p:tgtEl>
-                                          <p:spTgt spid="327"/>
+                                          <p:spTgt spid="336"/>
                                         </p:tgtEl>
                                         <p:attrNameLst>
                                           <p:attrName>style.visibility</p:attrName>
@@ -13519,7 +13519,7 @@
                                       <p:cBhvr>
                                         <p:cTn id="14" fill="hold"/>
                                         <p:tgtEl>
-                                          <p:spTgt spid="328"/>
+                                          <p:spTgt spid="337"/>
                                         </p:tgtEl>
                                         <p:attrNameLst>
                                           <p:attrName>style.visibility</p:attrName>
@@ -13563,7 +13563,7 @@
                                       <p:cBhvr>
                                         <p:cTn id="18" fill="hold"/>
                                         <p:tgtEl>
-                                          <p:spTgt spid="329"/>
+                                          <p:spTgt spid="338"/>
                                         </p:tgtEl>
                                         <p:attrNameLst>
                                           <p:attrName>style.visibility</p:attrName>
@@ -13607,7 +13607,7 @@
                                       <p:cBhvr>
                                         <p:cTn id="22" fill="hold"/>
                                         <p:tgtEl>
-                                          <p:spTgt spid="330"/>
+                                          <p:spTgt spid="339"/>
                                         </p:tgtEl>
                                         <p:attrNameLst>
                                           <p:attrName>style.visibility</p:attrName>
@@ -13651,7 +13651,7 @@
                                       <p:cBhvr>
                                         <p:cTn id="26" fill="hold"/>
                                         <p:tgtEl>
-                                          <p:spTgt spid="331"/>
+                                          <p:spTgt spid="340"/>
                                         </p:tgtEl>
                                         <p:attrNameLst>
                                           <p:attrName>style.visibility</p:attrName>
@@ -13692,12 +13692,12 @@
       </p:par>
     </p:tnLst>
     <p:bldLst>
-      <p:bldP build="whole" bldLvl="1" animBg="1" rev="0" advAuto="0" spid="328" grpId="3"/>
-      <p:bldP build="whole" bldLvl="1" animBg="1" rev="0" advAuto="0" spid="326" grpId="1"/>
-      <p:bldP build="whole" bldLvl="1" animBg="1" rev="0" advAuto="0" spid="329" grpId="4"/>
-      <p:bldP build="whole" bldLvl="1" animBg="1" rev="0" advAuto="0" spid="327" grpId="2"/>
-      <p:bldP build="whole" bldLvl="1" animBg="1" rev="0" advAuto="0" spid="330" grpId="5"/>
-      <p:bldP build="whole" bldLvl="1" animBg="1" rev="0" advAuto="0" spid="331" grpId="6"/>
+      <p:bldP build="whole" bldLvl="1" animBg="1" rev="0" advAuto="0" spid="339" grpId="5"/>
+      <p:bldP build="whole" bldLvl="1" animBg="1" rev="0" advAuto="0" spid="336" grpId="2"/>
+      <p:bldP build="whole" bldLvl="1" animBg="1" rev="0" advAuto="0" spid="340" grpId="6"/>
+      <p:bldP build="whole" bldLvl="1" animBg="1" rev="0" advAuto="0" spid="335" grpId="1"/>
+      <p:bldP build="whole" bldLvl="1" animBg="1" rev="0" advAuto="0" spid="337" grpId="3"/>
+      <p:bldP build="whole" bldLvl="1" animBg="1" rev="0" advAuto="0" spid="338" grpId="4"/>
     </p:bldLst>
   </p:timing>
 </p:sld>
@@ -15421,9 +15421,9 @@
       </p:par>
     </p:tnLst>
     <p:bldLst>
+      <p:bldP build="whole" bldLvl="1" animBg="1" rev="0" advAuto="0" spid="52" grpId="1"/>
       <p:bldP build="p" bldLvl="5" animBg="1" rev="0" advAuto="0" spid="48" grpId="2"/>
       <p:bldP build="whole" bldLvl="1" animBg="1" rev="0" advAuto="0" spid="53" grpId="3"/>
-      <p:bldP build="whole" bldLvl="1" animBg="1" rev="0" advAuto="0" spid="52" grpId="1"/>
     </p:bldLst>
   </p:timing>
 </p:sld>
@@ -18019,10 +18019,10 @@
     <p:bldLst>
       <p:bldP build="whole" bldLvl="1" animBg="1" rev="0" advAuto="0" spid="70" grpId="2"/>
       <p:bldP build="whole" bldLvl="1" animBg="1" rev="0" advAuto="0" spid="80" grpId="3"/>
+      <p:bldP build="whole" bldLvl="1" animBg="1" rev="0" advAuto="0" spid="90" grpId="5"/>
+      <p:bldP build="p" bldLvl="5" animBg="1" rev="0" advAuto="0" spid="91" grpId="6"/>
+      <p:bldP build="whole" bldLvl="1" animBg="1" rev="0" advAuto="0" spid="56" grpId="1"/>
       <p:bldP build="whole" bldLvl="1" animBg="1" rev="0" advAuto="0" spid="60" grpId="4"/>
-      <p:bldP build="whole" bldLvl="1" animBg="1" rev="0" advAuto="0" spid="90" grpId="5"/>
-      <p:bldP build="whole" bldLvl="1" animBg="1" rev="0" advAuto="0" spid="56" grpId="1"/>
-      <p:bldP build="p" bldLvl="5" animBg="1" rev="0" advAuto="0" spid="91" grpId="6"/>
     </p:bldLst>
   </p:timing>
 </p:sld>
@@ -20975,16 +20975,16 @@
       </p:par>
     </p:tnLst>
     <p:bldLst>
+      <p:bldP build="whole" bldLvl="1" animBg="1" rev="0" advAuto="0" spid="119" grpId="2"/>
       <p:bldP build="whole" bldLvl="1" animBg="1" rev="0" advAuto="0" spid="109" grpId="4"/>
+      <p:bldP build="p" bldLvl="5" animBg="1" rev="0" advAuto="0" spid="141" grpId="10"/>
+      <p:bldP build="whole" bldLvl="1" animBg="1" rev="0" advAuto="0" spid="129" grpId="3"/>
+      <p:bldP build="whole" bldLvl="1" animBg="1" rev="0" advAuto="0" spid="108" grpId="5"/>
+      <p:bldP build="whole" bldLvl="1" animBg="1" rev="0" advAuto="0" spid="130" grpId="7"/>
       <p:bldP build="whole" bldLvl="1" animBg="1" rev="0" advAuto="0" spid="107" grpId="6"/>
-      <p:bldP build="whole" bldLvl="1" animBg="1" rev="0" advAuto="0" spid="119" grpId="2"/>
-      <p:bldP build="whole" bldLvl="1" animBg="1" rev="0" advAuto="0" spid="108" grpId="5"/>
-      <p:bldP build="whole" bldLvl="1" animBg="1" rev="0" advAuto="0" spid="140" grpId="9"/>
-      <p:bldP build="whole" bldLvl="1" animBg="1" rev="0" advAuto="0" spid="129" grpId="3"/>
       <p:bldP build="whole" bldLvl="1" animBg="1" rev="0" advAuto="0" spid="94" grpId="1"/>
       <p:bldP build="whole" bldLvl="1" animBg="1" rev="0" advAuto="0" spid="139" grpId="8"/>
-      <p:bldP build="p" bldLvl="5" animBg="1" rev="0" advAuto="0" spid="141" grpId="10"/>
-      <p:bldP build="whole" bldLvl="1" animBg="1" rev="0" advAuto="0" spid="130" grpId="7"/>
+      <p:bldP build="whole" bldLvl="1" animBg="1" rev="0" advAuto="0" spid="140" grpId="9"/>
     </p:bldLst>
   </p:timing>
 </p:sld>
@@ -22427,1189 +22427,1529 @@
           </a:p>
         </p:txBody>
       </p:sp>
-      <p:sp>
-        <p:nvSpPr>
-          <p:cNvPr id="156" name="Oval"/>
-          <p:cNvSpPr/>
-          <p:nvPr/>
-        </p:nvSpPr>
-        <p:spPr>
-          <a:xfrm>
-            <a:off x="2377040" y="1921836"/>
-            <a:ext cx="125235" cy="178237"/>
-          </a:xfrm>
-          <a:prstGeom prst="ellipse">
-            <a:avLst/>
-          </a:prstGeom>
-          <a:solidFill>
-            <a:srgbClr val="00D2A9"/>
-          </a:solidFill>
-          <a:ln>
-            <a:solidFill>
-              <a:srgbClr val="000000"/>
-            </a:solidFill>
-          </a:ln>
-        </p:spPr>
-        <p:txBody>
-          <a:bodyPr lIns="50800" tIns="50800" rIns="50800" bIns="50800" anchor="ctr"/>
-          <a:lstStyle/>
-          <a:p>
-            <a:pPr/>
-          </a:p>
-        </p:txBody>
-      </p:sp>
-      <p:sp>
-        <p:nvSpPr>
-          <p:cNvPr id="157" name="Oval"/>
-          <p:cNvSpPr/>
-          <p:nvPr/>
-        </p:nvSpPr>
-        <p:spPr>
-          <a:xfrm>
-            <a:off x="3950718" y="1921836"/>
-            <a:ext cx="125234" cy="178237"/>
-          </a:xfrm>
-          <a:prstGeom prst="ellipse">
-            <a:avLst/>
-          </a:prstGeom>
-          <a:solidFill>
-            <a:srgbClr val="00D2A9"/>
-          </a:solidFill>
-          <a:ln>
-            <a:solidFill>
-              <a:srgbClr val="000000"/>
-            </a:solidFill>
-          </a:ln>
-        </p:spPr>
-        <p:txBody>
-          <a:bodyPr lIns="50800" tIns="50800" rIns="50800" bIns="50800" anchor="ctr"/>
-          <a:lstStyle/>
-          <a:p>
-            <a:pPr/>
-          </a:p>
-        </p:txBody>
-      </p:sp>
-      <p:sp>
-        <p:nvSpPr>
-          <p:cNvPr id="158" name="Oval"/>
-          <p:cNvSpPr/>
-          <p:nvPr/>
-        </p:nvSpPr>
-        <p:spPr>
-          <a:xfrm>
-            <a:off x="5679165" y="1921836"/>
-            <a:ext cx="125235" cy="178237"/>
-          </a:xfrm>
-          <a:prstGeom prst="ellipse">
-            <a:avLst/>
-          </a:prstGeom>
-          <a:solidFill>
-            <a:srgbClr val="00D2A9"/>
-          </a:solidFill>
-          <a:ln>
-            <a:solidFill>
-              <a:srgbClr val="000000"/>
-            </a:solidFill>
-          </a:ln>
-        </p:spPr>
-        <p:txBody>
-          <a:bodyPr lIns="50800" tIns="50800" rIns="50800" bIns="50800" anchor="ctr"/>
-          <a:lstStyle/>
-          <a:p>
-            <a:pPr/>
-          </a:p>
-        </p:txBody>
-      </p:sp>
-      <p:sp>
-        <p:nvSpPr>
-          <p:cNvPr id="159" name="Oval"/>
-          <p:cNvSpPr/>
-          <p:nvPr/>
-        </p:nvSpPr>
-        <p:spPr>
-          <a:xfrm>
-            <a:off x="7825398" y="1921836"/>
-            <a:ext cx="125234" cy="178237"/>
-          </a:xfrm>
-          <a:prstGeom prst="ellipse">
-            <a:avLst/>
-          </a:prstGeom>
-          <a:solidFill>
-            <a:srgbClr val="00D2A9"/>
-          </a:solidFill>
-          <a:ln>
-            <a:solidFill>
-              <a:srgbClr val="000000"/>
-            </a:solidFill>
-          </a:ln>
-        </p:spPr>
-        <p:txBody>
-          <a:bodyPr lIns="50800" tIns="50800" rIns="50800" bIns="50800" anchor="ctr"/>
-          <a:lstStyle/>
-          <a:p>
-            <a:pPr/>
-          </a:p>
-        </p:txBody>
-      </p:sp>
-      <p:sp>
-        <p:nvSpPr>
-          <p:cNvPr id="160" name="Oval"/>
-          <p:cNvSpPr/>
-          <p:nvPr/>
-        </p:nvSpPr>
-        <p:spPr>
-          <a:xfrm>
-            <a:off x="2597488" y="3297058"/>
-            <a:ext cx="125234" cy="178237"/>
-          </a:xfrm>
-          <a:prstGeom prst="ellipse">
-            <a:avLst/>
-          </a:prstGeom>
-          <a:solidFill>
-            <a:srgbClr val="00D2A9"/>
-          </a:solidFill>
-          <a:ln>
-            <a:solidFill>
-              <a:srgbClr val="000000"/>
-            </a:solidFill>
-          </a:ln>
-        </p:spPr>
-        <p:txBody>
-          <a:bodyPr lIns="50800" tIns="50800" rIns="50800" bIns="50800" anchor="ctr"/>
-          <a:lstStyle/>
-          <a:p>
-            <a:pPr/>
-          </a:p>
-        </p:txBody>
-      </p:sp>
-      <p:sp>
-        <p:nvSpPr>
-          <p:cNvPr id="161" name="Oval"/>
-          <p:cNvSpPr/>
-          <p:nvPr/>
-        </p:nvSpPr>
-        <p:spPr>
-          <a:xfrm>
-            <a:off x="2321970" y="3297058"/>
-            <a:ext cx="125234" cy="178237"/>
-          </a:xfrm>
-          <a:prstGeom prst="ellipse">
-            <a:avLst/>
-          </a:prstGeom>
-          <a:solidFill>
-            <a:srgbClr val="00D2A9"/>
-          </a:solidFill>
-          <a:ln>
-            <a:solidFill>
-              <a:srgbClr val="000000"/>
-            </a:solidFill>
-          </a:ln>
-        </p:spPr>
-        <p:txBody>
-          <a:bodyPr lIns="50800" tIns="50800" rIns="50800" bIns="50800" anchor="ctr"/>
-          <a:lstStyle/>
-          <a:p>
-            <a:pPr/>
-          </a:p>
-        </p:txBody>
-      </p:sp>
-      <p:sp>
-        <p:nvSpPr>
-          <p:cNvPr id="162" name="Oval"/>
-          <p:cNvSpPr/>
-          <p:nvPr/>
-        </p:nvSpPr>
-        <p:spPr>
-          <a:xfrm>
-            <a:off x="2046451" y="3297058"/>
-            <a:ext cx="125234" cy="178237"/>
-          </a:xfrm>
-          <a:prstGeom prst="ellipse">
-            <a:avLst/>
-          </a:prstGeom>
-          <a:solidFill>
-            <a:srgbClr val="00D2A9"/>
-          </a:solidFill>
-          <a:ln>
-            <a:solidFill>
-              <a:srgbClr val="000000"/>
-            </a:solidFill>
-          </a:ln>
-        </p:spPr>
-        <p:txBody>
-          <a:bodyPr lIns="50800" tIns="50800" rIns="50800" bIns="50800" anchor="ctr"/>
-          <a:lstStyle/>
-          <a:p>
-            <a:pPr/>
-          </a:p>
-        </p:txBody>
-      </p:sp>
-      <p:sp>
-        <p:nvSpPr>
-          <p:cNvPr id="163" name="Oval"/>
-          <p:cNvSpPr/>
-          <p:nvPr/>
-        </p:nvSpPr>
-        <p:spPr>
-          <a:xfrm>
-            <a:off x="1770932" y="3297058"/>
-            <a:ext cx="125235" cy="178237"/>
-          </a:xfrm>
-          <a:prstGeom prst="ellipse">
-            <a:avLst/>
-          </a:prstGeom>
-          <a:solidFill>
-            <a:srgbClr val="00D2A9"/>
-          </a:solidFill>
-          <a:ln>
-            <a:solidFill>
-              <a:srgbClr val="000000"/>
-            </a:solidFill>
-          </a:ln>
-        </p:spPr>
-        <p:txBody>
-          <a:bodyPr lIns="50800" tIns="50800" rIns="50800" bIns="50800" anchor="ctr"/>
-          <a:lstStyle/>
-          <a:p>
-            <a:pPr/>
-          </a:p>
-        </p:txBody>
-      </p:sp>
-      <p:sp>
-        <p:nvSpPr>
-          <p:cNvPr id="164" name="Oval"/>
-          <p:cNvSpPr/>
-          <p:nvPr/>
-        </p:nvSpPr>
-        <p:spPr>
-          <a:xfrm>
-            <a:off x="4363996" y="3281656"/>
-            <a:ext cx="125234" cy="178237"/>
-          </a:xfrm>
-          <a:prstGeom prst="ellipse">
-            <a:avLst/>
-          </a:prstGeom>
-          <a:solidFill>
-            <a:srgbClr val="00D2A9"/>
-          </a:solidFill>
-          <a:ln>
-            <a:solidFill>
-              <a:srgbClr val="000000"/>
-            </a:solidFill>
-          </a:ln>
-        </p:spPr>
-        <p:txBody>
-          <a:bodyPr lIns="50800" tIns="50800" rIns="50800" bIns="50800" anchor="ctr"/>
-          <a:lstStyle/>
-          <a:p>
-            <a:pPr/>
-          </a:p>
-        </p:txBody>
-      </p:sp>
-      <p:sp>
-        <p:nvSpPr>
-          <p:cNvPr id="165" name="Oval"/>
-          <p:cNvSpPr/>
-          <p:nvPr/>
-        </p:nvSpPr>
-        <p:spPr>
-          <a:xfrm>
-            <a:off x="4088477" y="3281656"/>
-            <a:ext cx="125235" cy="178237"/>
-          </a:xfrm>
-          <a:prstGeom prst="ellipse">
-            <a:avLst/>
-          </a:prstGeom>
-          <a:solidFill>
-            <a:srgbClr val="00D2A9"/>
-          </a:solidFill>
-          <a:ln>
-            <a:solidFill>
-              <a:srgbClr val="000000"/>
-            </a:solidFill>
-          </a:ln>
-        </p:spPr>
-        <p:txBody>
-          <a:bodyPr lIns="50800" tIns="50800" rIns="50800" bIns="50800" anchor="ctr"/>
-          <a:lstStyle/>
-          <a:p>
-            <a:pPr/>
-          </a:p>
-        </p:txBody>
-      </p:sp>
-      <p:sp>
-        <p:nvSpPr>
-          <p:cNvPr id="166" name="Oval"/>
-          <p:cNvSpPr/>
-          <p:nvPr/>
-        </p:nvSpPr>
-        <p:spPr>
-          <a:xfrm>
-            <a:off x="3812959" y="3281656"/>
-            <a:ext cx="125234" cy="178237"/>
-          </a:xfrm>
-          <a:prstGeom prst="ellipse">
-            <a:avLst/>
-          </a:prstGeom>
-          <a:solidFill>
-            <a:srgbClr val="00D2A9"/>
-          </a:solidFill>
-          <a:ln>
-            <a:solidFill>
-              <a:srgbClr val="000000"/>
-            </a:solidFill>
-          </a:ln>
-        </p:spPr>
-        <p:txBody>
-          <a:bodyPr lIns="50800" tIns="50800" rIns="50800" bIns="50800" anchor="ctr"/>
-          <a:lstStyle/>
-          <a:p>
-            <a:pPr/>
-          </a:p>
-        </p:txBody>
-      </p:sp>
-      <p:sp>
-        <p:nvSpPr>
-          <p:cNvPr id="167" name="Oval"/>
-          <p:cNvSpPr/>
-          <p:nvPr/>
-        </p:nvSpPr>
-        <p:spPr>
-          <a:xfrm>
-            <a:off x="3537440" y="3281656"/>
-            <a:ext cx="125234" cy="178237"/>
-          </a:xfrm>
-          <a:prstGeom prst="ellipse">
-            <a:avLst/>
-          </a:prstGeom>
-          <a:solidFill>
-            <a:srgbClr val="00D2A9"/>
-          </a:solidFill>
-          <a:ln>
-            <a:solidFill>
-              <a:srgbClr val="000000"/>
-            </a:solidFill>
-          </a:ln>
-        </p:spPr>
-        <p:txBody>
-          <a:bodyPr lIns="50800" tIns="50800" rIns="50800" bIns="50800" anchor="ctr"/>
-          <a:lstStyle/>
-          <a:p>
-            <a:pPr/>
-          </a:p>
-        </p:txBody>
-      </p:sp>
-      <p:sp>
-        <p:nvSpPr>
-          <p:cNvPr id="168" name="Oval"/>
-          <p:cNvSpPr/>
-          <p:nvPr/>
-        </p:nvSpPr>
-        <p:spPr>
-          <a:xfrm>
-            <a:off x="6143243" y="3281656"/>
-            <a:ext cx="125234" cy="178237"/>
-          </a:xfrm>
-          <a:prstGeom prst="ellipse">
-            <a:avLst/>
-          </a:prstGeom>
-          <a:solidFill>
-            <a:srgbClr val="00D2A9"/>
-          </a:solidFill>
-          <a:ln>
-            <a:solidFill>
-              <a:srgbClr val="000000"/>
-            </a:solidFill>
-          </a:ln>
-        </p:spPr>
-        <p:txBody>
-          <a:bodyPr lIns="50800" tIns="50800" rIns="50800" bIns="50800" anchor="ctr"/>
-          <a:lstStyle/>
-          <a:p>
-            <a:pPr/>
-          </a:p>
-        </p:txBody>
-      </p:sp>
-      <p:sp>
-        <p:nvSpPr>
-          <p:cNvPr id="169" name="Oval"/>
-          <p:cNvSpPr/>
-          <p:nvPr/>
-        </p:nvSpPr>
-        <p:spPr>
-          <a:xfrm>
-            <a:off x="5867724" y="3281656"/>
-            <a:ext cx="125235" cy="178237"/>
-          </a:xfrm>
-          <a:prstGeom prst="ellipse">
-            <a:avLst/>
-          </a:prstGeom>
-          <a:solidFill>
-            <a:srgbClr val="00D2A9"/>
-          </a:solidFill>
-          <a:ln>
-            <a:solidFill>
-              <a:srgbClr val="000000"/>
-            </a:solidFill>
-          </a:ln>
-        </p:spPr>
-        <p:txBody>
-          <a:bodyPr lIns="50800" tIns="50800" rIns="50800" bIns="50800" anchor="ctr"/>
-          <a:lstStyle/>
-          <a:p>
-            <a:pPr/>
-          </a:p>
-        </p:txBody>
-      </p:sp>
-      <p:sp>
-        <p:nvSpPr>
-          <p:cNvPr id="170" name="Oval"/>
-          <p:cNvSpPr/>
-          <p:nvPr/>
-        </p:nvSpPr>
-        <p:spPr>
-          <a:xfrm>
-            <a:off x="5592206" y="3281656"/>
-            <a:ext cx="125234" cy="178237"/>
-          </a:xfrm>
-          <a:prstGeom prst="ellipse">
-            <a:avLst/>
-          </a:prstGeom>
-          <a:solidFill>
-            <a:srgbClr val="00D2A9"/>
-          </a:solidFill>
-          <a:ln>
-            <a:solidFill>
-              <a:srgbClr val="000000"/>
-            </a:solidFill>
-          </a:ln>
-        </p:spPr>
-        <p:txBody>
-          <a:bodyPr lIns="50800" tIns="50800" rIns="50800" bIns="50800" anchor="ctr"/>
-          <a:lstStyle/>
-          <a:p>
-            <a:pPr/>
-          </a:p>
-        </p:txBody>
-      </p:sp>
-      <p:sp>
-        <p:nvSpPr>
-          <p:cNvPr id="171" name="Oval"/>
-          <p:cNvSpPr/>
-          <p:nvPr/>
-        </p:nvSpPr>
-        <p:spPr>
-          <a:xfrm>
-            <a:off x="5316687" y="3281656"/>
-            <a:ext cx="125235" cy="178237"/>
-          </a:xfrm>
-          <a:prstGeom prst="ellipse">
-            <a:avLst/>
-          </a:prstGeom>
-          <a:solidFill>
-            <a:srgbClr val="00D2A9"/>
-          </a:solidFill>
-          <a:ln>
-            <a:solidFill>
-              <a:srgbClr val="000000"/>
-            </a:solidFill>
-          </a:ln>
-        </p:spPr>
-        <p:txBody>
-          <a:bodyPr lIns="50800" tIns="50800" rIns="50800" bIns="50800" anchor="ctr"/>
-          <a:lstStyle/>
-          <a:p>
-            <a:pPr/>
-          </a:p>
-        </p:txBody>
-      </p:sp>
-      <p:sp>
-        <p:nvSpPr>
-          <p:cNvPr id="172" name="Oval"/>
-          <p:cNvSpPr/>
-          <p:nvPr/>
-        </p:nvSpPr>
-        <p:spPr>
-          <a:xfrm>
-            <a:off x="8198008" y="3281656"/>
-            <a:ext cx="125235" cy="178237"/>
-          </a:xfrm>
-          <a:prstGeom prst="ellipse">
-            <a:avLst/>
-          </a:prstGeom>
-          <a:solidFill>
-            <a:srgbClr val="00D2A9"/>
-          </a:solidFill>
-          <a:ln>
-            <a:solidFill>
-              <a:srgbClr val="000000"/>
-            </a:solidFill>
-          </a:ln>
-        </p:spPr>
-        <p:txBody>
-          <a:bodyPr lIns="50800" tIns="50800" rIns="50800" bIns="50800" anchor="ctr"/>
-          <a:lstStyle/>
-          <a:p>
-            <a:pPr/>
-          </a:p>
-        </p:txBody>
-      </p:sp>
-      <p:sp>
-        <p:nvSpPr>
-          <p:cNvPr id="173" name="Oval"/>
-          <p:cNvSpPr/>
-          <p:nvPr/>
-        </p:nvSpPr>
-        <p:spPr>
-          <a:xfrm>
-            <a:off x="7922490" y="3281656"/>
-            <a:ext cx="125235" cy="178237"/>
-          </a:xfrm>
-          <a:prstGeom prst="ellipse">
-            <a:avLst/>
-          </a:prstGeom>
-          <a:solidFill>
-            <a:srgbClr val="00D2A9"/>
-          </a:solidFill>
-          <a:ln>
-            <a:solidFill>
-              <a:srgbClr val="000000"/>
-            </a:solidFill>
-          </a:ln>
-        </p:spPr>
-        <p:txBody>
-          <a:bodyPr lIns="50800" tIns="50800" rIns="50800" bIns="50800" anchor="ctr"/>
-          <a:lstStyle/>
-          <a:p>
-            <a:pPr/>
-          </a:p>
-        </p:txBody>
-      </p:sp>
-      <p:sp>
-        <p:nvSpPr>
-          <p:cNvPr id="174" name="Oval"/>
-          <p:cNvSpPr/>
-          <p:nvPr/>
-        </p:nvSpPr>
-        <p:spPr>
-          <a:xfrm>
-            <a:off x="7646971" y="3281656"/>
-            <a:ext cx="125235" cy="178237"/>
-          </a:xfrm>
-          <a:prstGeom prst="ellipse">
-            <a:avLst/>
-          </a:prstGeom>
-          <a:solidFill>
-            <a:srgbClr val="00D2A9"/>
-          </a:solidFill>
-          <a:ln>
-            <a:solidFill>
-              <a:srgbClr val="000000"/>
-            </a:solidFill>
-          </a:ln>
-        </p:spPr>
-        <p:txBody>
-          <a:bodyPr lIns="50800" tIns="50800" rIns="50800" bIns="50800" anchor="ctr"/>
-          <a:lstStyle/>
-          <a:p>
-            <a:pPr/>
-          </a:p>
-        </p:txBody>
-      </p:sp>
-      <p:sp>
-        <p:nvSpPr>
-          <p:cNvPr id="175" name="Oval"/>
-          <p:cNvSpPr/>
-          <p:nvPr/>
-        </p:nvSpPr>
-        <p:spPr>
-          <a:xfrm>
-            <a:off x="7371453" y="3281656"/>
-            <a:ext cx="125235" cy="178237"/>
-          </a:xfrm>
-          <a:prstGeom prst="ellipse">
-            <a:avLst/>
-          </a:prstGeom>
-          <a:solidFill>
-            <a:srgbClr val="00D2A9"/>
-          </a:solidFill>
-          <a:ln>
-            <a:solidFill>
-              <a:srgbClr val="000000"/>
-            </a:solidFill>
-          </a:ln>
-        </p:spPr>
-        <p:txBody>
-          <a:bodyPr lIns="50800" tIns="50800" rIns="50800" bIns="50800" anchor="ctr"/>
-          <a:lstStyle/>
-          <a:p>
-            <a:pPr/>
-          </a:p>
-        </p:txBody>
-      </p:sp>
-      <p:sp>
-        <p:nvSpPr>
-          <p:cNvPr id="176" name="Line"/>
-          <p:cNvSpPr/>
-          <p:nvPr/>
-        </p:nvSpPr>
-        <p:spPr>
-          <a:xfrm flipV="1">
-            <a:off x="2499794" y="1029926"/>
-            <a:ext cx="2200526" cy="904824"/>
-          </a:xfrm>
-          <a:prstGeom prst="line">
-            <a:avLst/>
-          </a:prstGeom>
-          <a:ln w="25400">
-            <a:solidFill>
-              <a:srgbClr val="000000"/>
-            </a:solidFill>
-          </a:ln>
-        </p:spPr>
-        <p:txBody>
-          <a:bodyPr lIns="0" tIns="0" rIns="0" bIns="0"/>
-          <a:lstStyle/>
-          <a:p>
-            <a:pPr/>
-          </a:p>
-        </p:txBody>
-      </p:sp>
-      <p:sp>
-        <p:nvSpPr>
-          <p:cNvPr id="177" name="Line"/>
-          <p:cNvSpPr/>
-          <p:nvPr/>
-        </p:nvSpPr>
-        <p:spPr>
-          <a:xfrm flipV="1">
-            <a:off x="4042894" y="1154186"/>
-            <a:ext cx="582520" cy="787166"/>
-          </a:xfrm>
-          <a:prstGeom prst="line">
-            <a:avLst/>
-          </a:prstGeom>
-          <a:ln w="25400">
-            <a:solidFill>
-              <a:srgbClr val="000000"/>
-            </a:solidFill>
-          </a:ln>
-        </p:spPr>
-        <p:txBody>
-          <a:bodyPr lIns="0" tIns="0" rIns="0" bIns="0"/>
-          <a:lstStyle/>
-          <a:p>
-            <a:pPr/>
-          </a:p>
-        </p:txBody>
-      </p:sp>
-      <p:sp>
-        <p:nvSpPr>
-          <p:cNvPr id="178" name="Line"/>
-          <p:cNvSpPr/>
-          <p:nvPr/>
-        </p:nvSpPr>
-        <p:spPr>
-          <a:xfrm flipH="1" flipV="1">
-            <a:off x="4752413" y="1095602"/>
-            <a:ext cx="904334" cy="904334"/>
-          </a:xfrm>
-          <a:prstGeom prst="line">
-            <a:avLst/>
-          </a:prstGeom>
-          <a:ln w="25400">
-            <a:solidFill>
-              <a:srgbClr val="000000"/>
-            </a:solidFill>
-          </a:ln>
-        </p:spPr>
-        <p:txBody>
-          <a:bodyPr lIns="0" tIns="0" rIns="0" bIns="0"/>
-          <a:lstStyle/>
-          <a:p>
-            <a:pPr/>
-          </a:p>
-        </p:txBody>
-      </p:sp>
-      <p:sp>
-        <p:nvSpPr>
-          <p:cNvPr id="179" name="Line"/>
-          <p:cNvSpPr/>
-          <p:nvPr/>
-        </p:nvSpPr>
-        <p:spPr>
-          <a:xfrm flipH="1" flipV="1">
-            <a:off x="4757792" y="1026063"/>
-            <a:ext cx="3010201" cy="1043412"/>
-          </a:xfrm>
-          <a:prstGeom prst="line">
-            <a:avLst/>
-          </a:prstGeom>
-          <a:ln w="25400">
-            <a:solidFill>
-              <a:srgbClr val="000000"/>
-            </a:solidFill>
-          </a:ln>
-        </p:spPr>
-        <p:txBody>
-          <a:bodyPr lIns="0" tIns="0" rIns="0" bIns="0"/>
-          <a:lstStyle/>
-          <a:p>
-            <a:pPr/>
-          </a:p>
-        </p:txBody>
-      </p:sp>
-      <p:sp>
-        <p:nvSpPr>
-          <p:cNvPr id="180" name="Line"/>
-          <p:cNvSpPr/>
-          <p:nvPr/>
-        </p:nvSpPr>
-        <p:spPr>
-          <a:xfrm flipV="1">
-            <a:off x="1817808" y="2048196"/>
-            <a:ext cx="582520" cy="1426331"/>
-          </a:xfrm>
-          <a:prstGeom prst="line">
-            <a:avLst/>
-          </a:prstGeom>
-          <a:ln w="25400">
-            <a:solidFill>
-              <a:srgbClr val="000000"/>
-            </a:solidFill>
-          </a:ln>
-        </p:spPr>
-        <p:txBody>
-          <a:bodyPr lIns="0" tIns="0" rIns="0" bIns="0"/>
-          <a:lstStyle/>
-          <a:p>
-            <a:pPr/>
-          </a:p>
-        </p:txBody>
-      </p:sp>
-      <p:sp>
-        <p:nvSpPr>
-          <p:cNvPr id="181" name="Line"/>
-          <p:cNvSpPr/>
-          <p:nvPr/>
-        </p:nvSpPr>
-        <p:spPr>
-          <a:xfrm flipV="1">
-            <a:off x="2053774" y="1920111"/>
-            <a:ext cx="386107" cy="1426858"/>
-          </a:xfrm>
-          <a:prstGeom prst="line">
-            <a:avLst/>
-          </a:prstGeom>
-          <a:ln w="25400">
-            <a:solidFill>
-              <a:srgbClr val="000000"/>
-            </a:solidFill>
-          </a:ln>
-        </p:spPr>
-        <p:txBody>
-          <a:bodyPr lIns="0" tIns="0" rIns="0" bIns="0"/>
-          <a:lstStyle/>
-          <a:p>
-            <a:pPr/>
-          </a:p>
-        </p:txBody>
-      </p:sp>
-      <p:sp>
-        <p:nvSpPr>
-          <p:cNvPr id="182" name="Line"/>
-          <p:cNvSpPr/>
-          <p:nvPr/>
-        </p:nvSpPr>
-        <p:spPr>
-          <a:xfrm flipV="1">
-            <a:off x="2397535" y="1951591"/>
-            <a:ext cx="1" cy="1363897"/>
-          </a:xfrm>
-          <a:prstGeom prst="line">
-            <a:avLst/>
-          </a:prstGeom>
-          <a:ln w="25400">
-            <a:solidFill>
-              <a:srgbClr val="000000"/>
-            </a:solidFill>
-          </a:ln>
-        </p:spPr>
-        <p:txBody>
-          <a:bodyPr lIns="0" tIns="0" rIns="0" bIns="0"/>
-          <a:lstStyle/>
-          <a:p>
-            <a:pPr/>
-          </a:p>
-        </p:txBody>
-      </p:sp>
-      <p:sp>
-        <p:nvSpPr>
-          <p:cNvPr id="183" name="Line"/>
-          <p:cNvSpPr/>
-          <p:nvPr/>
-        </p:nvSpPr>
-        <p:spPr>
-          <a:xfrm flipH="1" flipV="1">
-            <a:off x="2478545" y="2002254"/>
-            <a:ext cx="225674" cy="1360490"/>
-          </a:xfrm>
-          <a:prstGeom prst="line">
-            <a:avLst/>
-          </a:prstGeom>
-          <a:ln w="25400">
-            <a:solidFill>
-              <a:srgbClr val="000000"/>
-            </a:solidFill>
-          </a:ln>
-        </p:spPr>
-        <p:txBody>
-          <a:bodyPr lIns="0" tIns="0" rIns="0" bIns="0"/>
-          <a:lstStyle/>
-          <a:p>
-            <a:pPr/>
-          </a:p>
-        </p:txBody>
-      </p:sp>
-      <p:sp>
-        <p:nvSpPr>
-          <p:cNvPr id="184" name="Line"/>
-          <p:cNvSpPr/>
-          <p:nvPr/>
-        </p:nvSpPr>
-        <p:spPr>
-          <a:xfrm flipV="1">
-            <a:off x="3531490" y="2048924"/>
-            <a:ext cx="469444" cy="1356020"/>
-          </a:xfrm>
-          <a:prstGeom prst="line">
-            <a:avLst/>
-          </a:prstGeom>
-          <a:ln w="25400">
-            <a:solidFill>
-              <a:srgbClr val="000000"/>
-            </a:solidFill>
-          </a:ln>
-        </p:spPr>
-        <p:txBody>
-          <a:bodyPr lIns="0" tIns="0" rIns="0" bIns="0"/>
-          <a:lstStyle/>
-          <a:p>
-            <a:pPr/>
-          </a:p>
-        </p:txBody>
-      </p:sp>
-      <p:sp>
-        <p:nvSpPr>
-          <p:cNvPr id="185" name="Line"/>
-          <p:cNvSpPr/>
-          <p:nvPr/>
-        </p:nvSpPr>
-        <p:spPr>
-          <a:xfrm flipV="1">
-            <a:off x="3820753" y="1920839"/>
-            <a:ext cx="219733" cy="1425401"/>
-          </a:xfrm>
-          <a:prstGeom prst="line">
-            <a:avLst/>
-          </a:prstGeom>
-          <a:ln w="25400">
-            <a:solidFill>
-              <a:srgbClr val="000000"/>
-            </a:solidFill>
-          </a:ln>
-        </p:spPr>
-        <p:txBody>
-          <a:bodyPr lIns="0" tIns="0" rIns="0" bIns="0"/>
-          <a:lstStyle/>
-          <a:p>
-            <a:pPr/>
-          </a:p>
-        </p:txBody>
-      </p:sp>
-      <p:sp>
-        <p:nvSpPr>
-          <p:cNvPr id="186" name="Line"/>
-          <p:cNvSpPr/>
-          <p:nvPr/>
-        </p:nvSpPr>
-        <p:spPr>
-          <a:xfrm flipH="1" flipV="1">
-            <a:off x="3998141" y="1952320"/>
-            <a:ext cx="185157" cy="1362440"/>
-          </a:xfrm>
-          <a:prstGeom prst="line">
-            <a:avLst/>
-          </a:prstGeom>
-          <a:ln w="25400">
-            <a:solidFill>
-              <a:srgbClr val="000000"/>
-            </a:solidFill>
-          </a:ln>
-        </p:spPr>
-        <p:txBody>
-          <a:bodyPr lIns="0" tIns="0" rIns="0" bIns="0"/>
-          <a:lstStyle/>
-          <a:p>
-            <a:pPr/>
-          </a:p>
-        </p:txBody>
-      </p:sp>
-      <p:sp>
-        <p:nvSpPr>
-          <p:cNvPr id="187" name="Line"/>
-          <p:cNvSpPr/>
-          <p:nvPr/>
-        </p:nvSpPr>
-        <p:spPr>
-          <a:xfrm flipH="1" flipV="1">
-            <a:off x="4079151" y="2002982"/>
-            <a:ext cx="392264" cy="1359033"/>
-          </a:xfrm>
-          <a:prstGeom prst="line">
-            <a:avLst/>
-          </a:prstGeom>
-          <a:ln w="25400">
-            <a:solidFill>
-              <a:srgbClr val="000000"/>
-            </a:solidFill>
-          </a:ln>
-        </p:spPr>
-        <p:txBody>
-          <a:bodyPr lIns="0" tIns="0" rIns="0" bIns="0"/>
-          <a:lstStyle/>
-          <a:p>
-            <a:pPr/>
-          </a:p>
-        </p:txBody>
-      </p:sp>
-      <p:sp>
-        <p:nvSpPr>
-          <p:cNvPr id="188" name="Line"/>
-          <p:cNvSpPr/>
-          <p:nvPr/>
-        </p:nvSpPr>
-        <p:spPr>
-          <a:xfrm flipV="1">
-            <a:off x="5377065" y="2067422"/>
-            <a:ext cx="332180" cy="1319024"/>
-          </a:xfrm>
-          <a:prstGeom prst="line">
-            <a:avLst/>
-          </a:prstGeom>
-          <a:ln w="25400">
-            <a:solidFill>
-              <a:srgbClr val="000000"/>
-            </a:solidFill>
-          </a:ln>
-        </p:spPr>
-        <p:txBody>
-          <a:bodyPr lIns="0" tIns="0" rIns="0" bIns="0"/>
-          <a:lstStyle/>
-          <a:p>
-            <a:pPr/>
-          </a:p>
-        </p:txBody>
-      </p:sp>
-      <p:sp>
-        <p:nvSpPr>
-          <p:cNvPr id="189" name="Line"/>
-          <p:cNvSpPr/>
-          <p:nvPr/>
-        </p:nvSpPr>
-        <p:spPr>
-          <a:xfrm flipV="1">
-            <a:off x="5582900" y="1939337"/>
-            <a:ext cx="165898" cy="1361140"/>
-          </a:xfrm>
-          <a:prstGeom prst="line">
-            <a:avLst/>
-          </a:prstGeom>
-          <a:ln w="25400">
-            <a:solidFill>
-              <a:srgbClr val="000000"/>
-            </a:solidFill>
-          </a:ln>
-        </p:spPr>
-        <p:txBody>
-          <a:bodyPr lIns="0" tIns="0" rIns="0" bIns="0"/>
-          <a:lstStyle/>
-          <a:p>
-            <a:pPr/>
-          </a:p>
-        </p:txBody>
-      </p:sp>
-      <p:sp>
-        <p:nvSpPr>
-          <p:cNvPr id="190" name="Line"/>
-          <p:cNvSpPr/>
-          <p:nvPr/>
-        </p:nvSpPr>
-        <p:spPr>
-          <a:xfrm flipH="1" flipV="1">
-            <a:off x="5706452" y="1970817"/>
-            <a:ext cx="185158" cy="1362440"/>
-          </a:xfrm>
-          <a:prstGeom prst="line">
-            <a:avLst/>
-          </a:prstGeom>
-          <a:ln w="25400">
-            <a:solidFill>
-              <a:srgbClr val="000000"/>
-            </a:solidFill>
-          </a:ln>
-        </p:spPr>
-        <p:txBody>
-          <a:bodyPr lIns="0" tIns="0" rIns="0" bIns="0"/>
-          <a:lstStyle/>
-          <a:p>
-            <a:pPr/>
-          </a:p>
-        </p:txBody>
-      </p:sp>
-      <p:sp>
-        <p:nvSpPr>
-          <p:cNvPr id="191" name="Line"/>
-          <p:cNvSpPr/>
-          <p:nvPr/>
-        </p:nvSpPr>
-        <p:spPr>
-          <a:xfrm flipH="1" flipV="1">
-            <a:off x="5787462" y="2021479"/>
-            <a:ext cx="392264" cy="1359034"/>
-          </a:xfrm>
-          <a:prstGeom prst="line">
-            <a:avLst/>
-          </a:prstGeom>
-          <a:ln w="25400">
-            <a:solidFill>
-              <a:srgbClr val="000000"/>
-            </a:solidFill>
-          </a:ln>
-        </p:spPr>
-        <p:txBody>
-          <a:bodyPr lIns="0" tIns="0" rIns="0" bIns="0"/>
-          <a:lstStyle/>
-          <a:p>
-            <a:pPr/>
-          </a:p>
-        </p:txBody>
-      </p:sp>
-      <p:sp>
-        <p:nvSpPr>
-          <p:cNvPr id="192" name="Line"/>
-          <p:cNvSpPr/>
-          <p:nvPr/>
-        </p:nvSpPr>
-        <p:spPr>
-          <a:xfrm flipV="1">
-            <a:off x="7503234" y="2130682"/>
-            <a:ext cx="332180" cy="1319024"/>
-          </a:xfrm>
-          <a:prstGeom prst="line">
-            <a:avLst/>
-          </a:prstGeom>
-          <a:ln w="25400">
-            <a:solidFill>
-              <a:srgbClr val="000000"/>
-            </a:solidFill>
-          </a:ln>
-        </p:spPr>
-        <p:txBody>
-          <a:bodyPr lIns="0" tIns="0" rIns="0" bIns="0"/>
-          <a:lstStyle/>
-          <a:p>
-            <a:pPr/>
-          </a:p>
-        </p:txBody>
-      </p:sp>
-      <p:sp>
-        <p:nvSpPr>
-          <p:cNvPr id="193" name="Line"/>
-          <p:cNvSpPr/>
-          <p:nvPr/>
-        </p:nvSpPr>
-        <p:spPr>
-          <a:xfrm flipV="1">
-            <a:off x="7709069" y="2002597"/>
-            <a:ext cx="165897" cy="1361140"/>
-          </a:xfrm>
-          <a:prstGeom prst="line">
-            <a:avLst/>
-          </a:prstGeom>
-          <a:ln w="25400">
-            <a:solidFill>
-              <a:srgbClr val="000000"/>
-            </a:solidFill>
-          </a:ln>
-        </p:spPr>
-        <p:txBody>
-          <a:bodyPr lIns="0" tIns="0" rIns="0" bIns="0"/>
-          <a:lstStyle/>
-          <a:p>
-            <a:pPr/>
-          </a:p>
-        </p:txBody>
-      </p:sp>
-      <p:sp>
-        <p:nvSpPr>
-          <p:cNvPr id="194" name="Line"/>
-          <p:cNvSpPr/>
-          <p:nvPr/>
-        </p:nvSpPr>
-        <p:spPr>
-          <a:xfrm flipH="1" flipV="1">
-            <a:off x="7832621" y="2034077"/>
-            <a:ext cx="185158" cy="1362440"/>
-          </a:xfrm>
-          <a:prstGeom prst="line">
-            <a:avLst/>
-          </a:prstGeom>
-          <a:ln w="25400">
-            <a:solidFill>
-              <a:srgbClr val="000000"/>
-            </a:solidFill>
-          </a:ln>
-        </p:spPr>
-        <p:txBody>
-          <a:bodyPr lIns="0" tIns="0" rIns="0" bIns="0"/>
-          <a:lstStyle/>
-          <a:p>
-            <a:pPr/>
-          </a:p>
-        </p:txBody>
-      </p:sp>
-      <p:sp>
-        <p:nvSpPr>
-          <p:cNvPr id="195" name="Line"/>
-          <p:cNvSpPr/>
-          <p:nvPr/>
-        </p:nvSpPr>
-        <p:spPr>
-          <a:xfrm flipH="1" flipV="1">
-            <a:off x="7913631" y="2084740"/>
-            <a:ext cx="392264" cy="1359033"/>
-          </a:xfrm>
-          <a:prstGeom prst="line">
-            <a:avLst/>
-          </a:prstGeom>
-          <a:ln w="25400">
-            <a:solidFill>
-              <a:srgbClr val="000000"/>
-            </a:solidFill>
-          </a:ln>
-        </p:spPr>
-        <p:txBody>
-          <a:bodyPr lIns="0" tIns="0" rIns="0" bIns="0"/>
-          <a:lstStyle/>
-          <a:p>
-            <a:pPr/>
-          </a:p>
-        </p:txBody>
-      </p:sp>
       <p:grpSp>
         <p:nvGrpSpPr>
-          <p:cNvPr id="206" name="Group"/>
+          <p:cNvPr id="158" name="Group"/>
+          <p:cNvGrpSpPr/>
+          <p:nvPr/>
+        </p:nvGrpSpPr>
+        <p:grpSpPr>
+          <a:xfrm>
+            <a:off x="2377040" y="1029926"/>
+            <a:ext cx="2323280" cy="1070147"/>
+            <a:chOff x="0" y="0"/>
+            <a:chExt cx="2323278" cy="1070146"/>
+          </a:xfrm>
+        </p:grpSpPr>
+        <p:sp>
+          <p:nvSpPr>
+            <p:cNvPr id="156" name="Oval"/>
+            <p:cNvSpPr/>
+            <p:nvPr/>
+          </p:nvSpPr>
+          <p:spPr>
+            <a:xfrm>
+              <a:off x="0" y="891909"/>
+              <a:ext cx="125234" cy="178238"/>
+            </a:xfrm>
+            <a:prstGeom prst="ellipse">
+              <a:avLst/>
+            </a:prstGeom>
+            <a:solidFill>
+              <a:srgbClr val="00D2A9"/>
+            </a:solidFill>
+            <a:ln w="9525" cap="flat">
+              <a:solidFill>
+                <a:srgbClr val="000000"/>
+              </a:solidFill>
+              <a:prstDash val="solid"/>
+              <a:round/>
+            </a:ln>
+            <a:effectLst/>
+          </p:spPr>
+          <p:txBody>
+            <a:bodyPr wrap="square" lIns="50800" tIns="50800" rIns="50800" bIns="50800" numCol="1" anchor="ctr">
+              <a:noAutofit/>
+            </a:bodyPr>
+            <a:lstStyle/>
+            <a:p>
+              <a:pPr/>
+            </a:p>
+          </p:txBody>
+        </p:sp>
+        <p:sp>
+          <p:nvSpPr>
+            <p:cNvPr id="157" name="Line"/>
+            <p:cNvSpPr/>
+            <p:nvPr/>
+          </p:nvSpPr>
+          <p:spPr>
+            <a:xfrm flipV="1">
+              <a:off x="122753" y="0"/>
+              <a:ext cx="2200526" cy="904824"/>
+            </a:xfrm>
+            <a:prstGeom prst="line">
+              <a:avLst/>
+            </a:prstGeom>
+            <a:noFill/>
+            <a:ln w="25400" cap="flat">
+              <a:solidFill>
+                <a:srgbClr val="000000"/>
+              </a:solidFill>
+              <a:prstDash val="solid"/>
+              <a:round/>
+            </a:ln>
+            <a:effectLst/>
+          </p:spPr>
+          <p:txBody>
+            <a:bodyPr wrap="square" lIns="0" tIns="0" rIns="0" bIns="0" numCol="1" anchor="t">
+              <a:noAutofit/>
+            </a:bodyPr>
+            <a:lstStyle/>
+            <a:p>
+              <a:pPr/>
+            </a:p>
+          </p:txBody>
+        </p:sp>
+      </p:grpSp>
+      <p:grpSp>
+        <p:nvGrpSpPr>
+          <p:cNvPr id="161" name="Group"/>
+          <p:cNvGrpSpPr/>
+          <p:nvPr/>
+        </p:nvGrpSpPr>
+        <p:grpSpPr>
+          <a:xfrm>
+            <a:off x="3950718" y="1154186"/>
+            <a:ext cx="674696" cy="945887"/>
+            <a:chOff x="0" y="0"/>
+            <a:chExt cx="674694" cy="945886"/>
+          </a:xfrm>
+        </p:grpSpPr>
+        <p:sp>
+          <p:nvSpPr>
+            <p:cNvPr id="159" name="Oval"/>
+            <p:cNvSpPr/>
+            <p:nvPr/>
+          </p:nvSpPr>
+          <p:spPr>
+            <a:xfrm>
+              <a:off x="0" y="767649"/>
+              <a:ext cx="125234" cy="178238"/>
+            </a:xfrm>
+            <a:prstGeom prst="ellipse">
+              <a:avLst/>
+            </a:prstGeom>
+            <a:solidFill>
+              <a:srgbClr val="00D2A9"/>
+            </a:solidFill>
+            <a:ln w="9525" cap="flat">
+              <a:solidFill>
+                <a:srgbClr val="000000"/>
+              </a:solidFill>
+              <a:prstDash val="solid"/>
+              <a:round/>
+            </a:ln>
+            <a:effectLst/>
+          </p:spPr>
+          <p:txBody>
+            <a:bodyPr wrap="square" lIns="50800" tIns="50800" rIns="50800" bIns="50800" numCol="1" anchor="ctr">
+              <a:noAutofit/>
+            </a:bodyPr>
+            <a:lstStyle/>
+            <a:p>
+              <a:pPr/>
+            </a:p>
+          </p:txBody>
+        </p:sp>
+        <p:sp>
+          <p:nvSpPr>
+            <p:cNvPr id="160" name="Line"/>
+            <p:cNvSpPr/>
+            <p:nvPr/>
+          </p:nvSpPr>
+          <p:spPr>
+            <a:xfrm flipV="1">
+              <a:off x="92176" y="-1"/>
+              <a:ext cx="582519" cy="787166"/>
+            </a:xfrm>
+            <a:prstGeom prst="line">
+              <a:avLst/>
+            </a:prstGeom>
+            <a:noFill/>
+            <a:ln w="25400" cap="flat">
+              <a:solidFill>
+                <a:srgbClr val="000000"/>
+              </a:solidFill>
+              <a:prstDash val="solid"/>
+              <a:round/>
+            </a:ln>
+            <a:effectLst/>
+          </p:spPr>
+          <p:txBody>
+            <a:bodyPr wrap="square" lIns="0" tIns="0" rIns="0" bIns="0" numCol="1" anchor="t">
+              <a:noAutofit/>
+            </a:bodyPr>
+            <a:lstStyle/>
+            <a:p>
+              <a:pPr/>
+            </a:p>
+          </p:txBody>
+        </p:sp>
+      </p:grpSp>
+      <p:grpSp>
+        <p:nvGrpSpPr>
+          <p:cNvPr id="164" name="Group"/>
+          <p:cNvGrpSpPr/>
+          <p:nvPr/>
+        </p:nvGrpSpPr>
+        <p:grpSpPr>
+          <a:xfrm>
+            <a:off x="4752413" y="1095602"/>
+            <a:ext cx="1051986" cy="1004471"/>
+            <a:chOff x="0" y="0"/>
+            <a:chExt cx="1051985" cy="1004470"/>
+          </a:xfrm>
+        </p:grpSpPr>
+        <p:sp>
+          <p:nvSpPr>
+            <p:cNvPr id="162" name="Oval"/>
+            <p:cNvSpPr/>
+            <p:nvPr/>
+          </p:nvSpPr>
+          <p:spPr>
+            <a:xfrm>
+              <a:off x="926752" y="826233"/>
+              <a:ext cx="125234" cy="178238"/>
+            </a:xfrm>
+            <a:prstGeom prst="ellipse">
+              <a:avLst/>
+            </a:prstGeom>
+            <a:solidFill>
+              <a:srgbClr val="00D2A9"/>
+            </a:solidFill>
+            <a:ln w="9525" cap="flat">
+              <a:solidFill>
+                <a:srgbClr val="000000"/>
+              </a:solidFill>
+              <a:prstDash val="solid"/>
+              <a:round/>
+            </a:ln>
+            <a:effectLst/>
+          </p:spPr>
+          <p:txBody>
+            <a:bodyPr wrap="square" lIns="50800" tIns="50800" rIns="50800" bIns="50800" numCol="1" anchor="ctr">
+              <a:noAutofit/>
+            </a:bodyPr>
+            <a:lstStyle/>
+            <a:p>
+              <a:pPr/>
+            </a:p>
+          </p:txBody>
+        </p:sp>
+        <p:sp>
+          <p:nvSpPr>
+            <p:cNvPr id="163" name="Line"/>
+            <p:cNvSpPr/>
+            <p:nvPr/>
+          </p:nvSpPr>
+          <p:spPr>
+            <a:xfrm flipH="1" flipV="1">
+              <a:off x="0" y="0"/>
+              <a:ext cx="904334" cy="904334"/>
+            </a:xfrm>
+            <a:prstGeom prst="line">
+              <a:avLst/>
+            </a:prstGeom>
+            <a:noFill/>
+            <a:ln w="25400" cap="flat">
+              <a:solidFill>
+                <a:srgbClr val="000000"/>
+              </a:solidFill>
+              <a:prstDash val="solid"/>
+              <a:round/>
+            </a:ln>
+            <a:effectLst/>
+          </p:spPr>
+          <p:txBody>
+            <a:bodyPr wrap="square" lIns="0" tIns="0" rIns="0" bIns="0" numCol="1" anchor="t">
+              <a:noAutofit/>
+            </a:bodyPr>
+            <a:lstStyle/>
+            <a:p>
+              <a:pPr/>
+            </a:p>
+          </p:txBody>
+        </p:sp>
+      </p:grpSp>
+      <p:grpSp>
+        <p:nvGrpSpPr>
+          <p:cNvPr id="167" name="Group"/>
+          <p:cNvGrpSpPr/>
+          <p:nvPr/>
+        </p:nvGrpSpPr>
+        <p:grpSpPr>
+          <a:xfrm>
+            <a:off x="4757792" y="1026063"/>
+            <a:ext cx="3192840" cy="1074010"/>
+            <a:chOff x="0" y="0"/>
+            <a:chExt cx="3192839" cy="1074009"/>
+          </a:xfrm>
+        </p:grpSpPr>
+        <p:sp>
+          <p:nvSpPr>
+            <p:cNvPr id="165" name="Oval"/>
+            <p:cNvSpPr/>
+            <p:nvPr/>
+          </p:nvSpPr>
+          <p:spPr>
+            <a:xfrm>
+              <a:off x="3067606" y="895772"/>
+              <a:ext cx="125234" cy="178238"/>
+            </a:xfrm>
+            <a:prstGeom prst="ellipse">
+              <a:avLst/>
+            </a:prstGeom>
+            <a:solidFill>
+              <a:srgbClr val="00D2A9"/>
+            </a:solidFill>
+            <a:ln w="9525" cap="flat">
+              <a:solidFill>
+                <a:srgbClr val="000000"/>
+              </a:solidFill>
+              <a:prstDash val="solid"/>
+              <a:round/>
+            </a:ln>
+            <a:effectLst/>
+          </p:spPr>
+          <p:txBody>
+            <a:bodyPr wrap="square" lIns="50800" tIns="50800" rIns="50800" bIns="50800" numCol="1" anchor="ctr">
+              <a:noAutofit/>
+            </a:bodyPr>
+            <a:lstStyle/>
+            <a:p>
+              <a:pPr/>
+            </a:p>
+          </p:txBody>
+        </p:sp>
+        <p:sp>
+          <p:nvSpPr>
+            <p:cNvPr id="166" name="Line"/>
+            <p:cNvSpPr/>
+            <p:nvPr/>
+          </p:nvSpPr>
+          <p:spPr>
+            <a:xfrm flipH="1" flipV="1">
+              <a:off x="-1" y="-1"/>
+              <a:ext cx="3010202" cy="1043413"/>
+            </a:xfrm>
+            <a:prstGeom prst="line">
+              <a:avLst/>
+            </a:prstGeom>
+            <a:noFill/>
+            <a:ln w="25400" cap="flat">
+              <a:solidFill>
+                <a:srgbClr val="000000"/>
+              </a:solidFill>
+              <a:prstDash val="solid"/>
+              <a:round/>
+            </a:ln>
+            <a:effectLst/>
+          </p:spPr>
+          <p:txBody>
+            <a:bodyPr wrap="square" lIns="0" tIns="0" rIns="0" bIns="0" numCol="1" anchor="t">
+              <a:noAutofit/>
+            </a:bodyPr>
+            <a:lstStyle/>
+            <a:p>
+              <a:pPr/>
+            </a:p>
+          </p:txBody>
+        </p:sp>
+      </p:grpSp>
+      <p:grpSp>
+        <p:nvGrpSpPr>
+          <p:cNvPr id="176" name="Group"/>
+          <p:cNvGrpSpPr/>
+          <p:nvPr/>
+        </p:nvGrpSpPr>
+        <p:grpSpPr>
+          <a:xfrm>
+            <a:off x="1770932" y="1920111"/>
+            <a:ext cx="950446" cy="1555184"/>
+            <a:chOff x="0" y="0"/>
+            <a:chExt cx="950444" cy="1555183"/>
+          </a:xfrm>
+        </p:grpSpPr>
+        <p:sp>
+          <p:nvSpPr>
+            <p:cNvPr id="168" name="Oval"/>
+            <p:cNvSpPr/>
+            <p:nvPr/>
+          </p:nvSpPr>
+          <p:spPr>
+            <a:xfrm>
+              <a:off x="825211" y="1376946"/>
+              <a:ext cx="125234" cy="178238"/>
+            </a:xfrm>
+            <a:prstGeom prst="ellipse">
+              <a:avLst/>
+            </a:prstGeom>
+            <a:solidFill>
+              <a:srgbClr val="00D2A9"/>
+            </a:solidFill>
+            <a:ln w="9525" cap="flat">
+              <a:solidFill>
+                <a:srgbClr val="000000"/>
+              </a:solidFill>
+              <a:prstDash val="solid"/>
+              <a:round/>
+            </a:ln>
+            <a:effectLst/>
+          </p:spPr>
+          <p:txBody>
+            <a:bodyPr wrap="square" lIns="50800" tIns="50800" rIns="50800" bIns="50800" numCol="1" anchor="ctr">
+              <a:noAutofit/>
+            </a:bodyPr>
+            <a:lstStyle/>
+            <a:p>
+              <a:pPr/>
+            </a:p>
+          </p:txBody>
+        </p:sp>
+        <p:sp>
+          <p:nvSpPr>
+            <p:cNvPr id="169" name="Oval"/>
+            <p:cNvSpPr/>
+            <p:nvPr/>
+          </p:nvSpPr>
+          <p:spPr>
+            <a:xfrm>
+              <a:off x="551037" y="1376946"/>
+              <a:ext cx="125234" cy="178238"/>
+            </a:xfrm>
+            <a:prstGeom prst="ellipse">
+              <a:avLst/>
+            </a:prstGeom>
+            <a:solidFill>
+              <a:srgbClr val="00D2A9"/>
+            </a:solidFill>
+            <a:ln w="9525" cap="flat">
+              <a:solidFill>
+                <a:srgbClr val="000000"/>
+              </a:solidFill>
+              <a:prstDash val="solid"/>
+              <a:round/>
+            </a:ln>
+            <a:effectLst/>
+          </p:spPr>
+          <p:txBody>
+            <a:bodyPr wrap="square" lIns="50800" tIns="50800" rIns="50800" bIns="50800" numCol="1" anchor="ctr">
+              <a:noAutofit/>
+            </a:bodyPr>
+            <a:lstStyle/>
+            <a:p>
+              <a:pPr/>
+            </a:p>
+          </p:txBody>
+        </p:sp>
+        <p:sp>
+          <p:nvSpPr>
+            <p:cNvPr id="170" name="Oval"/>
+            <p:cNvSpPr/>
+            <p:nvPr/>
+          </p:nvSpPr>
+          <p:spPr>
+            <a:xfrm>
+              <a:off x="275518" y="1376946"/>
+              <a:ext cx="125234" cy="178238"/>
+            </a:xfrm>
+            <a:prstGeom prst="ellipse">
+              <a:avLst/>
+            </a:prstGeom>
+            <a:solidFill>
+              <a:srgbClr val="00D2A9"/>
+            </a:solidFill>
+            <a:ln w="9525" cap="flat">
+              <a:solidFill>
+                <a:srgbClr val="000000"/>
+              </a:solidFill>
+              <a:prstDash val="solid"/>
+              <a:round/>
+            </a:ln>
+            <a:effectLst/>
+          </p:spPr>
+          <p:txBody>
+            <a:bodyPr wrap="square" lIns="50800" tIns="50800" rIns="50800" bIns="50800" numCol="1" anchor="ctr">
+              <a:noAutofit/>
+            </a:bodyPr>
+            <a:lstStyle/>
+            <a:p>
+              <a:pPr/>
+            </a:p>
+          </p:txBody>
+        </p:sp>
+        <p:sp>
+          <p:nvSpPr>
+            <p:cNvPr id="171" name="Oval"/>
+            <p:cNvSpPr/>
+            <p:nvPr/>
+          </p:nvSpPr>
+          <p:spPr>
+            <a:xfrm>
+              <a:off x="0" y="1376946"/>
+              <a:ext cx="125234" cy="178238"/>
+            </a:xfrm>
+            <a:prstGeom prst="ellipse">
+              <a:avLst/>
+            </a:prstGeom>
+            <a:solidFill>
+              <a:srgbClr val="00D2A9"/>
+            </a:solidFill>
+            <a:ln w="9525" cap="flat">
+              <a:solidFill>
+                <a:srgbClr val="000000"/>
+              </a:solidFill>
+              <a:prstDash val="solid"/>
+              <a:round/>
+            </a:ln>
+            <a:effectLst/>
+          </p:spPr>
+          <p:txBody>
+            <a:bodyPr wrap="square" lIns="50800" tIns="50800" rIns="50800" bIns="50800" numCol="1" anchor="ctr">
+              <a:noAutofit/>
+            </a:bodyPr>
+            <a:lstStyle/>
+            <a:p>
+              <a:pPr/>
+            </a:p>
+          </p:txBody>
+        </p:sp>
+        <p:sp>
+          <p:nvSpPr>
+            <p:cNvPr id="172" name="Line"/>
+            <p:cNvSpPr/>
+            <p:nvPr/>
+          </p:nvSpPr>
+          <p:spPr>
+            <a:xfrm flipV="1">
+              <a:off x="46875" y="128085"/>
+              <a:ext cx="582520" cy="1426331"/>
+            </a:xfrm>
+            <a:prstGeom prst="line">
+              <a:avLst/>
+            </a:prstGeom>
+            <a:noFill/>
+            <a:ln w="25400" cap="flat">
+              <a:solidFill>
+                <a:srgbClr val="000000"/>
+              </a:solidFill>
+              <a:prstDash val="solid"/>
+              <a:round/>
+            </a:ln>
+            <a:effectLst/>
+          </p:spPr>
+          <p:txBody>
+            <a:bodyPr wrap="square" lIns="0" tIns="0" rIns="0" bIns="0" numCol="1" anchor="t">
+              <a:noAutofit/>
+            </a:bodyPr>
+            <a:lstStyle/>
+            <a:p>
+              <a:pPr/>
+            </a:p>
+          </p:txBody>
+        </p:sp>
+        <p:sp>
+          <p:nvSpPr>
+            <p:cNvPr id="173" name="Line"/>
+            <p:cNvSpPr/>
+            <p:nvPr/>
+          </p:nvSpPr>
+          <p:spPr>
+            <a:xfrm flipV="1">
+              <a:off x="282841" y="-1"/>
+              <a:ext cx="386107" cy="1426858"/>
+            </a:xfrm>
+            <a:prstGeom prst="line">
+              <a:avLst/>
+            </a:prstGeom>
+            <a:noFill/>
+            <a:ln w="25400" cap="flat">
+              <a:solidFill>
+                <a:srgbClr val="000000"/>
+              </a:solidFill>
+              <a:prstDash val="solid"/>
+              <a:round/>
+            </a:ln>
+            <a:effectLst/>
+          </p:spPr>
+          <p:txBody>
+            <a:bodyPr wrap="square" lIns="0" tIns="0" rIns="0" bIns="0" numCol="1" anchor="t">
+              <a:noAutofit/>
+            </a:bodyPr>
+            <a:lstStyle/>
+            <a:p>
+              <a:pPr/>
+            </a:p>
+          </p:txBody>
+        </p:sp>
+        <p:sp>
+          <p:nvSpPr>
+            <p:cNvPr id="174" name="Line"/>
+            <p:cNvSpPr/>
+            <p:nvPr/>
+          </p:nvSpPr>
+          <p:spPr>
+            <a:xfrm flipV="1">
+              <a:off x="626602" y="31480"/>
+              <a:ext cx="1" cy="1363897"/>
+            </a:xfrm>
+            <a:prstGeom prst="line">
+              <a:avLst/>
+            </a:prstGeom>
+            <a:noFill/>
+            <a:ln w="25400" cap="flat">
+              <a:solidFill>
+                <a:srgbClr val="000000"/>
+              </a:solidFill>
+              <a:prstDash val="solid"/>
+              <a:round/>
+            </a:ln>
+            <a:effectLst/>
+          </p:spPr>
+          <p:txBody>
+            <a:bodyPr wrap="square" lIns="0" tIns="0" rIns="0" bIns="0" numCol="1" anchor="t">
+              <a:noAutofit/>
+            </a:bodyPr>
+            <a:lstStyle/>
+            <a:p>
+              <a:pPr/>
+            </a:p>
+          </p:txBody>
+        </p:sp>
+        <p:sp>
+          <p:nvSpPr>
+            <p:cNvPr id="175" name="Line"/>
+            <p:cNvSpPr/>
+            <p:nvPr/>
+          </p:nvSpPr>
+          <p:spPr>
+            <a:xfrm flipH="1" flipV="1">
+              <a:off x="707612" y="82142"/>
+              <a:ext cx="225674" cy="1360491"/>
+            </a:xfrm>
+            <a:prstGeom prst="line">
+              <a:avLst/>
+            </a:prstGeom>
+            <a:noFill/>
+            <a:ln w="25400" cap="flat">
+              <a:solidFill>
+                <a:srgbClr val="000000"/>
+              </a:solidFill>
+              <a:prstDash val="solid"/>
+              <a:round/>
+            </a:ln>
+            <a:effectLst/>
+          </p:spPr>
+          <p:txBody>
+            <a:bodyPr wrap="square" lIns="0" tIns="0" rIns="0" bIns="0" numCol="1" anchor="t">
+              <a:noAutofit/>
+            </a:bodyPr>
+            <a:lstStyle/>
+            <a:p>
+              <a:pPr/>
+            </a:p>
+          </p:txBody>
+        </p:sp>
+      </p:grpSp>
+      <p:grpSp>
+        <p:nvGrpSpPr>
+          <p:cNvPr id="185" name="Group"/>
+          <p:cNvGrpSpPr/>
+          <p:nvPr/>
+        </p:nvGrpSpPr>
+        <p:grpSpPr>
+          <a:xfrm>
+            <a:off x="3531490" y="1920839"/>
+            <a:ext cx="957740" cy="1539054"/>
+            <a:chOff x="0" y="0"/>
+            <a:chExt cx="957738" cy="1539053"/>
+          </a:xfrm>
+        </p:grpSpPr>
+        <p:sp>
+          <p:nvSpPr>
+            <p:cNvPr id="177" name="Oval"/>
+            <p:cNvSpPr/>
+            <p:nvPr/>
+          </p:nvSpPr>
+          <p:spPr>
+            <a:xfrm>
+              <a:off x="832505" y="1360816"/>
+              <a:ext cx="125234" cy="178238"/>
+            </a:xfrm>
+            <a:prstGeom prst="ellipse">
+              <a:avLst/>
+            </a:prstGeom>
+            <a:solidFill>
+              <a:srgbClr val="00D2A9"/>
+            </a:solidFill>
+            <a:ln w="9525" cap="flat">
+              <a:solidFill>
+                <a:srgbClr val="000000"/>
+              </a:solidFill>
+              <a:prstDash val="solid"/>
+              <a:round/>
+            </a:ln>
+            <a:effectLst/>
+          </p:spPr>
+          <p:txBody>
+            <a:bodyPr wrap="square" lIns="50800" tIns="50800" rIns="50800" bIns="50800" numCol="1" anchor="ctr">
+              <a:noAutofit/>
+            </a:bodyPr>
+            <a:lstStyle/>
+            <a:p>
+              <a:pPr/>
+            </a:p>
+          </p:txBody>
+        </p:sp>
+        <p:sp>
+          <p:nvSpPr>
+            <p:cNvPr id="178" name="Oval"/>
+            <p:cNvSpPr/>
+            <p:nvPr/>
+          </p:nvSpPr>
+          <p:spPr>
+            <a:xfrm>
+              <a:off x="556987" y="1360816"/>
+              <a:ext cx="125234" cy="178238"/>
+            </a:xfrm>
+            <a:prstGeom prst="ellipse">
+              <a:avLst/>
+            </a:prstGeom>
+            <a:solidFill>
+              <a:srgbClr val="00D2A9"/>
+            </a:solidFill>
+            <a:ln w="9525" cap="flat">
+              <a:solidFill>
+                <a:srgbClr val="000000"/>
+              </a:solidFill>
+              <a:prstDash val="solid"/>
+              <a:round/>
+            </a:ln>
+            <a:effectLst/>
+          </p:spPr>
+          <p:txBody>
+            <a:bodyPr wrap="square" lIns="50800" tIns="50800" rIns="50800" bIns="50800" numCol="1" anchor="ctr">
+              <a:noAutofit/>
+            </a:bodyPr>
+            <a:lstStyle/>
+            <a:p>
+              <a:pPr/>
+            </a:p>
+          </p:txBody>
+        </p:sp>
+        <p:sp>
+          <p:nvSpPr>
+            <p:cNvPr id="179" name="Oval"/>
+            <p:cNvSpPr/>
+            <p:nvPr/>
+          </p:nvSpPr>
+          <p:spPr>
+            <a:xfrm>
+              <a:off x="281468" y="1360816"/>
+              <a:ext cx="125234" cy="178238"/>
+            </a:xfrm>
+            <a:prstGeom prst="ellipse">
+              <a:avLst/>
+            </a:prstGeom>
+            <a:solidFill>
+              <a:srgbClr val="00D2A9"/>
+            </a:solidFill>
+            <a:ln w="9525" cap="flat">
+              <a:solidFill>
+                <a:srgbClr val="000000"/>
+              </a:solidFill>
+              <a:prstDash val="solid"/>
+              <a:round/>
+            </a:ln>
+            <a:effectLst/>
+          </p:spPr>
+          <p:txBody>
+            <a:bodyPr wrap="square" lIns="50800" tIns="50800" rIns="50800" bIns="50800" numCol="1" anchor="ctr">
+              <a:noAutofit/>
+            </a:bodyPr>
+            <a:lstStyle/>
+            <a:p>
+              <a:pPr/>
+            </a:p>
+          </p:txBody>
+        </p:sp>
+        <p:sp>
+          <p:nvSpPr>
+            <p:cNvPr id="180" name="Oval"/>
+            <p:cNvSpPr/>
+            <p:nvPr/>
+          </p:nvSpPr>
+          <p:spPr>
+            <a:xfrm>
+              <a:off x="5949" y="1360816"/>
+              <a:ext cx="125234" cy="178238"/>
+            </a:xfrm>
+            <a:prstGeom prst="ellipse">
+              <a:avLst/>
+            </a:prstGeom>
+            <a:solidFill>
+              <a:srgbClr val="00D2A9"/>
+            </a:solidFill>
+            <a:ln w="9525" cap="flat">
+              <a:solidFill>
+                <a:srgbClr val="000000"/>
+              </a:solidFill>
+              <a:prstDash val="solid"/>
+              <a:round/>
+            </a:ln>
+            <a:effectLst/>
+          </p:spPr>
+          <p:txBody>
+            <a:bodyPr wrap="square" lIns="50800" tIns="50800" rIns="50800" bIns="50800" numCol="1" anchor="ctr">
+              <a:noAutofit/>
+            </a:bodyPr>
+            <a:lstStyle/>
+            <a:p>
+              <a:pPr/>
+            </a:p>
+          </p:txBody>
+        </p:sp>
+        <p:sp>
+          <p:nvSpPr>
+            <p:cNvPr id="181" name="Line"/>
+            <p:cNvSpPr/>
+            <p:nvPr/>
+          </p:nvSpPr>
+          <p:spPr>
+            <a:xfrm flipV="1">
+              <a:off x="0" y="128085"/>
+              <a:ext cx="469443" cy="1356019"/>
+            </a:xfrm>
+            <a:prstGeom prst="line">
+              <a:avLst/>
+            </a:prstGeom>
+            <a:noFill/>
+            <a:ln w="25400" cap="flat">
+              <a:solidFill>
+                <a:srgbClr val="000000"/>
+              </a:solidFill>
+              <a:prstDash val="solid"/>
+              <a:round/>
+            </a:ln>
+            <a:effectLst/>
+          </p:spPr>
+          <p:txBody>
+            <a:bodyPr wrap="square" lIns="0" tIns="0" rIns="0" bIns="0" numCol="1" anchor="t">
+              <a:noAutofit/>
+            </a:bodyPr>
+            <a:lstStyle/>
+            <a:p>
+              <a:pPr/>
+            </a:p>
+          </p:txBody>
+        </p:sp>
+        <p:sp>
+          <p:nvSpPr>
+            <p:cNvPr id="182" name="Line"/>
+            <p:cNvSpPr/>
+            <p:nvPr/>
+          </p:nvSpPr>
+          <p:spPr>
+            <a:xfrm flipV="1">
+              <a:off x="289262" y="-1"/>
+              <a:ext cx="219733" cy="1425401"/>
+            </a:xfrm>
+            <a:prstGeom prst="line">
+              <a:avLst/>
+            </a:prstGeom>
+            <a:noFill/>
+            <a:ln w="25400" cap="flat">
+              <a:solidFill>
+                <a:srgbClr val="000000"/>
+              </a:solidFill>
+              <a:prstDash val="solid"/>
+              <a:round/>
+            </a:ln>
+            <a:effectLst/>
+          </p:spPr>
+          <p:txBody>
+            <a:bodyPr wrap="square" lIns="0" tIns="0" rIns="0" bIns="0" numCol="1" anchor="t">
+              <a:noAutofit/>
+            </a:bodyPr>
+            <a:lstStyle/>
+            <a:p>
+              <a:pPr/>
+            </a:p>
+          </p:txBody>
+        </p:sp>
+        <p:sp>
+          <p:nvSpPr>
+            <p:cNvPr id="183" name="Line"/>
+            <p:cNvSpPr/>
+            <p:nvPr/>
+          </p:nvSpPr>
+          <p:spPr>
+            <a:xfrm flipH="1" flipV="1">
+              <a:off x="466650" y="31480"/>
+              <a:ext cx="185158" cy="1362440"/>
+            </a:xfrm>
+            <a:prstGeom prst="line">
+              <a:avLst/>
+            </a:prstGeom>
+            <a:noFill/>
+            <a:ln w="25400" cap="flat">
+              <a:solidFill>
+                <a:srgbClr val="000000"/>
+              </a:solidFill>
+              <a:prstDash val="solid"/>
+              <a:round/>
+            </a:ln>
+            <a:effectLst/>
+          </p:spPr>
+          <p:txBody>
+            <a:bodyPr wrap="square" lIns="0" tIns="0" rIns="0" bIns="0" numCol="1" anchor="t">
+              <a:noAutofit/>
+            </a:bodyPr>
+            <a:lstStyle/>
+            <a:p>
+              <a:pPr/>
+            </a:p>
+          </p:txBody>
+        </p:sp>
+        <p:sp>
+          <p:nvSpPr>
+            <p:cNvPr id="184" name="Line"/>
+            <p:cNvSpPr/>
+            <p:nvPr/>
+          </p:nvSpPr>
+          <p:spPr>
+            <a:xfrm flipH="1" flipV="1">
+              <a:off x="547660" y="82142"/>
+              <a:ext cx="392264" cy="1359034"/>
+            </a:xfrm>
+            <a:prstGeom prst="line">
+              <a:avLst/>
+            </a:prstGeom>
+            <a:noFill/>
+            <a:ln w="25400" cap="flat">
+              <a:solidFill>
+                <a:srgbClr val="000000"/>
+              </a:solidFill>
+              <a:prstDash val="solid"/>
+              <a:round/>
+            </a:ln>
+            <a:effectLst/>
+          </p:spPr>
+          <p:txBody>
+            <a:bodyPr wrap="square" lIns="0" tIns="0" rIns="0" bIns="0" numCol="1" anchor="t">
+              <a:noAutofit/>
+            </a:bodyPr>
+            <a:lstStyle/>
+            <a:p>
+              <a:pPr/>
+            </a:p>
+          </p:txBody>
+        </p:sp>
+      </p:grpSp>
+      <p:grpSp>
+        <p:nvGrpSpPr>
+          <p:cNvPr id="194" name="Group"/>
+          <p:cNvGrpSpPr/>
+          <p:nvPr/>
+        </p:nvGrpSpPr>
+        <p:grpSpPr>
+          <a:xfrm>
+            <a:off x="5316687" y="1939337"/>
+            <a:ext cx="951790" cy="1520556"/>
+            <a:chOff x="0" y="0"/>
+            <a:chExt cx="951788" cy="1520555"/>
+          </a:xfrm>
+        </p:grpSpPr>
+        <p:sp>
+          <p:nvSpPr>
+            <p:cNvPr id="186" name="Oval"/>
+            <p:cNvSpPr/>
+            <p:nvPr/>
+          </p:nvSpPr>
+          <p:spPr>
+            <a:xfrm>
+              <a:off x="826555" y="1342319"/>
+              <a:ext cx="125234" cy="178237"/>
+            </a:xfrm>
+            <a:prstGeom prst="ellipse">
+              <a:avLst/>
+            </a:prstGeom>
+            <a:solidFill>
+              <a:srgbClr val="00D2A9"/>
+            </a:solidFill>
+            <a:ln w="9525" cap="flat">
+              <a:solidFill>
+                <a:srgbClr val="000000"/>
+              </a:solidFill>
+              <a:prstDash val="solid"/>
+              <a:round/>
+            </a:ln>
+            <a:effectLst/>
+          </p:spPr>
+          <p:txBody>
+            <a:bodyPr wrap="square" lIns="50800" tIns="50800" rIns="50800" bIns="50800" numCol="1" anchor="ctr">
+              <a:noAutofit/>
+            </a:bodyPr>
+            <a:lstStyle/>
+            <a:p>
+              <a:pPr/>
+            </a:p>
+          </p:txBody>
+        </p:sp>
+        <p:sp>
+          <p:nvSpPr>
+            <p:cNvPr id="187" name="Oval"/>
+            <p:cNvSpPr/>
+            <p:nvPr/>
+          </p:nvSpPr>
+          <p:spPr>
+            <a:xfrm>
+              <a:off x="551036" y="1342319"/>
+              <a:ext cx="125235" cy="178237"/>
+            </a:xfrm>
+            <a:prstGeom prst="ellipse">
+              <a:avLst/>
+            </a:prstGeom>
+            <a:solidFill>
+              <a:srgbClr val="00D2A9"/>
+            </a:solidFill>
+            <a:ln w="9525" cap="flat">
+              <a:solidFill>
+                <a:srgbClr val="000000"/>
+              </a:solidFill>
+              <a:prstDash val="solid"/>
+              <a:round/>
+            </a:ln>
+            <a:effectLst/>
+          </p:spPr>
+          <p:txBody>
+            <a:bodyPr wrap="square" lIns="50800" tIns="50800" rIns="50800" bIns="50800" numCol="1" anchor="ctr">
+              <a:noAutofit/>
+            </a:bodyPr>
+            <a:lstStyle/>
+            <a:p>
+              <a:pPr/>
+            </a:p>
+          </p:txBody>
+        </p:sp>
+        <p:sp>
+          <p:nvSpPr>
+            <p:cNvPr id="188" name="Oval"/>
+            <p:cNvSpPr/>
+            <p:nvPr/>
+          </p:nvSpPr>
+          <p:spPr>
+            <a:xfrm>
+              <a:off x="275518" y="1342319"/>
+              <a:ext cx="125234" cy="178237"/>
+            </a:xfrm>
+            <a:prstGeom prst="ellipse">
+              <a:avLst/>
+            </a:prstGeom>
+            <a:solidFill>
+              <a:srgbClr val="00D2A9"/>
+            </a:solidFill>
+            <a:ln w="9525" cap="flat">
+              <a:solidFill>
+                <a:srgbClr val="000000"/>
+              </a:solidFill>
+              <a:prstDash val="solid"/>
+              <a:round/>
+            </a:ln>
+            <a:effectLst/>
+          </p:spPr>
+          <p:txBody>
+            <a:bodyPr wrap="square" lIns="50800" tIns="50800" rIns="50800" bIns="50800" numCol="1" anchor="ctr">
+              <a:noAutofit/>
+            </a:bodyPr>
+            <a:lstStyle/>
+            <a:p>
+              <a:pPr/>
+            </a:p>
+          </p:txBody>
+        </p:sp>
+        <p:sp>
+          <p:nvSpPr>
+            <p:cNvPr id="189" name="Oval"/>
+            <p:cNvSpPr/>
+            <p:nvPr/>
+          </p:nvSpPr>
+          <p:spPr>
+            <a:xfrm>
+              <a:off x="0" y="1342319"/>
+              <a:ext cx="125234" cy="178237"/>
+            </a:xfrm>
+            <a:prstGeom prst="ellipse">
+              <a:avLst/>
+            </a:prstGeom>
+            <a:solidFill>
+              <a:srgbClr val="00D2A9"/>
+            </a:solidFill>
+            <a:ln w="9525" cap="flat">
+              <a:solidFill>
+                <a:srgbClr val="000000"/>
+              </a:solidFill>
+              <a:prstDash val="solid"/>
+              <a:round/>
+            </a:ln>
+            <a:effectLst/>
+          </p:spPr>
+          <p:txBody>
+            <a:bodyPr wrap="square" lIns="50800" tIns="50800" rIns="50800" bIns="50800" numCol="1" anchor="ctr">
+              <a:noAutofit/>
+            </a:bodyPr>
+            <a:lstStyle/>
+            <a:p>
+              <a:pPr/>
+            </a:p>
+          </p:txBody>
+        </p:sp>
+        <p:sp>
+          <p:nvSpPr>
+            <p:cNvPr id="190" name="Line"/>
+            <p:cNvSpPr/>
+            <p:nvPr/>
+          </p:nvSpPr>
+          <p:spPr>
+            <a:xfrm flipV="1">
+              <a:off x="60377" y="128085"/>
+              <a:ext cx="332180" cy="1319024"/>
+            </a:xfrm>
+            <a:prstGeom prst="line">
+              <a:avLst/>
+            </a:prstGeom>
+            <a:noFill/>
+            <a:ln w="25400" cap="flat">
+              <a:solidFill>
+                <a:srgbClr val="000000"/>
+              </a:solidFill>
+              <a:prstDash val="solid"/>
+              <a:round/>
+            </a:ln>
+            <a:effectLst/>
+          </p:spPr>
+          <p:txBody>
+            <a:bodyPr wrap="square" lIns="0" tIns="0" rIns="0" bIns="0" numCol="1" anchor="t">
+              <a:noAutofit/>
+            </a:bodyPr>
+            <a:lstStyle/>
+            <a:p>
+              <a:pPr/>
+            </a:p>
+          </p:txBody>
+        </p:sp>
+        <p:sp>
+          <p:nvSpPr>
+            <p:cNvPr id="191" name="Line"/>
+            <p:cNvSpPr/>
+            <p:nvPr/>
+          </p:nvSpPr>
+          <p:spPr>
+            <a:xfrm flipV="1">
+              <a:off x="266213" y="0"/>
+              <a:ext cx="165897" cy="1361139"/>
+            </a:xfrm>
+            <a:prstGeom prst="line">
+              <a:avLst/>
+            </a:prstGeom>
+            <a:noFill/>
+            <a:ln w="25400" cap="flat">
+              <a:solidFill>
+                <a:srgbClr val="000000"/>
+              </a:solidFill>
+              <a:prstDash val="solid"/>
+              <a:round/>
+            </a:ln>
+            <a:effectLst/>
+          </p:spPr>
+          <p:txBody>
+            <a:bodyPr wrap="square" lIns="0" tIns="0" rIns="0" bIns="0" numCol="1" anchor="t">
+              <a:noAutofit/>
+            </a:bodyPr>
+            <a:lstStyle/>
+            <a:p>
+              <a:pPr/>
+            </a:p>
+          </p:txBody>
+        </p:sp>
+        <p:sp>
+          <p:nvSpPr>
+            <p:cNvPr id="192" name="Line"/>
+            <p:cNvSpPr/>
+            <p:nvPr/>
+          </p:nvSpPr>
+          <p:spPr>
+            <a:xfrm flipH="1" flipV="1">
+              <a:off x="389764" y="31480"/>
+              <a:ext cx="185158" cy="1362440"/>
+            </a:xfrm>
+            <a:prstGeom prst="line">
+              <a:avLst/>
+            </a:prstGeom>
+            <a:noFill/>
+            <a:ln w="25400" cap="flat">
+              <a:solidFill>
+                <a:srgbClr val="000000"/>
+              </a:solidFill>
+              <a:prstDash val="solid"/>
+              <a:round/>
+            </a:ln>
+            <a:effectLst/>
+          </p:spPr>
+          <p:txBody>
+            <a:bodyPr wrap="square" lIns="0" tIns="0" rIns="0" bIns="0" numCol="1" anchor="t">
+              <a:noAutofit/>
+            </a:bodyPr>
+            <a:lstStyle/>
+            <a:p>
+              <a:pPr/>
+            </a:p>
+          </p:txBody>
+        </p:sp>
+        <p:sp>
+          <p:nvSpPr>
+            <p:cNvPr id="193" name="Line"/>
+            <p:cNvSpPr/>
+            <p:nvPr/>
+          </p:nvSpPr>
+          <p:spPr>
+            <a:xfrm flipH="1" flipV="1">
+              <a:off x="470774" y="82142"/>
+              <a:ext cx="392264" cy="1359033"/>
+            </a:xfrm>
+            <a:prstGeom prst="line">
+              <a:avLst/>
+            </a:prstGeom>
+            <a:noFill/>
+            <a:ln w="25400" cap="flat">
+              <a:solidFill>
+                <a:srgbClr val="000000"/>
+              </a:solidFill>
+              <a:prstDash val="solid"/>
+              <a:round/>
+            </a:ln>
+            <a:effectLst/>
+          </p:spPr>
+          <p:txBody>
+            <a:bodyPr wrap="square" lIns="0" tIns="0" rIns="0" bIns="0" numCol="1" anchor="t">
+              <a:noAutofit/>
+            </a:bodyPr>
+            <a:lstStyle/>
+            <a:p>
+              <a:pPr/>
+            </a:p>
+          </p:txBody>
+        </p:sp>
+      </p:grpSp>
+      <p:grpSp>
+        <p:nvGrpSpPr>
+          <p:cNvPr id="203" name="Group"/>
+          <p:cNvGrpSpPr/>
+          <p:nvPr/>
+        </p:nvGrpSpPr>
+        <p:grpSpPr>
+          <a:xfrm>
+            <a:off x="7371453" y="2002597"/>
+            <a:ext cx="951790" cy="1457296"/>
+            <a:chOff x="0" y="0"/>
+            <a:chExt cx="951788" cy="1457295"/>
+          </a:xfrm>
+        </p:grpSpPr>
+        <p:sp>
+          <p:nvSpPr>
+            <p:cNvPr id="195" name="Oval"/>
+            <p:cNvSpPr/>
+            <p:nvPr/>
+          </p:nvSpPr>
+          <p:spPr>
+            <a:xfrm>
+              <a:off x="826554" y="1279059"/>
+              <a:ext cx="125235" cy="178237"/>
+            </a:xfrm>
+            <a:prstGeom prst="ellipse">
+              <a:avLst/>
+            </a:prstGeom>
+            <a:solidFill>
+              <a:srgbClr val="00D2A9"/>
+            </a:solidFill>
+            <a:ln w="9525" cap="flat">
+              <a:solidFill>
+                <a:srgbClr val="000000"/>
+              </a:solidFill>
+              <a:prstDash val="solid"/>
+              <a:round/>
+            </a:ln>
+            <a:effectLst/>
+          </p:spPr>
+          <p:txBody>
+            <a:bodyPr wrap="square" lIns="50800" tIns="50800" rIns="50800" bIns="50800" numCol="1" anchor="ctr">
+              <a:noAutofit/>
+            </a:bodyPr>
+            <a:lstStyle/>
+            <a:p>
+              <a:pPr/>
+            </a:p>
+          </p:txBody>
+        </p:sp>
+        <p:sp>
+          <p:nvSpPr>
+            <p:cNvPr id="196" name="Oval"/>
+            <p:cNvSpPr/>
+            <p:nvPr/>
+          </p:nvSpPr>
+          <p:spPr>
+            <a:xfrm>
+              <a:off x="551036" y="1279059"/>
+              <a:ext cx="125235" cy="178237"/>
+            </a:xfrm>
+            <a:prstGeom prst="ellipse">
+              <a:avLst/>
+            </a:prstGeom>
+            <a:solidFill>
+              <a:srgbClr val="00D2A9"/>
+            </a:solidFill>
+            <a:ln w="9525" cap="flat">
+              <a:solidFill>
+                <a:srgbClr val="000000"/>
+              </a:solidFill>
+              <a:prstDash val="solid"/>
+              <a:round/>
+            </a:ln>
+            <a:effectLst/>
+          </p:spPr>
+          <p:txBody>
+            <a:bodyPr wrap="square" lIns="50800" tIns="50800" rIns="50800" bIns="50800" numCol="1" anchor="ctr">
+              <a:noAutofit/>
+            </a:bodyPr>
+            <a:lstStyle/>
+            <a:p>
+              <a:pPr/>
+            </a:p>
+          </p:txBody>
+        </p:sp>
+        <p:sp>
+          <p:nvSpPr>
+            <p:cNvPr id="197" name="Oval"/>
+            <p:cNvSpPr/>
+            <p:nvPr/>
+          </p:nvSpPr>
+          <p:spPr>
+            <a:xfrm>
+              <a:off x="275518" y="1279059"/>
+              <a:ext cx="125234" cy="178237"/>
+            </a:xfrm>
+            <a:prstGeom prst="ellipse">
+              <a:avLst/>
+            </a:prstGeom>
+            <a:solidFill>
+              <a:srgbClr val="00D2A9"/>
+            </a:solidFill>
+            <a:ln w="9525" cap="flat">
+              <a:solidFill>
+                <a:srgbClr val="000000"/>
+              </a:solidFill>
+              <a:prstDash val="solid"/>
+              <a:round/>
+            </a:ln>
+            <a:effectLst/>
+          </p:spPr>
+          <p:txBody>
+            <a:bodyPr wrap="square" lIns="50800" tIns="50800" rIns="50800" bIns="50800" numCol="1" anchor="ctr">
+              <a:noAutofit/>
+            </a:bodyPr>
+            <a:lstStyle/>
+            <a:p>
+              <a:pPr/>
+            </a:p>
+          </p:txBody>
+        </p:sp>
+        <p:sp>
+          <p:nvSpPr>
+            <p:cNvPr id="198" name="Oval"/>
+            <p:cNvSpPr/>
+            <p:nvPr/>
+          </p:nvSpPr>
+          <p:spPr>
+            <a:xfrm>
+              <a:off x="0" y="1279059"/>
+              <a:ext cx="125234" cy="178237"/>
+            </a:xfrm>
+            <a:prstGeom prst="ellipse">
+              <a:avLst/>
+            </a:prstGeom>
+            <a:solidFill>
+              <a:srgbClr val="00D2A9"/>
+            </a:solidFill>
+            <a:ln w="9525" cap="flat">
+              <a:solidFill>
+                <a:srgbClr val="000000"/>
+              </a:solidFill>
+              <a:prstDash val="solid"/>
+              <a:round/>
+            </a:ln>
+            <a:effectLst/>
+          </p:spPr>
+          <p:txBody>
+            <a:bodyPr wrap="square" lIns="50800" tIns="50800" rIns="50800" bIns="50800" numCol="1" anchor="ctr">
+              <a:noAutofit/>
+            </a:bodyPr>
+            <a:lstStyle/>
+            <a:p>
+              <a:pPr/>
+            </a:p>
+          </p:txBody>
+        </p:sp>
+        <p:sp>
+          <p:nvSpPr>
+            <p:cNvPr id="199" name="Line"/>
+            <p:cNvSpPr/>
+            <p:nvPr/>
+          </p:nvSpPr>
+          <p:spPr>
+            <a:xfrm flipV="1">
+              <a:off x="131780" y="128085"/>
+              <a:ext cx="332180" cy="1319024"/>
+            </a:xfrm>
+            <a:prstGeom prst="line">
+              <a:avLst/>
+            </a:prstGeom>
+            <a:noFill/>
+            <a:ln w="25400" cap="flat">
+              <a:solidFill>
+                <a:srgbClr val="000000"/>
+              </a:solidFill>
+              <a:prstDash val="solid"/>
+              <a:round/>
+            </a:ln>
+            <a:effectLst/>
+          </p:spPr>
+          <p:txBody>
+            <a:bodyPr wrap="square" lIns="0" tIns="0" rIns="0" bIns="0" numCol="1" anchor="t">
+              <a:noAutofit/>
+            </a:bodyPr>
+            <a:lstStyle/>
+            <a:p>
+              <a:pPr/>
+            </a:p>
+          </p:txBody>
+        </p:sp>
+        <p:sp>
+          <p:nvSpPr>
+            <p:cNvPr id="200" name="Line"/>
+            <p:cNvSpPr/>
+            <p:nvPr/>
+          </p:nvSpPr>
+          <p:spPr>
+            <a:xfrm flipV="1">
+              <a:off x="337615" y="0"/>
+              <a:ext cx="165897" cy="1361139"/>
+            </a:xfrm>
+            <a:prstGeom prst="line">
+              <a:avLst/>
+            </a:prstGeom>
+            <a:noFill/>
+            <a:ln w="25400" cap="flat">
+              <a:solidFill>
+                <a:srgbClr val="000000"/>
+              </a:solidFill>
+              <a:prstDash val="solid"/>
+              <a:round/>
+            </a:ln>
+            <a:effectLst/>
+          </p:spPr>
+          <p:txBody>
+            <a:bodyPr wrap="square" lIns="0" tIns="0" rIns="0" bIns="0" numCol="1" anchor="t">
+              <a:noAutofit/>
+            </a:bodyPr>
+            <a:lstStyle/>
+            <a:p>
+              <a:pPr/>
+            </a:p>
+          </p:txBody>
+        </p:sp>
+        <p:sp>
+          <p:nvSpPr>
+            <p:cNvPr id="201" name="Line"/>
+            <p:cNvSpPr/>
+            <p:nvPr/>
+          </p:nvSpPr>
+          <p:spPr>
+            <a:xfrm flipH="1" flipV="1">
+              <a:off x="461167" y="31480"/>
+              <a:ext cx="185158" cy="1362440"/>
+            </a:xfrm>
+            <a:prstGeom prst="line">
+              <a:avLst/>
+            </a:prstGeom>
+            <a:noFill/>
+            <a:ln w="25400" cap="flat">
+              <a:solidFill>
+                <a:srgbClr val="000000"/>
+              </a:solidFill>
+              <a:prstDash val="solid"/>
+              <a:round/>
+            </a:ln>
+            <a:effectLst/>
+          </p:spPr>
+          <p:txBody>
+            <a:bodyPr wrap="square" lIns="0" tIns="0" rIns="0" bIns="0" numCol="1" anchor="t">
+              <a:noAutofit/>
+            </a:bodyPr>
+            <a:lstStyle/>
+            <a:p>
+              <a:pPr/>
+            </a:p>
+          </p:txBody>
+        </p:sp>
+        <p:sp>
+          <p:nvSpPr>
+            <p:cNvPr id="202" name="Line"/>
+            <p:cNvSpPr/>
+            <p:nvPr/>
+          </p:nvSpPr>
+          <p:spPr>
+            <a:xfrm flipH="1" flipV="1">
+              <a:off x="542177" y="82142"/>
+              <a:ext cx="392264" cy="1359033"/>
+            </a:xfrm>
+            <a:prstGeom prst="line">
+              <a:avLst/>
+            </a:prstGeom>
+            <a:noFill/>
+            <a:ln w="25400" cap="flat">
+              <a:solidFill>
+                <a:srgbClr val="000000"/>
+              </a:solidFill>
+              <a:prstDash val="solid"/>
+              <a:round/>
+            </a:ln>
+            <a:effectLst/>
+          </p:spPr>
+          <p:txBody>
+            <a:bodyPr wrap="square" lIns="0" tIns="0" rIns="0" bIns="0" numCol="1" anchor="t">
+              <a:noAutofit/>
+            </a:bodyPr>
+            <a:lstStyle/>
+            <a:p>
+              <a:pPr/>
+            </a:p>
+          </p:txBody>
+        </p:sp>
+      </p:grpSp>
+      <p:grpSp>
+        <p:nvGrpSpPr>
+          <p:cNvPr id="214" name="Group"/>
           <p:cNvGrpSpPr/>
           <p:nvPr/>
         </p:nvGrpSpPr>
@@ -23623,7 +23963,7 @@
         </p:grpSpPr>
         <p:grpSp>
           <p:nvGrpSpPr>
-            <p:cNvPr id="200" name="Group"/>
+            <p:cNvPr id="208" name="Group"/>
             <p:cNvGrpSpPr/>
             <p:nvPr/>
           </p:nvGrpSpPr>
@@ -23637,7 +23977,7 @@
           </p:grpSpPr>
           <p:sp>
             <p:nvSpPr>
-              <p:cNvPr id="196" name="Oval"/>
+              <p:cNvPr id="204" name="Oval"/>
               <p:cNvSpPr/>
               <p:nvPr/>
             </p:nvSpPr>
@@ -23673,7 +24013,7 @@
           </p:sp>
           <p:sp>
             <p:nvSpPr>
-              <p:cNvPr id="197" name="Oval"/>
+              <p:cNvPr id="205" name="Oval"/>
               <p:cNvSpPr/>
               <p:nvPr/>
             </p:nvSpPr>
@@ -23709,7 +24049,7 @@
           </p:sp>
           <p:sp>
             <p:nvSpPr>
-              <p:cNvPr id="198" name="Oval"/>
+              <p:cNvPr id="206" name="Oval"/>
               <p:cNvSpPr/>
               <p:nvPr/>
             </p:nvSpPr>
@@ -23745,7 +24085,7 @@
           </p:sp>
           <p:sp>
             <p:nvSpPr>
-              <p:cNvPr id="199" name="Oval"/>
+              <p:cNvPr id="207" name="Oval"/>
               <p:cNvSpPr/>
               <p:nvPr/>
             </p:nvSpPr>
@@ -23782,7 +24122,7 @@
         </p:grpSp>
         <p:sp>
           <p:nvSpPr>
-            <p:cNvPr id="201" name="Line"/>
+            <p:cNvPr id="209" name="Line"/>
             <p:cNvSpPr/>
             <p:nvPr/>
           </p:nvSpPr>
@@ -23816,7 +24156,7 @@
         </p:sp>
         <p:sp>
           <p:nvSpPr>
-            <p:cNvPr id="202" name="Line"/>
+            <p:cNvPr id="210" name="Line"/>
             <p:cNvSpPr/>
             <p:nvPr/>
           </p:nvSpPr>
@@ -23850,7 +24190,7 @@
         </p:sp>
         <p:sp>
           <p:nvSpPr>
-            <p:cNvPr id="203" name="Line"/>
+            <p:cNvPr id="211" name="Line"/>
             <p:cNvSpPr/>
             <p:nvPr/>
           </p:nvSpPr>
@@ -23884,7 +24224,7 @@
         </p:sp>
         <p:sp>
           <p:nvSpPr>
-            <p:cNvPr id="204" name="Line"/>
+            <p:cNvPr id="212" name="Line"/>
             <p:cNvSpPr/>
             <p:nvPr/>
           </p:nvSpPr>
@@ -23918,7 +24258,7 @@
         </p:sp>
         <p:sp>
           <p:nvSpPr>
-            <p:cNvPr id="205" name="Oval"/>
+            <p:cNvPr id="213" name="Oval"/>
             <p:cNvSpPr/>
             <p:nvPr/>
           </p:nvSpPr>
@@ -23955,7 +24295,7 @@
       </p:grpSp>
       <p:grpSp>
         <p:nvGrpSpPr>
-          <p:cNvPr id="217" name="Group"/>
+          <p:cNvPr id="225" name="Group"/>
           <p:cNvGrpSpPr/>
           <p:nvPr/>
         </p:nvGrpSpPr>
@@ -23969,7 +24309,7 @@
         </p:grpSpPr>
         <p:grpSp>
           <p:nvGrpSpPr>
-            <p:cNvPr id="211" name="Group"/>
+            <p:cNvPr id="219" name="Group"/>
             <p:cNvGrpSpPr/>
             <p:nvPr/>
           </p:nvGrpSpPr>
@@ -23983,7 +24323,7 @@
           </p:grpSpPr>
           <p:sp>
             <p:nvSpPr>
-              <p:cNvPr id="207" name="Oval"/>
+              <p:cNvPr id="215" name="Oval"/>
               <p:cNvSpPr/>
               <p:nvPr/>
             </p:nvSpPr>
@@ -24019,7 +24359,7 @@
           </p:sp>
           <p:sp>
             <p:nvSpPr>
-              <p:cNvPr id="208" name="Oval"/>
+              <p:cNvPr id="216" name="Oval"/>
               <p:cNvSpPr/>
               <p:nvPr/>
             </p:nvSpPr>
@@ -24055,7 +24395,7 @@
           </p:sp>
           <p:sp>
             <p:nvSpPr>
-              <p:cNvPr id="209" name="Oval"/>
+              <p:cNvPr id="217" name="Oval"/>
               <p:cNvSpPr/>
               <p:nvPr/>
             </p:nvSpPr>
@@ -24091,7 +24431,7 @@
           </p:sp>
           <p:sp>
             <p:nvSpPr>
-              <p:cNvPr id="210" name="Oval"/>
+              <p:cNvPr id="218" name="Oval"/>
               <p:cNvSpPr/>
               <p:nvPr/>
             </p:nvSpPr>
@@ -24128,7 +24468,7 @@
         </p:grpSp>
         <p:sp>
           <p:nvSpPr>
-            <p:cNvPr id="212" name="Line"/>
+            <p:cNvPr id="220" name="Line"/>
             <p:cNvSpPr/>
             <p:nvPr/>
           </p:nvSpPr>
@@ -24162,7 +24502,7 @@
         </p:sp>
         <p:sp>
           <p:nvSpPr>
-            <p:cNvPr id="213" name="Line"/>
+            <p:cNvPr id="221" name="Line"/>
             <p:cNvSpPr/>
             <p:nvPr/>
           </p:nvSpPr>
@@ -24196,7 +24536,7 @@
         </p:sp>
         <p:sp>
           <p:nvSpPr>
-            <p:cNvPr id="214" name="Line"/>
+            <p:cNvPr id="222" name="Line"/>
             <p:cNvSpPr/>
             <p:nvPr/>
           </p:nvSpPr>
@@ -24230,7 +24570,7 @@
         </p:sp>
         <p:sp>
           <p:nvSpPr>
-            <p:cNvPr id="215" name="Line"/>
+            <p:cNvPr id="223" name="Line"/>
             <p:cNvSpPr/>
             <p:nvPr/>
           </p:nvSpPr>
@@ -24264,7 +24604,7 @@
         </p:sp>
         <p:sp>
           <p:nvSpPr>
-            <p:cNvPr id="216" name="Oval"/>
+            <p:cNvPr id="224" name="Oval"/>
             <p:cNvSpPr/>
             <p:nvPr/>
           </p:nvSpPr>
@@ -24301,7 +24641,7 @@
       </p:grpSp>
       <p:grpSp>
         <p:nvGrpSpPr>
-          <p:cNvPr id="228" name="Group"/>
+          <p:cNvPr id="236" name="Group"/>
           <p:cNvGrpSpPr/>
           <p:nvPr/>
         </p:nvGrpSpPr>
@@ -24315,7 +24655,7 @@
         </p:grpSpPr>
         <p:grpSp>
           <p:nvGrpSpPr>
-            <p:cNvPr id="222" name="Group"/>
+            <p:cNvPr id="230" name="Group"/>
             <p:cNvGrpSpPr/>
             <p:nvPr/>
           </p:nvGrpSpPr>
@@ -24329,7 +24669,7 @@
           </p:grpSpPr>
           <p:sp>
             <p:nvSpPr>
-              <p:cNvPr id="218" name="Oval"/>
+              <p:cNvPr id="226" name="Oval"/>
               <p:cNvSpPr/>
               <p:nvPr/>
             </p:nvSpPr>
@@ -24365,7 +24705,7 @@
           </p:sp>
           <p:sp>
             <p:nvSpPr>
-              <p:cNvPr id="219" name="Oval"/>
+              <p:cNvPr id="227" name="Oval"/>
               <p:cNvSpPr/>
               <p:nvPr/>
             </p:nvSpPr>
@@ -24401,7 +24741,7 @@
           </p:sp>
           <p:sp>
             <p:nvSpPr>
-              <p:cNvPr id="220" name="Oval"/>
+              <p:cNvPr id="228" name="Oval"/>
               <p:cNvSpPr/>
               <p:nvPr/>
             </p:nvSpPr>
@@ -24437,7 +24777,7 @@
           </p:sp>
           <p:sp>
             <p:nvSpPr>
-              <p:cNvPr id="221" name="Oval"/>
+              <p:cNvPr id="229" name="Oval"/>
               <p:cNvSpPr/>
               <p:nvPr/>
             </p:nvSpPr>
@@ -24474,7 +24814,7 @@
         </p:grpSp>
         <p:sp>
           <p:nvSpPr>
-            <p:cNvPr id="223" name="Line"/>
+            <p:cNvPr id="231" name="Line"/>
             <p:cNvSpPr/>
             <p:nvPr/>
           </p:nvSpPr>
@@ -24508,7 +24848,7 @@
         </p:sp>
         <p:sp>
           <p:nvSpPr>
-            <p:cNvPr id="224" name="Line"/>
+            <p:cNvPr id="232" name="Line"/>
             <p:cNvSpPr/>
             <p:nvPr/>
           </p:nvSpPr>
@@ -24542,7 +24882,7 @@
         </p:sp>
         <p:sp>
           <p:nvSpPr>
-            <p:cNvPr id="225" name="Line"/>
+            <p:cNvPr id="233" name="Line"/>
             <p:cNvSpPr/>
             <p:nvPr/>
           </p:nvSpPr>
@@ -24576,7 +24916,7 @@
         </p:sp>
         <p:sp>
           <p:nvSpPr>
-            <p:cNvPr id="226" name="Line"/>
+            <p:cNvPr id="234" name="Line"/>
             <p:cNvSpPr/>
             <p:nvPr/>
           </p:nvSpPr>
@@ -24610,7 +24950,7 @@
         </p:sp>
         <p:sp>
           <p:nvSpPr>
-            <p:cNvPr id="227" name="Oval"/>
+            <p:cNvPr id="235" name="Oval"/>
             <p:cNvSpPr/>
             <p:nvPr/>
           </p:nvSpPr>
@@ -24647,7 +24987,7 @@
       </p:grpSp>
       <p:grpSp>
         <p:nvGrpSpPr>
-          <p:cNvPr id="239" name="Group"/>
+          <p:cNvPr id="247" name="Group"/>
           <p:cNvGrpSpPr/>
           <p:nvPr/>
         </p:nvGrpSpPr>
@@ -24661,7 +25001,7 @@
         </p:grpSpPr>
         <p:grpSp>
           <p:nvGrpSpPr>
-            <p:cNvPr id="233" name="Group"/>
+            <p:cNvPr id="241" name="Group"/>
             <p:cNvGrpSpPr/>
             <p:nvPr/>
           </p:nvGrpSpPr>
@@ -24675,7 +25015,7 @@
           </p:grpSpPr>
           <p:sp>
             <p:nvSpPr>
-              <p:cNvPr id="229" name="Oval"/>
+              <p:cNvPr id="237" name="Oval"/>
               <p:cNvSpPr/>
               <p:nvPr/>
             </p:nvSpPr>
@@ -24711,7 +25051,7 @@
           </p:sp>
           <p:sp>
             <p:nvSpPr>
-              <p:cNvPr id="230" name="Oval"/>
+              <p:cNvPr id="238" name="Oval"/>
               <p:cNvSpPr/>
               <p:nvPr/>
             </p:nvSpPr>
@@ -24747,7 +25087,7 @@
           </p:sp>
           <p:sp>
             <p:nvSpPr>
-              <p:cNvPr id="231" name="Oval"/>
+              <p:cNvPr id="239" name="Oval"/>
               <p:cNvSpPr/>
               <p:nvPr/>
             </p:nvSpPr>
@@ -24783,7 +25123,7 @@
           </p:sp>
           <p:sp>
             <p:nvSpPr>
-              <p:cNvPr id="232" name="Oval"/>
+              <p:cNvPr id="240" name="Oval"/>
               <p:cNvSpPr/>
               <p:nvPr/>
             </p:nvSpPr>
@@ -24820,7 +25160,7 @@
         </p:grpSp>
         <p:sp>
           <p:nvSpPr>
-            <p:cNvPr id="234" name="Line"/>
+            <p:cNvPr id="242" name="Line"/>
             <p:cNvSpPr/>
             <p:nvPr/>
           </p:nvSpPr>
@@ -24854,7 +25194,7 @@
         </p:sp>
         <p:sp>
           <p:nvSpPr>
-            <p:cNvPr id="235" name="Line"/>
+            <p:cNvPr id="243" name="Line"/>
             <p:cNvSpPr/>
             <p:nvPr/>
           </p:nvSpPr>
@@ -24888,7 +25228,7 @@
         </p:sp>
         <p:sp>
           <p:nvSpPr>
-            <p:cNvPr id="236" name="Line"/>
+            <p:cNvPr id="244" name="Line"/>
             <p:cNvSpPr/>
             <p:nvPr/>
           </p:nvSpPr>
@@ -24922,7 +25262,7 @@
         </p:sp>
         <p:sp>
           <p:nvSpPr>
-            <p:cNvPr id="237" name="Line"/>
+            <p:cNvPr id="245" name="Line"/>
             <p:cNvSpPr/>
             <p:nvPr/>
           </p:nvSpPr>
@@ -24956,7 +25296,7 @@
         </p:sp>
         <p:sp>
           <p:nvSpPr>
-            <p:cNvPr id="238" name="Oval"/>
+            <p:cNvPr id="246" name="Oval"/>
             <p:cNvSpPr/>
             <p:nvPr/>
           </p:nvSpPr>
@@ -24993,7 +25333,7 @@
       </p:grpSp>
       <p:grpSp>
         <p:nvGrpSpPr>
-          <p:cNvPr id="250" name="Group"/>
+          <p:cNvPr id="258" name="Group"/>
           <p:cNvGrpSpPr/>
           <p:nvPr/>
         </p:nvGrpSpPr>
@@ -25007,7 +25347,7 @@
         </p:grpSpPr>
         <p:grpSp>
           <p:nvGrpSpPr>
-            <p:cNvPr id="244" name="Group"/>
+            <p:cNvPr id="252" name="Group"/>
             <p:cNvGrpSpPr/>
             <p:nvPr/>
           </p:nvGrpSpPr>
@@ -25021,7 +25361,7 @@
           </p:grpSpPr>
           <p:sp>
             <p:nvSpPr>
-              <p:cNvPr id="240" name="Oval"/>
+              <p:cNvPr id="248" name="Oval"/>
               <p:cNvSpPr/>
               <p:nvPr/>
             </p:nvSpPr>
@@ -25057,7 +25397,7 @@
           </p:sp>
           <p:sp>
             <p:nvSpPr>
-              <p:cNvPr id="241" name="Oval"/>
+              <p:cNvPr id="249" name="Oval"/>
               <p:cNvSpPr/>
               <p:nvPr/>
             </p:nvSpPr>
@@ -25093,7 +25433,7 @@
           </p:sp>
           <p:sp>
             <p:nvSpPr>
-              <p:cNvPr id="242" name="Oval"/>
+              <p:cNvPr id="250" name="Oval"/>
               <p:cNvSpPr/>
               <p:nvPr/>
             </p:nvSpPr>
@@ -25129,7 +25469,7 @@
           </p:sp>
           <p:sp>
             <p:nvSpPr>
-              <p:cNvPr id="243" name="Oval"/>
+              <p:cNvPr id="251" name="Oval"/>
               <p:cNvSpPr/>
               <p:nvPr/>
             </p:nvSpPr>
@@ -25166,7 +25506,7 @@
         </p:grpSp>
         <p:sp>
           <p:nvSpPr>
-            <p:cNvPr id="245" name="Line"/>
+            <p:cNvPr id="253" name="Line"/>
             <p:cNvSpPr/>
             <p:nvPr/>
           </p:nvSpPr>
@@ -25200,7 +25540,7 @@
         </p:sp>
         <p:sp>
           <p:nvSpPr>
-            <p:cNvPr id="246" name="Line"/>
+            <p:cNvPr id="254" name="Line"/>
             <p:cNvSpPr/>
             <p:nvPr/>
           </p:nvSpPr>
@@ -25234,7 +25574,7 @@
         </p:sp>
         <p:sp>
           <p:nvSpPr>
-            <p:cNvPr id="247" name="Line"/>
+            <p:cNvPr id="255" name="Line"/>
             <p:cNvSpPr/>
             <p:nvPr/>
           </p:nvSpPr>
@@ -25268,7 +25608,7 @@
         </p:sp>
         <p:sp>
           <p:nvSpPr>
-            <p:cNvPr id="248" name="Line"/>
+            <p:cNvPr id="256" name="Line"/>
             <p:cNvSpPr/>
             <p:nvPr/>
           </p:nvSpPr>
@@ -25302,7 +25642,7 @@
         </p:sp>
         <p:sp>
           <p:nvSpPr>
-            <p:cNvPr id="249" name="Oval"/>
+            <p:cNvPr id="257" name="Oval"/>
             <p:cNvSpPr/>
             <p:nvPr/>
           </p:nvSpPr>
@@ -25339,7 +25679,7 @@
       </p:grpSp>
       <p:sp>
         <p:nvSpPr>
-          <p:cNvPr id="251" name="Size n"/>
+          <p:cNvPr id="259" name="Size n"/>
           <p:cNvSpPr txBox="1"/>
           <p:nvPr/>
         </p:nvSpPr>
@@ -25386,7 +25726,7 @@
       </p:sp>
       <p:sp>
         <p:nvSpPr>
-          <p:cNvPr id="252" name="Size n/b"/>
+          <p:cNvPr id="260" name="Size n/b"/>
           <p:cNvSpPr txBox="1"/>
           <p:nvPr/>
         </p:nvSpPr>
@@ -25433,7 +25773,7 @@
       </p:sp>
       <p:sp>
         <p:nvSpPr>
-          <p:cNvPr id="253" name="Size n/b2"/>
+          <p:cNvPr id="261" name="Size n/b2"/>
           <p:cNvSpPr txBox="1"/>
           <p:nvPr/>
         </p:nvSpPr>
@@ -25489,7 +25829,7 @@
       </p:sp>
       <p:sp>
         <p:nvSpPr>
-          <p:cNvPr id="254" name="Size 1…"/>
+          <p:cNvPr id="262" name="Size 1…"/>
           <p:cNvSpPr txBox="1"/>
           <p:nvPr/>
         </p:nvSpPr>
@@ -25551,72 +25891,126 @@
           </a:p>
         </p:txBody>
       </p:sp>
+      <p:grpSp>
+        <p:nvGrpSpPr>
+          <p:cNvPr id="265" name="Group"/>
+          <p:cNvGrpSpPr/>
+          <p:nvPr/>
+        </p:nvGrpSpPr>
+        <p:grpSpPr>
+          <a:xfrm>
+            <a:off x="8886276" y="1020892"/>
+            <a:ext cx="1086190" cy="4699765"/>
+            <a:chOff x="0" y="0"/>
+            <a:chExt cx="1086189" cy="4699763"/>
+          </a:xfrm>
+        </p:grpSpPr>
+        <p:sp>
+          <p:nvSpPr>
+            <p:cNvPr id="263" name="Line"/>
+            <p:cNvSpPr/>
+            <p:nvPr/>
+          </p:nvSpPr>
+          <p:spPr>
+            <a:xfrm flipH="1" flipV="1">
+              <a:off x="0" y="0"/>
+              <a:ext cx="125242" cy="4699764"/>
+            </a:xfrm>
+            <a:prstGeom prst="line">
+              <a:avLst/>
+            </a:prstGeom>
+            <a:noFill/>
+            <a:ln w="9525" cap="flat">
+              <a:solidFill>
+                <a:srgbClr val="000000"/>
+              </a:solidFill>
+              <a:prstDash val="solid"/>
+              <a:round/>
+            </a:ln>
+            <a:effectLst/>
+          </p:spPr>
+          <p:txBody>
+            <a:bodyPr wrap="square" lIns="0" tIns="0" rIns="0" bIns="0" numCol="1" anchor="t">
+              <a:noAutofit/>
+            </a:bodyPr>
+            <a:lstStyle/>
+            <a:p>
+              <a:pPr/>
+            </a:p>
+          </p:txBody>
+        </p:sp>
+        <p:sp>
+          <p:nvSpPr>
+            <p:cNvPr id="264" name="Depth…"/>
+            <p:cNvSpPr txBox="1"/>
+            <p:nvPr/>
+          </p:nvSpPr>
+          <p:spPr>
+            <a:xfrm>
+              <a:off x="77670" y="2452018"/>
+              <a:ext cx="1008520" cy="787401"/>
+            </a:xfrm>
+            <a:prstGeom prst="rect">
+              <a:avLst/>
+            </a:prstGeom>
+            <a:noFill/>
+            <a:ln w="12700" cap="flat">
+              <a:noFill/>
+              <a:miter lim="400000"/>
+            </a:ln>
+            <a:effectLst/>
+            <a:extLst>
+              <a:ext uri="{C572A759-6A51-4108-AA02-DFA0A04FC94B}">
+                <ma14:wrappingTextBoxFlag xmlns:ma14="http://schemas.microsoft.com/office/mac/drawingml/2011/main" val="1"/>
+              </a:ext>
+            </a:extLst>
+          </p:spPr>
+          <p:txBody>
+            <a:bodyPr wrap="none" lIns="50800" tIns="50800" rIns="50800" bIns="50800" numCol="1" anchor="ctr">
+              <a:spAutoFit/>
+            </a:bodyPr>
+            <a:lstStyle/>
+            <a:p>
+              <a:pPr>
+                <a:defRPr sz="2400"/>
+              </a:pPr>
+              <a:r>
+                <a:t>Depth</a:t>
+              </a:r>
+            </a:p>
+            <a:p>
+              <a:pPr>
+                <a:defRPr sz="2400">
+                  <a:latin typeface="Courier New"/>
+                  <a:ea typeface="Courier New"/>
+                  <a:cs typeface="Courier New"/>
+                  <a:sym typeface="Courier New"/>
+                </a:defRPr>
+              </a:pPr>
+              <a:r>
+                <a:t>log</a:t>
+              </a:r>
+              <a:r>
+                <a:rPr baseline="-5999"/>
+                <a:t>b</a:t>
+              </a:r>
+              <a:r>
+                <a:t>n</a:t>
+              </a:r>
+            </a:p>
+          </p:txBody>
+        </p:sp>
+      </p:grpSp>
       <p:sp>
         <p:nvSpPr>
-          <p:cNvPr id="255" name="Text"/>
+          <p:cNvPr id="266" name="a number of sub problems"/>
           <p:cNvSpPr txBox="1"/>
           <p:nvPr/>
         </p:nvSpPr>
         <p:spPr>
           <a:xfrm>
-            <a:off x="4868212" y="3667187"/>
-            <a:ext cx="423576" cy="285626"/>
-          </a:xfrm>
-          <a:prstGeom prst="rect">
-            <a:avLst/>
-          </a:prstGeom>
-          <a:ln w="12700">
-            <a:miter lim="400000"/>
-          </a:ln>
-        </p:spPr>
-        <p:txBody>
-          <a:bodyPr wrap="none" lIns="50800" tIns="50800" rIns="50800" bIns="50800" anchor="ctr">
-            <a:spAutoFit/>
-          </a:bodyPr>
-          <a:lstStyle/>
-          <a:p>
-            <a:pPr/>
-          </a:p>
-        </p:txBody>
-      </p:sp>
-      <p:sp>
-        <p:nvSpPr>
-          <p:cNvPr id="256" name="Line"/>
-          <p:cNvSpPr/>
-          <p:nvPr/>
-        </p:nvSpPr>
-        <p:spPr>
-          <a:xfrm flipH="1" flipV="1">
-            <a:off x="8886276" y="1020892"/>
-            <a:ext cx="125242" cy="4699765"/>
-          </a:xfrm>
-          <a:prstGeom prst="line">
-            <a:avLst/>
-          </a:prstGeom>
-          <a:ln>
-            <a:solidFill>
-              <a:srgbClr val="000000"/>
-            </a:solidFill>
-          </a:ln>
-        </p:spPr>
-        <p:txBody>
-          <a:bodyPr lIns="0" tIns="0" rIns="0" bIns="0"/>
-          <a:lstStyle/>
-          <a:p>
-            <a:pPr/>
-          </a:p>
-        </p:txBody>
-      </p:sp>
-      <p:sp>
-        <p:nvSpPr>
-          <p:cNvPr id="257" name="Depth…"/>
-          <p:cNvSpPr txBox="1"/>
-          <p:nvPr/>
-        </p:nvSpPr>
-        <p:spPr>
-          <a:xfrm>
-            <a:off x="8963946" y="3472910"/>
-            <a:ext cx="1008520" cy="787401"/>
+            <a:off x="6072961" y="1033026"/>
+            <a:ext cx="3564891" cy="431553"/>
           </a:xfrm>
           <a:prstGeom prst="rect">
             <a:avLst/>
@@ -25634,33 +26028,15 @@
           <a:bodyPr wrap="none" lIns="50800" tIns="50800" rIns="50800" bIns="50800" anchor="ctr">
             <a:spAutoFit/>
           </a:bodyPr>
-          <a:lstStyle/>
+          <a:lstStyle>
+            <a:lvl1pPr>
+              <a:defRPr b="1" sz="2400"/>
+            </a:lvl1pPr>
+          </a:lstStyle>
           <a:p>
-            <a:pPr>
-              <a:defRPr sz="2400"/>
-            </a:pPr>
-            <a:r>
-              <a:t>Depth</a:t>
-            </a:r>
-          </a:p>
-          <a:p>
-            <a:pPr>
-              <a:defRPr sz="2400">
-                <a:latin typeface="Courier New"/>
-                <a:ea typeface="Courier New"/>
-                <a:cs typeface="Courier New"/>
-                <a:sym typeface="Courier New"/>
-              </a:defRPr>
-            </a:pPr>
-            <a:r>
-              <a:t>log</a:t>
-            </a:r>
-            <a:r>
-              <a:rPr baseline="-5999"/>
-              <a:t>b</a:t>
-            </a:r>
-            <a:r>
-              <a:t>n</a:t>
+            <a:pPr/>
+            <a:r>
+              <a:t>a number of sub problems</a:t>
             </a:r>
           </a:p>
         </p:txBody>
@@ -25671,6 +26047,938 @@
     <a:masterClrMapping/>
   </p:clrMapOvr>
   <p:transition xmlns:p14="http://schemas.microsoft.com/office/powerpoint/2010/main" spd="med" advClick="1"/>
+  <p:timing>
+    <p:tnLst>
+      <p:par>
+        <p:cTn id="1" nodeType="tmRoot" restart="never" dur="indefinite" fill="hold">
+          <p:childTnLst>
+            <p:seq concurrent="1" prevAc="none" nextAc="seek">
+              <p:cTn id="2" nodeType="mainSeq" dur="indefinite" fill="hold">
+                <p:childTnLst>
+                  <p:par>
+                    <p:cTn id="3" fill="hold">
+                      <p:stCondLst>
+                        <p:cond delay="indefinite"/>
+                      </p:stCondLst>
+                      <p:childTnLst>
+                        <p:par>
+                          <p:cTn id="4" fill="hold">
+                            <p:stCondLst>
+                              <p:cond delay="0"/>
+                            </p:stCondLst>
+                            <p:childTnLst>
+                              <p:par>
+                                <p:cTn id="5" presetClass="entr" nodeType="clickEffect" presetSubtype="0" presetID="1" grpId="1" fill="hold">
+                                  <p:stCondLst>
+                                    <p:cond delay="0"/>
+                                  </p:stCondLst>
+                                  <p:iterate type="el" backwards="0">
+                                    <p:tmAbs val="0"/>
+                                  </p:iterate>
+                                  <p:childTnLst>
+                                    <p:set>
+                                      <p:cBhvr>
+                                        <p:cTn id="6" fill="hold"/>
+                                        <p:tgtEl>
+                                          <p:spTgt spid="259"/>
+                                        </p:tgtEl>
+                                        <p:attrNameLst>
+                                          <p:attrName>style.visibility</p:attrName>
+                                        </p:attrNameLst>
+                                      </p:cBhvr>
+                                      <p:to>
+                                        <p:strVal val="visible"/>
+                                      </p:to>
+                                    </p:set>
+                                  </p:childTnLst>
+                                </p:cTn>
+                              </p:par>
+                            </p:childTnLst>
+                          </p:cTn>
+                        </p:par>
+                      </p:childTnLst>
+                    </p:cTn>
+                  </p:par>
+                  <p:par>
+                    <p:cTn id="7" fill="hold">
+                      <p:stCondLst>
+                        <p:cond delay="indefinite"/>
+                      </p:stCondLst>
+                      <p:childTnLst>
+                        <p:par>
+                          <p:cTn id="8" fill="hold">
+                            <p:stCondLst>
+                              <p:cond delay="0"/>
+                            </p:stCondLst>
+                            <p:childTnLst>
+                              <p:par>
+                                <p:cTn id="9" presetClass="entr" nodeType="clickEffect" presetSubtype="0" presetID="1" grpId="2" fill="hold">
+                                  <p:stCondLst>
+                                    <p:cond delay="0"/>
+                                  </p:stCondLst>
+                                  <p:iterate type="el" backwards="0">
+                                    <p:tmAbs val="0"/>
+                                  </p:iterate>
+                                  <p:childTnLst>
+                                    <p:set>
+                                      <p:cBhvr>
+                                        <p:cTn id="10" fill="hold"/>
+                                        <p:tgtEl>
+                                          <p:spTgt spid="260"/>
+                                        </p:tgtEl>
+                                        <p:attrNameLst>
+                                          <p:attrName>style.visibility</p:attrName>
+                                        </p:attrNameLst>
+                                      </p:cBhvr>
+                                      <p:to>
+                                        <p:strVal val="visible"/>
+                                      </p:to>
+                                    </p:set>
+                                  </p:childTnLst>
+                                </p:cTn>
+                              </p:par>
+                            </p:childTnLst>
+                          </p:cTn>
+                        </p:par>
+                      </p:childTnLst>
+                    </p:cTn>
+                  </p:par>
+                  <p:par>
+                    <p:cTn id="11" fill="hold">
+                      <p:stCondLst>
+                        <p:cond delay="indefinite"/>
+                      </p:stCondLst>
+                      <p:childTnLst>
+                        <p:par>
+                          <p:cTn id="12" fill="hold">
+                            <p:stCondLst>
+                              <p:cond delay="0"/>
+                            </p:stCondLst>
+                            <p:childTnLst>
+                              <p:par>
+                                <p:cTn id="13" presetClass="entr" nodeType="clickEffect" presetSubtype="0" presetID="1" grpId="3" fill="hold">
+                                  <p:stCondLst>
+                                    <p:cond delay="0"/>
+                                  </p:stCondLst>
+                                  <p:iterate type="el" backwards="0">
+                                    <p:tmAbs val="0"/>
+                                  </p:iterate>
+                                  <p:childTnLst>
+                                    <p:set>
+                                      <p:cBhvr>
+                                        <p:cTn id="14" fill="hold"/>
+                                        <p:tgtEl>
+                                          <p:spTgt spid="266"/>
+                                        </p:tgtEl>
+                                        <p:attrNameLst>
+                                          <p:attrName>style.visibility</p:attrName>
+                                        </p:attrNameLst>
+                                      </p:cBhvr>
+                                      <p:to>
+                                        <p:strVal val="visible"/>
+                                      </p:to>
+                                    </p:set>
+                                  </p:childTnLst>
+                                </p:cTn>
+                              </p:par>
+                            </p:childTnLst>
+                          </p:cTn>
+                        </p:par>
+                      </p:childTnLst>
+                    </p:cTn>
+                  </p:par>
+                  <p:par>
+                    <p:cTn id="15" fill="hold">
+                      <p:stCondLst>
+                        <p:cond delay="indefinite"/>
+                      </p:stCondLst>
+                      <p:childTnLst>
+                        <p:par>
+                          <p:cTn id="16" fill="hold">
+                            <p:stCondLst>
+                              <p:cond delay="0"/>
+                            </p:stCondLst>
+                            <p:childTnLst>
+                              <p:par>
+                                <p:cTn id="17" presetClass="entr" nodeType="clickEffect" presetSubtype="0" presetID="1" grpId="4" fill="hold">
+                                  <p:stCondLst>
+                                    <p:cond delay="0"/>
+                                  </p:stCondLst>
+                                  <p:iterate type="el" backwards="0">
+                                    <p:tmAbs val="0"/>
+                                  </p:iterate>
+                                  <p:childTnLst>
+                                    <p:set>
+                                      <p:cBhvr>
+                                        <p:cTn id="18" fill="hold"/>
+                                        <p:tgtEl>
+                                          <p:spTgt spid="158"/>
+                                        </p:tgtEl>
+                                        <p:attrNameLst>
+                                          <p:attrName>style.visibility</p:attrName>
+                                        </p:attrNameLst>
+                                      </p:cBhvr>
+                                      <p:to>
+                                        <p:strVal val="visible"/>
+                                      </p:to>
+                                    </p:set>
+                                  </p:childTnLst>
+                                </p:cTn>
+                              </p:par>
+                            </p:childTnLst>
+                          </p:cTn>
+                        </p:par>
+                      </p:childTnLst>
+                    </p:cTn>
+                  </p:par>
+                  <p:par>
+                    <p:cTn id="19" fill="hold">
+                      <p:stCondLst>
+                        <p:cond delay="indefinite"/>
+                      </p:stCondLst>
+                      <p:childTnLst>
+                        <p:par>
+                          <p:cTn id="20" fill="hold">
+                            <p:stCondLst>
+                              <p:cond delay="0"/>
+                            </p:stCondLst>
+                            <p:childTnLst>
+                              <p:par>
+                                <p:cTn id="21" presetClass="entr" nodeType="clickEffect" presetSubtype="0" presetID="1" grpId="5" fill="hold">
+                                  <p:stCondLst>
+                                    <p:cond delay="0"/>
+                                  </p:stCondLst>
+                                  <p:iterate type="el" backwards="0">
+                                    <p:tmAbs val="0"/>
+                                  </p:iterate>
+                                  <p:childTnLst>
+                                    <p:set>
+                                      <p:cBhvr>
+                                        <p:cTn id="22" fill="hold"/>
+                                        <p:tgtEl>
+                                          <p:spTgt spid="161"/>
+                                        </p:tgtEl>
+                                        <p:attrNameLst>
+                                          <p:attrName>style.visibility</p:attrName>
+                                        </p:attrNameLst>
+                                      </p:cBhvr>
+                                      <p:to>
+                                        <p:strVal val="visible"/>
+                                      </p:to>
+                                    </p:set>
+                                  </p:childTnLst>
+                                </p:cTn>
+                              </p:par>
+                            </p:childTnLst>
+                          </p:cTn>
+                        </p:par>
+                      </p:childTnLst>
+                    </p:cTn>
+                  </p:par>
+                  <p:par>
+                    <p:cTn id="23" fill="hold">
+                      <p:stCondLst>
+                        <p:cond delay="indefinite"/>
+                      </p:stCondLst>
+                      <p:childTnLst>
+                        <p:par>
+                          <p:cTn id="24" fill="hold">
+                            <p:stCondLst>
+                              <p:cond delay="0"/>
+                            </p:stCondLst>
+                            <p:childTnLst>
+                              <p:par>
+                                <p:cTn id="25" presetClass="entr" nodeType="clickEffect" presetSubtype="0" presetID="1" grpId="6" fill="hold">
+                                  <p:stCondLst>
+                                    <p:cond delay="0"/>
+                                  </p:stCondLst>
+                                  <p:iterate type="el" backwards="0">
+                                    <p:tmAbs val="0"/>
+                                  </p:iterate>
+                                  <p:childTnLst>
+                                    <p:set>
+                                      <p:cBhvr>
+                                        <p:cTn id="26" fill="hold"/>
+                                        <p:tgtEl>
+                                          <p:spTgt spid="164"/>
+                                        </p:tgtEl>
+                                        <p:attrNameLst>
+                                          <p:attrName>style.visibility</p:attrName>
+                                        </p:attrNameLst>
+                                      </p:cBhvr>
+                                      <p:to>
+                                        <p:strVal val="visible"/>
+                                      </p:to>
+                                    </p:set>
+                                  </p:childTnLst>
+                                </p:cTn>
+                              </p:par>
+                            </p:childTnLst>
+                          </p:cTn>
+                        </p:par>
+                      </p:childTnLst>
+                    </p:cTn>
+                  </p:par>
+                  <p:par>
+                    <p:cTn id="27" fill="hold">
+                      <p:stCondLst>
+                        <p:cond delay="indefinite"/>
+                      </p:stCondLst>
+                      <p:childTnLst>
+                        <p:par>
+                          <p:cTn id="28" fill="hold">
+                            <p:stCondLst>
+                              <p:cond delay="0"/>
+                            </p:stCondLst>
+                            <p:childTnLst>
+                              <p:par>
+                                <p:cTn id="29" presetClass="entr" nodeType="clickEffect" presetSubtype="0" presetID="1" grpId="7" fill="hold">
+                                  <p:stCondLst>
+                                    <p:cond delay="0"/>
+                                  </p:stCondLst>
+                                  <p:iterate type="el" backwards="0">
+                                    <p:tmAbs val="0"/>
+                                  </p:iterate>
+                                  <p:childTnLst>
+                                    <p:set>
+                                      <p:cBhvr>
+                                        <p:cTn id="30" fill="hold"/>
+                                        <p:tgtEl>
+                                          <p:spTgt spid="167"/>
+                                        </p:tgtEl>
+                                        <p:attrNameLst>
+                                          <p:attrName>style.visibility</p:attrName>
+                                        </p:attrNameLst>
+                                      </p:cBhvr>
+                                      <p:to>
+                                        <p:strVal val="visible"/>
+                                      </p:to>
+                                    </p:set>
+                                  </p:childTnLst>
+                                </p:cTn>
+                              </p:par>
+                            </p:childTnLst>
+                          </p:cTn>
+                        </p:par>
+                      </p:childTnLst>
+                    </p:cTn>
+                  </p:par>
+                  <p:par>
+                    <p:cTn id="31" fill="hold">
+                      <p:stCondLst>
+                        <p:cond delay="indefinite"/>
+                      </p:stCondLst>
+                      <p:childTnLst>
+                        <p:par>
+                          <p:cTn id="32" fill="hold">
+                            <p:stCondLst>
+                              <p:cond delay="0"/>
+                            </p:stCondLst>
+                            <p:childTnLst>
+                              <p:par>
+                                <p:cTn id="33" presetClass="entr" nodeType="clickEffect" presetSubtype="0" presetID="1" grpId="8" fill="hold">
+                                  <p:stCondLst>
+                                    <p:cond delay="0"/>
+                                  </p:stCondLst>
+                                  <p:iterate type="el" backwards="0">
+                                    <p:tmAbs val="0"/>
+                                  </p:iterate>
+                                  <p:childTnLst>
+                                    <p:set>
+                                      <p:cBhvr>
+                                        <p:cTn id="34" fill="hold"/>
+                                        <p:tgtEl>
+                                          <p:spTgt spid="261"/>
+                                        </p:tgtEl>
+                                        <p:attrNameLst>
+                                          <p:attrName>style.visibility</p:attrName>
+                                        </p:attrNameLst>
+                                      </p:cBhvr>
+                                      <p:to>
+                                        <p:strVal val="visible"/>
+                                      </p:to>
+                                    </p:set>
+                                  </p:childTnLst>
+                                </p:cTn>
+                              </p:par>
+                            </p:childTnLst>
+                          </p:cTn>
+                        </p:par>
+                      </p:childTnLst>
+                    </p:cTn>
+                  </p:par>
+                  <p:par>
+                    <p:cTn id="35" fill="hold">
+                      <p:stCondLst>
+                        <p:cond delay="indefinite"/>
+                      </p:stCondLst>
+                      <p:childTnLst>
+                        <p:par>
+                          <p:cTn id="36" fill="hold">
+                            <p:stCondLst>
+                              <p:cond delay="0"/>
+                            </p:stCondLst>
+                            <p:childTnLst>
+                              <p:par>
+                                <p:cTn id="37" presetClass="entr" nodeType="clickEffect" presetSubtype="0" presetID="1" grpId="9" fill="hold">
+                                  <p:stCondLst>
+                                    <p:cond delay="0"/>
+                                  </p:stCondLst>
+                                  <p:iterate type="el" backwards="0">
+                                    <p:tmAbs val="0"/>
+                                  </p:iterate>
+                                  <p:childTnLst>
+                                    <p:set>
+                                      <p:cBhvr>
+                                        <p:cTn id="38" fill="hold"/>
+                                        <p:tgtEl>
+                                          <p:spTgt spid="176"/>
+                                        </p:tgtEl>
+                                        <p:attrNameLst>
+                                          <p:attrName>style.visibility</p:attrName>
+                                        </p:attrNameLst>
+                                      </p:cBhvr>
+                                      <p:to>
+                                        <p:strVal val="visible"/>
+                                      </p:to>
+                                    </p:set>
+                                  </p:childTnLst>
+                                </p:cTn>
+                              </p:par>
+                            </p:childTnLst>
+                          </p:cTn>
+                        </p:par>
+                      </p:childTnLst>
+                    </p:cTn>
+                  </p:par>
+                  <p:par>
+                    <p:cTn id="39" fill="hold">
+                      <p:stCondLst>
+                        <p:cond delay="indefinite"/>
+                      </p:stCondLst>
+                      <p:childTnLst>
+                        <p:par>
+                          <p:cTn id="40" fill="hold">
+                            <p:stCondLst>
+                              <p:cond delay="0"/>
+                            </p:stCondLst>
+                            <p:childTnLst>
+                              <p:par>
+                                <p:cTn id="41" presetClass="entr" nodeType="clickEffect" presetSubtype="0" presetID="1" grpId="10" fill="hold">
+                                  <p:stCondLst>
+                                    <p:cond delay="0"/>
+                                  </p:stCondLst>
+                                  <p:iterate type="el" backwards="0">
+                                    <p:tmAbs val="0"/>
+                                  </p:iterate>
+                                  <p:childTnLst>
+                                    <p:set>
+                                      <p:cBhvr>
+                                        <p:cTn id="42" fill="hold"/>
+                                        <p:tgtEl>
+                                          <p:spTgt spid="185"/>
+                                        </p:tgtEl>
+                                        <p:attrNameLst>
+                                          <p:attrName>style.visibility</p:attrName>
+                                        </p:attrNameLst>
+                                      </p:cBhvr>
+                                      <p:to>
+                                        <p:strVal val="visible"/>
+                                      </p:to>
+                                    </p:set>
+                                  </p:childTnLst>
+                                </p:cTn>
+                              </p:par>
+                            </p:childTnLst>
+                          </p:cTn>
+                        </p:par>
+                      </p:childTnLst>
+                    </p:cTn>
+                  </p:par>
+                  <p:par>
+                    <p:cTn id="43" fill="hold">
+                      <p:stCondLst>
+                        <p:cond delay="indefinite"/>
+                      </p:stCondLst>
+                      <p:childTnLst>
+                        <p:par>
+                          <p:cTn id="44" fill="hold">
+                            <p:stCondLst>
+                              <p:cond delay="0"/>
+                            </p:stCondLst>
+                            <p:childTnLst>
+                              <p:par>
+                                <p:cTn id="45" presetClass="entr" nodeType="clickEffect" presetSubtype="0" presetID="1" grpId="11" fill="hold">
+                                  <p:stCondLst>
+                                    <p:cond delay="0"/>
+                                  </p:stCondLst>
+                                  <p:iterate type="el" backwards="0">
+                                    <p:tmAbs val="0"/>
+                                  </p:iterate>
+                                  <p:childTnLst>
+                                    <p:set>
+                                      <p:cBhvr>
+                                        <p:cTn id="46" fill="hold"/>
+                                        <p:tgtEl>
+                                          <p:spTgt spid="194"/>
+                                        </p:tgtEl>
+                                        <p:attrNameLst>
+                                          <p:attrName>style.visibility</p:attrName>
+                                        </p:attrNameLst>
+                                      </p:cBhvr>
+                                      <p:to>
+                                        <p:strVal val="visible"/>
+                                      </p:to>
+                                    </p:set>
+                                  </p:childTnLst>
+                                </p:cTn>
+                              </p:par>
+                            </p:childTnLst>
+                          </p:cTn>
+                        </p:par>
+                      </p:childTnLst>
+                    </p:cTn>
+                  </p:par>
+                  <p:par>
+                    <p:cTn id="47" fill="hold">
+                      <p:stCondLst>
+                        <p:cond delay="indefinite"/>
+                      </p:stCondLst>
+                      <p:childTnLst>
+                        <p:par>
+                          <p:cTn id="48" fill="hold">
+                            <p:stCondLst>
+                              <p:cond delay="0"/>
+                            </p:stCondLst>
+                            <p:childTnLst>
+                              <p:par>
+                                <p:cTn id="49" presetClass="entr" nodeType="clickEffect" presetSubtype="0" presetID="1" grpId="12" fill="hold">
+                                  <p:stCondLst>
+                                    <p:cond delay="0"/>
+                                  </p:stCondLst>
+                                  <p:iterate type="el" backwards="0">
+                                    <p:tmAbs val="0"/>
+                                  </p:iterate>
+                                  <p:childTnLst>
+                                    <p:set>
+                                      <p:cBhvr>
+                                        <p:cTn id="50" fill="hold"/>
+                                        <p:tgtEl>
+                                          <p:spTgt spid="203"/>
+                                        </p:tgtEl>
+                                        <p:attrNameLst>
+                                          <p:attrName>style.visibility</p:attrName>
+                                        </p:attrNameLst>
+                                      </p:cBhvr>
+                                      <p:to>
+                                        <p:strVal val="visible"/>
+                                      </p:to>
+                                    </p:set>
+                                  </p:childTnLst>
+                                </p:cTn>
+                              </p:par>
+                            </p:childTnLst>
+                          </p:cTn>
+                        </p:par>
+                      </p:childTnLst>
+                    </p:cTn>
+                  </p:par>
+                  <p:par>
+                    <p:cTn id="51" fill="hold">
+                      <p:stCondLst>
+                        <p:cond delay="indefinite"/>
+                      </p:stCondLst>
+                      <p:childTnLst>
+                        <p:par>
+                          <p:cTn id="52" fill="hold">
+                            <p:stCondLst>
+                              <p:cond delay="0"/>
+                            </p:stCondLst>
+                            <p:childTnLst>
+                              <p:par>
+                                <p:cTn id="53" presetClass="entr" nodeType="clickEffect" presetSubtype="0" presetID="1" grpId="13" fill="hold">
+                                  <p:stCondLst>
+                                    <p:cond delay="0"/>
+                                  </p:stCondLst>
+                                  <p:iterate type="el" backwards="0">
+                                    <p:tmAbs val="0"/>
+                                  </p:iterate>
+                                  <p:childTnLst>
+                                    <p:set>
+                                      <p:cBhvr>
+                                        <p:cTn id="54" fill="hold"/>
+                                        <p:tgtEl>
+                                          <p:spTgt spid="262"/>
+                                        </p:tgtEl>
+                                        <p:attrNameLst>
+                                          <p:attrName>style.visibility</p:attrName>
+                                        </p:attrNameLst>
+                                      </p:cBhvr>
+                                      <p:to>
+                                        <p:strVal val="visible"/>
+                                      </p:to>
+                                    </p:set>
+                                  </p:childTnLst>
+                                </p:cTn>
+                              </p:par>
+                            </p:childTnLst>
+                          </p:cTn>
+                        </p:par>
+                      </p:childTnLst>
+                    </p:cTn>
+                  </p:par>
+                  <p:par>
+                    <p:cTn id="55" fill="hold">
+                      <p:stCondLst>
+                        <p:cond delay="indefinite"/>
+                      </p:stCondLst>
+                      <p:childTnLst>
+                        <p:par>
+                          <p:cTn id="56" fill="hold">
+                            <p:stCondLst>
+                              <p:cond delay="0"/>
+                            </p:stCondLst>
+                            <p:childTnLst>
+                              <p:par>
+                                <p:cTn id="57" presetClass="entr" nodeType="clickEffect" presetSubtype="0" presetID="1" grpId="14" fill="hold">
+                                  <p:stCondLst>
+                                    <p:cond delay="0"/>
+                                  </p:stCondLst>
+                                  <p:iterate type="el" backwards="0">
+                                    <p:tmAbs val="0"/>
+                                  </p:iterate>
+                                  <p:childTnLst>
+                                    <p:set>
+                                      <p:cBhvr>
+                                        <p:cTn id="58" fill="hold"/>
+                                        <p:tgtEl>
+                                          <p:spTgt spid="247"/>
+                                        </p:tgtEl>
+                                        <p:attrNameLst>
+                                          <p:attrName>style.visibility</p:attrName>
+                                        </p:attrNameLst>
+                                      </p:cBhvr>
+                                      <p:to>
+                                        <p:strVal val="visible"/>
+                                      </p:to>
+                                    </p:set>
+                                  </p:childTnLst>
+                                </p:cTn>
+                              </p:par>
+                            </p:childTnLst>
+                          </p:cTn>
+                        </p:par>
+                      </p:childTnLst>
+                    </p:cTn>
+                  </p:par>
+                  <p:par>
+                    <p:cTn id="59" fill="hold">
+                      <p:stCondLst>
+                        <p:cond delay="indefinite"/>
+                      </p:stCondLst>
+                      <p:childTnLst>
+                        <p:par>
+                          <p:cTn id="60" fill="hold">
+                            <p:stCondLst>
+                              <p:cond delay="0"/>
+                            </p:stCondLst>
+                            <p:childTnLst>
+                              <p:par>
+                                <p:cTn id="61" presetClass="entr" nodeType="clickEffect" presetSubtype="0" presetID="1" grpId="15" fill="hold">
+                                  <p:stCondLst>
+                                    <p:cond delay="0"/>
+                                  </p:stCondLst>
+                                  <p:iterate type="el" backwards="0">
+                                    <p:tmAbs val="0"/>
+                                  </p:iterate>
+                                  <p:childTnLst>
+                                    <p:set>
+                                      <p:cBhvr>
+                                        <p:cTn id="62" fill="hold"/>
+                                        <p:tgtEl>
+                                          <p:spTgt spid="225"/>
+                                        </p:tgtEl>
+                                        <p:attrNameLst>
+                                          <p:attrName>style.visibility</p:attrName>
+                                        </p:attrNameLst>
+                                      </p:cBhvr>
+                                      <p:to>
+                                        <p:strVal val="visible"/>
+                                      </p:to>
+                                    </p:set>
+                                  </p:childTnLst>
+                                </p:cTn>
+                              </p:par>
+                            </p:childTnLst>
+                          </p:cTn>
+                        </p:par>
+                      </p:childTnLst>
+                    </p:cTn>
+                  </p:par>
+                  <p:par>
+                    <p:cTn id="63" fill="hold">
+                      <p:stCondLst>
+                        <p:cond delay="indefinite"/>
+                      </p:stCondLst>
+                      <p:childTnLst>
+                        <p:par>
+                          <p:cTn id="64" fill="hold">
+                            <p:stCondLst>
+                              <p:cond delay="0"/>
+                            </p:stCondLst>
+                            <p:childTnLst>
+                              <p:par>
+                                <p:cTn id="65" presetClass="entr" nodeType="clickEffect" presetSubtype="0" presetID="1" grpId="16" fill="hold">
+                                  <p:stCondLst>
+                                    <p:cond delay="0"/>
+                                  </p:stCondLst>
+                                  <p:iterate type="el" backwards="0">
+                                    <p:tmAbs val="0"/>
+                                  </p:iterate>
+                                  <p:childTnLst>
+                                    <p:set>
+                                      <p:cBhvr>
+                                        <p:cTn id="66" fill="hold"/>
+                                        <p:tgtEl>
+                                          <p:spTgt spid="214"/>
+                                        </p:tgtEl>
+                                        <p:attrNameLst>
+                                          <p:attrName>style.visibility</p:attrName>
+                                        </p:attrNameLst>
+                                      </p:cBhvr>
+                                      <p:to>
+                                        <p:strVal val="visible"/>
+                                      </p:to>
+                                    </p:set>
+                                  </p:childTnLst>
+                                </p:cTn>
+                              </p:par>
+                            </p:childTnLst>
+                          </p:cTn>
+                        </p:par>
+                      </p:childTnLst>
+                    </p:cTn>
+                  </p:par>
+                  <p:par>
+                    <p:cTn id="67" fill="hold">
+                      <p:stCondLst>
+                        <p:cond delay="indefinite"/>
+                      </p:stCondLst>
+                      <p:childTnLst>
+                        <p:par>
+                          <p:cTn id="68" fill="hold">
+                            <p:stCondLst>
+                              <p:cond delay="0"/>
+                            </p:stCondLst>
+                            <p:childTnLst>
+                              <p:par>
+                                <p:cTn id="69" presetClass="entr" nodeType="clickEffect" presetSubtype="0" presetID="1" grpId="17" fill="hold">
+                                  <p:stCondLst>
+                                    <p:cond delay="0"/>
+                                  </p:stCondLst>
+                                  <p:iterate type="el" backwards="0">
+                                    <p:tmAbs val="0"/>
+                                  </p:iterate>
+                                  <p:childTnLst>
+                                    <p:set>
+                                      <p:cBhvr>
+                                        <p:cTn id="70" fill="hold"/>
+                                        <p:tgtEl>
+                                          <p:spTgt spid="236"/>
+                                        </p:tgtEl>
+                                        <p:attrNameLst>
+                                          <p:attrName>style.visibility</p:attrName>
+                                        </p:attrNameLst>
+                                      </p:cBhvr>
+                                      <p:to>
+                                        <p:strVal val="visible"/>
+                                      </p:to>
+                                    </p:set>
+                                  </p:childTnLst>
+                                </p:cTn>
+                              </p:par>
+                            </p:childTnLst>
+                          </p:cTn>
+                        </p:par>
+                      </p:childTnLst>
+                    </p:cTn>
+                  </p:par>
+                  <p:par>
+                    <p:cTn id="71" fill="hold">
+                      <p:stCondLst>
+                        <p:cond delay="indefinite"/>
+                      </p:stCondLst>
+                      <p:childTnLst>
+                        <p:par>
+                          <p:cTn id="72" fill="hold">
+                            <p:stCondLst>
+                              <p:cond delay="0"/>
+                            </p:stCondLst>
+                            <p:childTnLst>
+                              <p:par>
+                                <p:cTn id="73" presetClass="entr" nodeType="clickEffect" presetSubtype="0" presetID="1" grpId="18" fill="hold">
+                                  <p:stCondLst>
+                                    <p:cond delay="0"/>
+                                  </p:stCondLst>
+                                  <p:iterate type="el" backwards="0">
+                                    <p:tmAbs val="0"/>
+                                  </p:iterate>
+                                  <p:childTnLst>
+                                    <p:set>
+                                      <p:cBhvr>
+                                        <p:cTn id="74" fill="hold"/>
+                                        <p:tgtEl>
+                                          <p:spTgt spid="258"/>
+                                        </p:tgtEl>
+                                        <p:attrNameLst>
+                                          <p:attrName>style.visibility</p:attrName>
+                                        </p:attrNameLst>
+                                      </p:cBhvr>
+                                      <p:to>
+                                        <p:strVal val="visible"/>
+                                      </p:to>
+                                    </p:set>
+                                  </p:childTnLst>
+                                </p:cTn>
+                              </p:par>
+                            </p:childTnLst>
+                          </p:cTn>
+                        </p:par>
+                      </p:childTnLst>
+                    </p:cTn>
+                  </p:par>
+                  <p:par>
+                    <p:cTn id="75" fill="hold">
+                      <p:stCondLst>
+                        <p:cond delay="indefinite"/>
+                      </p:stCondLst>
+                      <p:childTnLst>
+                        <p:par>
+                          <p:cTn id="76" fill="hold">
+                            <p:stCondLst>
+                              <p:cond delay="0"/>
+                            </p:stCondLst>
+                            <p:childTnLst>
+                              <p:par>
+                                <p:cTn id="77" presetClass="entr" nodeType="clickEffect" presetSubtype="0" presetID="1" grpId="19" fill="hold">
+                                  <p:stCondLst>
+                                    <p:cond delay="0"/>
+                                  </p:stCondLst>
+                                  <p:iterate type="el" backwards="0">
+                                    <p:tmAbs val="0"/>
+                                  </p:iterate>
+                                  <p:childTnLst>
+                                    <p:set>
+                                      <p:cBhvr>
+                                        <p:cTn id="78" fill="hold"/>
+                                        <p:tgtEl>
+                                          <p:spTgt spid="151"/>
+                                        </p:tgtEl>
+                                        <p:attrNameLst>
+                                          <p:attrName>style.visibility</p:attrName>
+                                        </p:attrNameLst>
+                                      </p:cBhvr>
+                                      <p:to>
+                                        <p:strVal val="visible"/>
+                                      </p:to>
+                                    </p:set>
+                                  </p:childTnLst>
+                                </p:cTn>
+                              </p:par>
+                            </p:childTnLst>
+                          </p:cTn>
+                        </p:par>
+                      </p:childTnLst>
+                    </p:cTn>
+                  </p:par>
+                  <p:par>
+                    <p:cTn id="79" fill="hold">
+                      <p:stCondLst>
+                        <p:cond delay="indefinite"/>
+                      </p:stCondLst>
+                      <p:childTnLst>
+                        <p:par>
+                          <p:cTn id="80" fill="hold">
+                            <p:stCondLst>
+                              <p:cond delay="0"/>
+                            </p:stCondLst>
+                            <p:childTnLst>
+                              <p:par>
+                                <p:cTn id="81" presetClass="entr" nodeType="clickEffect" presetSubtype="0" presetID="1" grpId="20" fill="hold">
+                                  <p:stCondLst>
+                                    <p:cond delay="0"/>
+                                  </p:stCondLst>
+                                  <p:iterate type="el" backwards="0">
+                                    <p:tmAbs val="0"/>
+                                  </p:iterate>
+                                  <p:childTnLst>
+                                    <p:set>
+                                      <p:cBhvr>
+                                        <p:cTn id="82" fill="hold"/>
+                                        <p:tgtEl>
+                                          <p:spTgt spid="265"/>
+                                        </p:tgtEl>
+                                        <p:attrNameLst>
+                                          <p:attrName>style.visibility</p:attrName>
+                                        </p:attrNameLst>
+                                      </p:cBhvr>
+                                      <p:to>
+                                        <p:strVal val="visible"/>
+                                      </p:to>
+                                    </p:set>
+                                  </p:childTnLst>
+                                </p:cTn>
+                              </p:par>
+                            </p:childTnLst>
+                          </p:cTn>
+                        </p:par>
+                      </p:childTnLst>
+                    </p:cTn>
+                  </p:par>
+                </p:childTnLst>
+              </p:cTn>
+              <p:prevCondLst>
+                <p:cond evt="onPrev">
+                  <p:tgtEl>
+                    <p:sldTgt/>
+                  </p:tgtEl>
+                </p:cond>
+              </p:prevCondLst>
+              <p:nextCondLst>
+                <p:cond evt="onNext">
+                  <p:tgtEl>
+                    <p:sldTgt/>
+                  </p:tgtEl>
+                </p:cond>
+              </p:nextCondLst>
+            </p:seq>
+          </p:childTnLst>
+        </p:cTn>
+      </p:par>
+    </p:tnLst>
+    <p:bldLst>
+      <p:bldP build="whole" bldLvl="1" animBg="1" rev="0" advAuto="0" spid="262" grpId="13"/>
+      <p:bldP build="whole" bldLvl="1" animBg="1" rev="0" advAuto="0" spid="261" grpId="8"/>
+      <p:bldP build="whole" bldLvl="1" animBg="1" rev="0" advAuto="0" spid="259" grpId="1"/>
+      <p:bldP build="whole" bldLvl="1" animBg="1" rev="0" advAuto="0" spid="247" grpId="14"/>
+      <p:bldP build="whole" bldLvl="1" animBg="1" rev="0" advAuto="0" spid="158" grpId="4"/>
+      <p:bldP build="whole" bldLvl="1" animBg="1" rev="0" advAuto="0" spid="176" grpId="9"/>
+      <p:bldP build="whole" bldLvl="1" animBg="1" rev="0" advAuto="0" spid="161" grpId="5"/>
+      <p:bldP build="whole" bldLvl="1" animBg="1" rev="0" advAuto="0" spid="266" grpId="3"/>
+      <p:bldP build="whole" bldLvl="1" animBg="1" rev="0" advAuto="0" spid="203" grpId="12"/>
+      <p:bldP build="whole" bldLvl="1" animBg="1" rev="0" advAuto="0" spid="164" grpId="6"/>
+      <p:bldP build="whole" bldLvl="1" animBg="1" rev="0" advAuto="0" spid="214" grpId="16"/>
+      <p:bldP build="whole" bldLvl="1" animBg="1" rev="0" advAuto="0" spid="151" grpId="19"/>
+      <p:bldP build="whole" bldLvl="1" animBg="1" rev="0" advAuto="0" spid="167" grpId="7"/>
+      <p:bldP build="whole" bldLvl="1" animBg="1" rev="0" advAuto="0" spid="185" grpId="10"/>
+      <p:bldP build="whole" bldLvl="1" animBg="1" rev="0" advAuto="0" spid="260" grpId="2"/>
+      <p:bldP build="whole" bldLvl="1" animBg="1" rev="0" advAuto="0" spid="236" grpId="17"/>
+      <p:bldP build="whole" bldLvl="1" animBg="1" rev="0" advAuto="0" spid="265" grpId="20"/>
+      <p:bldP build="whole" bldLvl="1" animBg="1" rev="0" advAuto="0" spid="258" grpId="18"/>
+      <p:bldP build="whole" bldLvl="1" animBg="1" rev="0" advAuto="0" spid="194" grpId="11"/>
+      <p:bldP build="whole" bldLvl="1" animBg="1" rev="0" advAuto="0" spid="225" grpId="15"/>
+    </p:bldLst>
+  </p:timing>
 </p:sld>
 </file>
 
@@ -25693,7 +27001,7 @@
       </p:grpSpPr>
       <p:sp>
         <p:nvSpPr>
-          <p:cNvPr id="259" name="Title"/>
+          <p:cNvPr id="268" name="Title"/>
           <p:cNvSpPr txBox="1"/>
           <p:nvPr>
             <p:ph type="title"/>
@@ -25714,7 +27022,7 @@
       </p:sp>
       <p:sp>
         <p:nvSpPr>
-          <p:cNvPr id="260" name="Proof Outline: Master Theorem"/>
+          <p:cNvPr id="269" name="Proof Outline: Master Theorem"/>
           <p:cNvSpPr txBox="1"/>
           <p:nvPr/>
         </p:nvSpPr>
@@ -25757,7 +27065,7 @@
       </p:sp>
       <p:sp>
         <p:nvSpPr>
-          <p:cNvPr id="261" name="With each level of recursion…"/>
+          <p:cNvPr id="270" name="With each level of recursion…"/>
           <p:cNvSpPr txBox="1"/>
           <p:nvPr>
             <p:ph type="body" idx="1"/>
@@ -26096,7 +27404,19 @@
               </a:defRPr>
             </a:pPr>
             <a:r>
-              <a:t>Work done at level k is </a:t>
+              <a:t>Work done at level </a:t>
+            </a:r>
+            <a:r>
+              <a:rPr>
+                <a:latin typeface="Courier New"/>
+                <a:ea typeface="Courier New"/>
+                <a:cs typeface="Courier New"/>
+                <a:sym typeface="Courier New"/>
+              </a:rPr>
+              <a:t>k</a:t>
+            </a:r>
+            <a:r>
+              <a:t> is </a:t>
             </a:r>
           </a:p>
           <a:p>
@@ -26159,7 +27479,7 @@
       </p:sp>
       <p:sp>
         <p:nvSpPr>
-          <p:cNvPr id="262" name="Slide Number"/>
+          <p:cNvPr id="271" name="Slide Number"/>
           <p:cNvSpPr txBox="1"/>
           <p:nvPr>
             <p:ph type="sldNum" sz="quarter" idx="2"/>
@@ -26186,7 +27506,7 @@
       </p:sp>
       <p:sp>
         <p:nvSpPr>
-          <p:cNvPr id="263" name="DAA/Divide and Conquer"/>
+          <p:cNvPr id="272" name="DAA/Divide and Conquer"/>
           <p:cNvSpPr txBox="1"/>
           <p:nvPr/>
         </p:nvSpPr>
@@ -26226,7 +27546,7 @@
       </p:sp>
       <p:sp>
         <p:nvSpPr>
-          <p:cNvPr id="264" name="RPR/"/>
+          <p:cNvPr id="273" name="RPR/"/>
           <p:cNvSpPr txBox="1"/>
           <p:nvPr/>
         </p:nvSpPr>
@@ -26270,6 +27590,643 @@
     <a:masterClrMapping/>
   </p:clrMapOvr>
   <p:transition xmlns:p14="http://schemas.microsoft.com/office/powerpoint/2010/main" spd="med" advClick="1"/>
+  <p:timing>
+    <p:tnLst>
+      <p:par>
+        <p:cTn id="1" nodeType="tmRoot" restart="never" dur="indefinite" fill="hold">
+          <p:childTnLst>
+            <p:seq concurrent="1" prevAc="none" nextAc="seek">
+              <p:cTn id="2" nodeType="mainSeq" dur="indefinite" fill="hold">
+                <p:childTnLst>
+                  <p:par>
+                    <p:cTn id="3" fill="hold">
+                      <p:stCondLst>
+                        <p:cond delay="indefinite"/>
+                      </p:stCondLst>
+                      <p:childTnLst>
+                        <p:par>
+                          <p:cTn id="4" fill="hold">
+                            <p:stCondLst>
+                              <p:cond delay="0"/>
+                            </p:stCondLst>
+                            <p:childTnLst>
+                              <p:par>
+                                <p:cTn id="5" presetClass="entr" nodeType="clickEffect" presetSubtype="0" presetID="1" grpId="1" fill="hold">
+                                  <p:stCondLst>
+                                    <p:cond delay="0"/>
+                                  </p:stCondLst>
+                                  <p:iterate type="el" backwards="0">
+                                    <p:tmAbs val="0"/>
+                                  </p:iterate>
+                                  <p:childTnLst>
+                                    <p:set>
+                                      <p:cBhvr>
+                                        <p:cTn id="6" fill="hold"/>
+                                        <p:tgtEl>
+                                          <p:spTgt spid="270">
+                                            <p:bg/>
+                                          </p:spTgt>
+                                        </p:tgtEl>
+                                        <p:attrNameLst>
+                                          <p:attrName>style.visibility</p:attrName>
+                                        </p:attrNameLst>
+                                      </p:cBhvr>
+                                      <p:to>
+                                        <p:strVal val="visible"/>
+                                      </p:to>
+                                    </p:set>
+                                  </p:childTnLst>
+                                </p:cTn>
+                              </p:par>
+                              <p:par>
+                                <p:cTn id="7" presetClass="entr" nodeType="withEffect" presetSubtype="0" presetID="1" grpId="1" fill="hold">
+                                  <p:stCondLst>
+                                    <p:cond delay="0"/>
+                                  </p:stCondLst>
+                                  <p:iterate type="el" backwards="0">
+                                    <p:tmAbs val="0"/>
+                                  </p:iterate>
+                                  <p:childTnLst>
+                                    <p:set>
+                                      <p:cBhvr>
+                                        <p:cTn id="8" fill="hold"/>
+                                        <p:tgtEl>
+                                          <p:spTgt spid="270">
+                                            <p:txEl>
+                                              <p:pRg st="0" end="0"/>
+                                            </p:txEl>
+                                          </p:spTgt>
+                                        </p:tgtEl>
+                                        <p:attrNameLst>
+                                          <p:attrName>style.visibility</p:attrName>
+                                        </p:attrNameLst>
+                                      </p:cBhvr>
+                                      <p:to>
+                                        <p:strVal val="visible"/>
+                                      </p:to>
+                                    </p:set>
+                                  </p:childTnLst>
+                                </p:cTn>
+                              </p:par>
+                            </p:childTnLst>
+                          </p:cTn>
+                        </p:par>
+                      </p:childTnLst>
+                    </p:cTn>
+                  </p:par>
+                  <p:par>
+                    <p:cTn id="9" fill="hold">
+                      <p:stCondLst>
+                        <p:cond delay="indefinite"/>
+                      </p:stCondLst>
+                      <p:childTnLst>
+                        <p:par>
+                          <p:cTn id="10" fill="hold">
+                            <p:stCondLst>
+                              <p:cond delay="0"/>
+                            </p:stCondLst>
+                            <p:childTnLst>
+                              <p:par>
+                                <p:cTn id="11" presetClass="entr" nodeType="clickEffect" presetSubtype="0" presetID="1" grpId="1" fill="hold">
+                                  <p:stCondLst>
+                                    <p:cond delay="0"/>
+                                  </p:stCondLst>
+                                  <p:iterate type="el" backwards="0">
+                                    <p:tmAbs val="0"/>
+                                  </p:iterate>
+                                  <p:childTnLst>
+                                    <p:set>
+                                      <p:cBhvr>
+                                        <p:cTn id="12" fill="hold"/>
+                                        <p:tgtEl>
+                                          <p:spTgt spid="270">
+                                            <p:txEl>
+                                              <p:pRg st="1" end="1"/>
+                                            </p:txEl>
+                                          </p:spTgt>
+                                        </p:tgtEl>
+                                        <p:attrNameLst>
+                                          <p:attrName>style.visibility</p:attrName>
+                                        </p:attrNameLst>
+                                      </p:cBhvr>
+                                      <p:to>
+                                        <p:strVal val="visible"/>
+                                      </p:to>
+                                    </p:set>
+                                  </p:childTnLst>
+                                </p:cTn>
+                              </p:par>
+                            </p:childTnLst>
+                          </p:cTn>
+                        </p:par>
+                      </p:childTnLst>
+                    </p:cTn>
+                  </p:par>
+                  <p:par>
+                    <p:cTn id="13" fill="hold">
+                      <p:stCondLst>
+                        <p:cond delay="indefinite"/>
+                      </p:stCondLst>
+                      <p:childTnLst>
+                        <p:par>
+                          <p:cTn id="14" fill="hold">
+                            <p:stCondLst>
+                              <p:cond delay="0"/>
+                            </p:stCondLst>
+                            <p:childTnLst>
+                              <p:par>
+                                <p:cTn id="15" presetClass="entr" nodeType="clickEffect" presetSubtype="0" presetID="1" grpId="1" fill="hold">
+                                  <p:stCondLst>
+                                    <p:cond delay="0"/>
+                                  </p:stCondLst>
+                                  <p:iterate type="el" backwards="0">
+                                    <p:tmAbs val="0"/>
+                                  </p:iterate>
+                                  <p:childTnLst>
+                                    <p:set>
+                                      <p:cBhvr>
+                                        <p:cTn id="16" fill="hold"/>
+                                        <p:tgtEl>
+                                          <p:spTgt spid="270">
+                                            <p:txEl>
+                                              <p:pRg st="2" end="2"/>
+                                            </p:txEl>
+                                          </p:spTgt>
+                                        </p:tgtEl>
+                                        <p:attrNameLst>
+                                          <p:attrName>style.visibility</p:attrName>
+                                        </p:attrNameLst>
+                                      </p:cBhvr>
+                                      <p:to>
+                                        <p:strVal val="visible"/>
+                                      </p:to>
+                                    </p:set>
+                                  </p:childTnLst>
+                                </p:cTn>
+                              </p:par>
+                            </p:childTnLst>
+                          </p:cTn>
+                        </p:par>
+                      </p:childTnLst>
+                    </p:cTn>
+                  </p:par>
+                  <p:par>
+                    <p:cTn id="17" fill="hold">
+                      <p:stCondLst>
+                        <p:cond delay="indefinite"/>
+                      </p:stCondLst>
+                      <p:childTnLst>
+                        <p:par>
+                          <p:cTn id="18" fill="hold">
+                            <p:stCondLst>
+                              <p:cond delay="0"/>
+                            </p:stCondLst>
+                            <p:childTnLst>
+                              <p:par>
+                                <p:cTn id="19" presetClass="entr" nodeType="clickEffect" presetSubtype="0" presetID="1" grpId="1" fill="hold">
+                                  <p:stCondLst>
+                                    <p:cond delay="0"/>
+                                  </p:stCondLst>
+                                  <p:iterate type="el" backwards="0">
+                                    <p:tmAbs val="0"/>
+                                  </p:iterate>
+                                  <p:childTnLst>
+                                    <p:set>
+                                      <p:cBhvr>
+                                        <p:cTn id="20" fill="hold"/>
+                                        <p:tgtEl>
+                                          <p:spTgt spid="270">
+                                            <p:txEl>
+                                              <p:pRg st="3" end="3"/>
+                                            </p:txEl>
+                                          </p:spTgt>
+                                        </p:tgtEl>
+                                        <p:attrNameLst>
+                                          <p:attrName>style.visibility</p:attrName>
+                                        </p:attrNameLst>
+                                      </p:cBhvr>
+                                      <p:to>
+                                        <p:strVal val="visible"/>
+                                      </p:to>
+                                    </p:set>
+                                  </p:childTnLst>
+                                </p:cTn>
+                              </p:par>
+                            </p:childTnLst>
+                          </p:cTn>
+                        </p:par>
+                      </p:childTnLst>
+                    </p:cTn>
+                  </p:par>
+                  <p:par>
+                    <p:cTn id="21" fill="hold">
+                      <p:stCondLst>
+                        <p:cond delay="indefinite"/>
+                      </p:stCondLst>
+                      <p:childTnLst>
+                        <p:par>
+                          <p:cTn id="22" fill="hold">
+                            <p:stCondLst>
+                              <p:cond delay="0"/>
+                            </p:stCondLst>
+                            <p:childTnLst>
+                              <p:par>
+                                <p:cTn id="23" presetClass="entr" nodeType="clickEffect" presetSubtype="0" presetID="1" grpId="1" fill="hold">
+                                  <p:stCondLst>
+                                    <p:cond delay="0"/>
+                                  </p:stCondLst>
+                                  <p:iterate type="el" backwards="0">
+                                    <p:tmAbs val="0"/>
+                                  </p:iterate>
+                                  <p:childTnLst>
+                                    <p:set>
+                                      <p:cBhvr>
+                                        <p:cTn id="24" fill="hold"/>
+                                        <p:tgtEl>
+                                          <p:spTgt spid="270">
+                                            <p:txEl>
+                                              <p:pRg st="4" end="4"/>
+                                            </p:txEl>
+                                          </p:spTgt>
+                                        </p:tgtEl>
+                                        <p:attrNameLst>
+                                          <p:attrName>style.visibility</p:attrName>
+                                        </p:attrNameLst>
+                                      </p:cBhvr>
+                                      <p:to>
+                                        <p:strVal val="visible"/>
+                                      </p:to>
+                                    </p:set>
+                                  </p:childTnLst>
+                                </p:cTn>
+                              </p:par>
+                            </p:childTnLst>
+                          </p:cTn>
+                        </p:par>
+                      </p:childTnLst>
+                    </p:cTn>
+                  </p:par>
+                  <p:par>
+                    <p:cTn id="25" fill="hold">
+                      <p:stCondLst>
+                        <p:cond delay="indefinite"/>
+                      </p:stCondLst>
+                      <p:childTnLst>
+                        <p:par>
+                          <p:cTn id="26" fill="hold">
+                            <p:stCondLst>
+                              <p:cond delay="0"/>
+                            </p:stCondLst>
+                            <p:childTnLst>
+                              <p:par>
+                                <p:cTn id="27" presetClass="entr" nodeType="clickEffect" presetSubtype="0" presetID="1" grpId="1" fill="hold">
+                                  <p:stCondLst>
+                                    <p:cond delay="0"/>
+                                  </p:stCondLst>
+                                  <p:iterate type="el" backwards="0">
+                                    <p:tmAbs val="0"/>
+                                  </p:iterate>
+                                  <p:childTnLst>
+                                    <p:set>
+                                      <p:cBhvr>
+                                        <p:cTn id="28" fill="hold"/>
+                                        <p:tgtEl>
+                                          <p:spTgt spid="270">
+                                            <p:txEl>
+                                              <p:pRg st="5" end="5"/>
+                                            </p:txEl>
+                                          </p:spTgt>
+                                        </p:tgtEl>
+                                        <p:attrNameLst>
+                                          <p:attrName>style.visibility</p:attrName>
+                                        </p:attrNameLst>
+                                      </p:cBhvr>
+                                      <p:to>
+                                        <p:strVal val="visible"/>
+                                      </p:to>
+                                    </p:set>
+                                  </p:childTnLst>
+                                </p:cTn>
+                              </p:par>
+                            </p:childTnLst>
+                          </p:cTn>
+                        </p:par>
+                      </p:childTnLst>
+                    </p:cTn>
+                  </p:par>
+                  <p:par>
+                    <p:cTn id="29" fill="hold">
+                      <p:stCondLst>
+                        <p:cond delay="indefinite"/>
+                      </p:stCondLst>
+                      <p:childTnLst>
+                        <p:par>
+                          <p:cTn id="30" fill="hold">
+                            <p:stCondLst>
+                              <p:cond delay="0"/>
+                            </p:stCondLst>
+                            <p:childTnLst>
+                              <p:par>
+                                <p:cTn id="31" presetClass="entr" nodeType="clickEffect" presetSubtype="0" presetID="1" grpId="1" fill="hold">
+                                  <p:stCondLst>
+                                    <p:cond delay="0"/>
+                                  </p:stCondLst>
+                                  <p:iterate type="el" backwards="0">
+                                    <p:tmAbs val="0"/>
+                                  </p:iterate>
+                                  <p:childTnLst>
+                                    <p:set>
+                                      <p:cBhvr>
+                                        <p:cTn id="32" fill="hold"/>
+                                        <p:tgtEl>
+                                          <p:spTgt spid="270">
+                                            <p:txEl>
+                                              <p:pRg st="6" end="6"/>
+                                            </p:txEl>
+                                          </p:spTgt>
+                                        </p:tgtEl>
+                                        <p:attrNameLst>
+                                          <p:attrName>style.visibility</p:attrName>
+                                        </p:attrNameLst>
+                                      </p:cBhvr>
+                                      <p:to>
+                                        <p:strVal val="visible"/>
+                                      </p:to>
+                                    </p:set>
+                                  </p:childTnLst>
+                                </p:cTn>
+                              </p:par>
+                            </p:childTnLst>
+                          </p:cTn>
+                        </p:par>
+                      </p:childTnLst>
+                    </p:cTn>
+                  </p:par>
+                  <p:par>
+                    <p:cTn id="33" fill="hold">
+                      <p:stCondLst>
+                        <p:cond delay="indefinite"/>
+                      </p:stCondLst>
+                      <p:childTnLst>
+                        <p:par>
+                          <p:cTn id="34" fill="hold">
+                            <p:stCondLst>
+                              <p:cond delay="0"/>
+                            </p:stCondLst>
+                            <p:childTnLst>
+                              <p:par>
+                                <p:cTn id="35" presetClass="entr" nodeType="clickEffect" presetSubtype="0" presetID="1" grpId="1" fill="hold">
+                                  <p:stCondLst>
+                                    <p:cond delay="0"/>
+                                  </p:stCondLst>
+                                  <p:iterate type="el" backwards="0">
+                                    <p:tmAbs val="0"/>
+                                  </p:iterate>
+                                  <p:childTnLst>
+                                    <p:set>
+                                      <p:cBhvr>
+                                        <p:cTn id="36" fill="hold"/>
+                                        <p:tgtEl>
+                                          <p:spTgt spid="270">
+                                            <p:txEl>
+                                              <p:pRg st="7" end="7"/>
+                                            </p:txEl>
+                                          </p:spTgt>
+                                        </p:tgtEl>
+                                        <p:attrNameLst>
+                                          <p:attrName>style.visibility</p:attrName>
+                                        </p:attrNameLst>
+                                      </p:cBhvr>
+                                      <p:to>
+                                        <p:strVal val="visible"/>
+                                      </p:to>
+                                    </p:set>
+                                  </p:childTnLst>
+                                </p:cTn>
+                              </p:par>
+                            </p:childTnLst>
+                          </p:cTn>
+                        </p:par>
+                      </p:childTnLst>
+                    </p:cTn>
+                  </p:par>
+                  <p:par>
+                    <p:cTn id="37" fill="hold">
+                      <p:stCondLst>
+                        <p:cond delay="indefinite"/>
+                      </p:stCondLst>
+                      <p:childTnLst>
+                        <p:par>
+                          <p:cTn id="38" fill="hold">
+                            <p:stCondLst>
+                              <p:cond delay="0"/>
+                            </p:stCondLst>
+                            <p:childTnLst>
+                              <p:par>
+                                <p:cTn id="39" presetClass="entr" nodeType="clickEffect" presetSubtype="0" presetID="1" grpId="1" fill="hold">
+                                  <p:stCondLst>
+                                    <p:cond delay="0"/>
+                                  </p:stCondLst>
+                                  <p:iterate type="el" backwards="0">
+                                    <p:tmAbs val="0"/>
+                                  </p:iterate>
+                                  <p:childTnLst>
+                                    <p:set>
+                                      <p:cBhvr>
+                                        <p:cTn id="40" fill="hold"/>
+                                        <p:tgtEl>
+                                          <p:spTgt spid="270">
+                                            <p:txEl>
+                                              <p:pRg st="8" end="8"/>
+                                            </p:txEl>
+                                          </p:spTgt>
+                                        </p:tgtEl>
+                                        <p:attrNameLst>
+                                          <p:attrName>style.visibility</p:attrName>
+                                        </p:attrNameLst>
+                                      </p:cBhvr>
+                                      <p:to>
+                                        <p:strVal val="visible"/>
+                                      </p:to>
+                                    </p:set>
+                                  </p:childTnLst>
+                                </p:cTn>
+                              </p:par>
+                            </p:childTnLst>
+                          </p:cTn>
+                        </p:par>
+                      </p:childTnLst>
+                    </p:cTn>
+                  </p:par>
+                  <p:par>
+                    <p:cTn id="41" fill="hold">
+                      <p:stCondLst>
+                        <p:cond delay="indefinite"/>
+                      </p:stCondLst>
+                      <p:childTnLst>
+                        <p:par>
+                          <p:cTn id="42" fill="hold">
+                            <p:stCondLst>
+                              <p:cond delay="0"/>
+                            </p:stCondLst>
+                            <p:childTnLst>
+                              <p:par>
+                                <p:cTn id="43" presetClass="entr" nodeType="clickEffect" presetSubtype="0" presetID="1" grpId="1" fill="hold">
+                                  <p:stCondLst>
+                                    <p:cond delay="0"/>
+                                  </p:stCondLst>
+                                  <p:iterate type="el" backwards="0">
+                                    <p:tmAbs val="0"/>
+                                  </p:iterate>
+                                  <p:childTnLst>
+                                    <p:set>
+                                      <p:cBhvr>
+                                        <p:cTn id="44" fill="hold"/>
+                                        <p:tgtEl>
+                                          <p:spTgt spid="270">
+                                            <p:txEl>
+                                              <p:pRg st="9" end="9"/>
+                                            </p:txEl>
+                                          </p:spTgt>
+                                        </p:tgtEl>
+                                        <p:attrNameLst>
+                                          <p:attrName>style.visibility</p:attrName>
+                                        </p:attrNameLst>
+                                      </p:cBhvr>
+                                      <p:to>
+                                        <p:strVal val="visible"/>
+                                      </p:to>
+                                    </p:set>
+                                  </p:childTnLst>
+                                </p:cTn>
+                              </p:par>
+                            </p:childTnLst>
+                          </p:cTn>
+                        </p:par>
+                      </p:childTnLst>
+                    </p:cTn>
+                  </p:par>
+                  <p:par>
+                    <p:cTn id="45" fill="hold">
+                      <p:stCondLst>
+                        <p:cond delay="indefinite"/>
+                      </p:stCondLst>
+                      <p:childTnLst>
+                        <p:par>
+                          <p:cTn id="46" fill="hold">
+                            <p:stCondLst>
+                              <p:cond delay="0"/>
+                            </p:stCondLst>
+                            <p:childTnLst>
+                              <p:par>
+                                <p:cTn id="47" presetClass="entr" nodeType="clickEffect" presetSubtype="0" presetID="1" grpId="1" fill="hold">
+                                  <p:stCondLst>
+                                    <p:cond delay="0"/>
+                                  </p:stCondLst>
+                                  <p:iterate type="el" backwards="0">
+                                    <p:tmAbs val="0"/>
+                                  </p:iterate>
+                                  <p:childTnLst>
+                                    <p:set>
+                                      <p:cBhvr>
+                                        <p:cTn id="48" fill="hold"/>
+                                        <p:tgtEl>
+                                          <p:spTgt spid="270">
+                                            <p:txEl>
+                                              <p:pRg st="10" end="10"/>
+                                            </p:txEl>
+                                          </p:spTgt>
+                                        </p:tgtEl>
+                                        <p:attrNameLst>
+                                          <p:attrName>style.visibility</p:attrName>
+                                        </p:attrNameLst>
+                                      </p:cBhvr>
+                                      <p:to>
+                                        <p:strVal val="visible"/>
+                                      </p:to>
+                                    </p:set>
+                                  </p:childTnLst>
+                                </p:cTn>
+                              </p:par>
+                            </p:childTnLst>
+                          </p:cTn>
+                        </p:par>
+                      </p:childTnLst>
+                    </p:cTn>
+                  </p:par>
+                  <p:par>
+                    <p:cTn id="49" fill="hold">
+                      <p:stCondLst>
+                        <p:cond delay="indefinite"/>
+                      </p:stCondLst>
+                      <p:childTnLst>
+                        <p:par>
+                          <p:cTn id="50" fill="hold">
+                            <p:stCondLst>
+                              <p:cond delay="0"/>
+                            </p:stCondLst>
+                            <p:childTnLst>
+                              <p:par>
+                                <p:cTn id="51" presetClass="entr" nodeType="clickEffect" presetSubtype="0" presetID="1" grpId="1" fill="hold">
+                                  <p:stCondLst>
+                                    <p:cond delay="0"/>
+                                  </p:stCondLst>
+                                  <p:iterate type="el" backwards="0">
+                                    <p:tmAbs val="0"/>
+                                  </p:iterate>
+                                  <p:childTnLst>
+                                    <p:set>
+                                      <p:cBhvr>
+                                        <p:cTn id="52" fill="hold"/>
+                                        <p:tgtEl>
+                                          <p:spTgt spid="270">
+                                            <p:txEl>
+                                              <p:pRg st="11" end="11"/>
+                                            </p:txEl>
+                                          </p:spTgt>
+                                        </p:tgtEl>
+                                        <p:attrNameLst>
+                                          <p:attrName>style.visibility</p:attrName>
+                                        </p:attrNameLst>
+                                      </p:cBhvr>
+                                      <p:to>
+                                        <p:strVal val="visible"/>
+                                      </p:to>
+                                    </p:set>
+                                  </p:childTnLst>
+                                </p:cTn>
+                              </p:par>
+                            </p:childTnLst>
+                          </p:cTn>
+                        </p:par>
+                      </p:childTnLst>
+                    </p:cTn>
+                  </p:par>
+                </p:childTnLst>
+              </p:cTn>
+              <p:prevCondLst>
+                <p:cond evt="onPrev">
+                  <p:tgtEl>
+                    <p:sldTgt/>
+                  </p:tgtEl>
+                </p:cond>
+              </p:prevCondLst>
+              <p:nextCondLst>
+                <p:cond evt="onNext">
+                  <p:tgtEl>
+                    <p:sldTgt/>
+                  </p:tgtEl>
+                </p:cond>
+              </p:nextCondLst>
+            </p:seq>
+          </p:childTnLst>
+        </p:cTn>
+      </p:par>
+    </p:tnLst>
+    <p:bldLst>
+      <p:bldP build="p" bldLvl="5" animBg="1" rev="0" advAuto="0" spid="270" grpId="1"/>
+    </p:bldLst>
+  </p:timing>
 </p:sld>
 </file>
 
@@ -26292,7 +28249,7 @@
       </p:grpSpPr>
       <p:sp>
         <p:nvSpPr>
-          <p:cNvPr id="266" name="Title"/>
+          <p:cNvPr id="275" name="Title"/>
           <p:cNvSpPr txBox="1"/>
           <p:nvPr>
             <p:ph type="title"/>
@@ -26313,7 +28270,7 @@
       </p:sp>
       <p:sp>
         <p:nvSpPr>
-          <p:cNvPr id="267" name="Proof Outline: Master Theorem"/>
+          <p:cNvPr id="276" name="Proof Outline: Master Theorem"/>
           <p:cNvSpPr txBox="1"/>
           <p:nvPr/>
         </p:nvSpPr>
@@ -26356,7 +28313,7 @@
       </p:sp>
       <p:sp>
         <p:nvSpPr>
-          <p:cNvPr id="268" name="Work done at level k is…"/>
+          <p:cNvPr id="277" name="Work done at level k is…"/>
           <p:cNvSpPr txBox="1"/>
           <p:nvPr>
             <p:ph type="body" idx="1"/>
@@ -27134,7 +29091,7 @@
       </p:sp>
       <p:sp>
         <p:nvSpPr>
-          <p:cNvPr id="269" name="Slide Number"/>
+          <p:cNvPr id="278" name="Slide Number"/>
           <p:cNvSpPr txBox="1"/>
           <p:nvPr>
             <p:ph type="sldNum" sz="quarter" idx="2"/>
@@ -27161,7 +29118,7 @@
       </p:sp>
       <p:sp>
         <p:nvSpPr>
-          <p:cNvPr id="270" name="DAA/Divide and Conquer"/>
+          <p:cNvPr id="279" name="DAA/Divide and Conquer"/>
           <p:cNvSpPr txBox="1"/>
           <p:nvPr/>
         </p:nvSpPr>
@@ -27201,7 +29158,7 @@
       </p:sp>
       <p:sp>
         <p:nvSpPr>
-          <p:cNvPr id="271" name="RPR/"/>
+          <p:cNvPr id="280" name="RPR/"/>
           <p:cNvSpPr txBox="1"/>
           <p:nvPr/>
         </p:nvSpPr>
@@ -27245,6 +29202,739 @@
     <a:masterClrMapping/>
   </p:clrMapOvr>
   <p:transition xmlns:p14="http://schemas.microsoft.com/office/powerpoint/2010/main" spd="med" advClick="1"/>
+  <p:timing>
+    <p:tnLst>
+      <p:par>
+        <p:cTn id="1" nodeType="tmRoot" restart="never" dur="indefinite" fill="hold">
+          <p:childTnLst>
+            <p:seq concurrent="1" prevAc="none" nextAc="seek">
+              <p:cTn id="2" nodeType="mainSeq" dur="indefinite" fill="hold">
+                <p:childTnLst>
+                  <p:par>
+                    <p:cTn id="3" fill="hold">
+                      <p:stCondLst>
+                        <p:cond delay="indefinite"/>
+                      </p:stCondLst>
+                      <p:childTnLst>
+                        <p:par>
+                          <p:cTn id="4" fill="hold">
+                            <p:stCondLst>
+                              <p:cond delay="0"/>
+                            </p:stCondLst>
+                            <p:childTnLst>
+                              <p:par>
+                                <p:cTn id="5" presetClass="entr" nodeType="clickEffect" presetSubtype="0" presetID="1" grpId="1" fill="hold">
+                                  <p:stCondLst>
+                                    <p:cond delay="0"/>
+                                  </p:stCondLst>
+                                  <p:iterate type="el" backwards="0">
+                                    <p:tmAbs val="0"/>
+                                  </p:iterate>
+                                  <p:childTnLst>
+                                    <p:set>
+                                      <p:cBhvr>
+                                        <p:cTn id="6" fill="hold"/>
+                                        <p:tgtEl>
+                                          <p:spTgt spid="277">
+                                            <p:bg/>
+                                          </p:spTgt>
+                                        </p:tgtEl>
+                                        <p:attrNameLst>
+                                          <p:attrName>style.visibility</p:attrName>
+                                        </p:attrNameLst>
+                                      </p:cBhvr>
+                                      <p:to>
+                                        <p:strVal val="visible"/>
+                                      </p:to>
+                                    </p:set>
+                                  </p:childTnLst>
+                                </p:cTn>
+                              </p:par>
+                              <p:par>
+                                <p:cTn id="7" presetClass="entr" nodeType="withEffect" presetSubtype="0" presetID="1" grpId="1" fill="hold">
+                                  <p:stCondLst>
+                                    <p:cond delay="0"/>
+                                  </p:stCondLst>
+                                  <p:iterate type="el" backwards="0">
+                                    <p:tmAbs val="0"/>
+                                  </p:iterate>
+                                  <p:childTnLst>
+                                    <p:set>
+                                      <p:cBhvr>
+                                        <p:cTn id="8" fill="hold"/>
+                                        <p:tgtEl>
+                                          <p:spTgt spid="277">
+                                            <p:txEl>
+                                              <p:pRg st="0" end="0"/>
+                                            </p:txEl>
+                                          </p:spTgt>
+                                        </p:tgtEl>
+                                        <p:attrNameLst>
+                                          <p:attrName>style.visibility</p:attrName>
+                                        </p:attrNameLst>
+                                      </p:cBhvr>
+                                      <p:to>
+                                        <p:strVal val="visible"/>
+                                      </p:to>
+                                    </p:set>
+                                  </p:childTnLst>
+                                </p:cTn>
+                              </p:par>
+                            </p:childTnLst>
+                          </p:cTn>
+                        </p:par>
+                      </p:childTnLst>
+                    </p:cTn>
+                  </p:par>
+                  <p:par>
+                    <p:cTn id="9" fill="hold">
+                      <p:stCondLst>
+                        <p:cond delay="indefinite"/>
+                      </p:stCondLst>
+                      <p:childTnLst>
+                        <p:par>
+                          <p:cTn id="10" fill="hold">
+                            <p:stCondLst>
+                              <p:cond delay="0"/>
+                            </p:stCondLst>
+                            <p:childTnLst>
+                              <p:par>
+                                <p:cTn id="11" presetClass="entr" nodeType="clickEffect" presetSubtype="0" presetID="1" grpId="1" fill="hold">
+                                  <p:stCondLst>
+                                    <p:cond delay="0"/>
+                                  </p:stCondLst>
+                                  <p:iterate type="el" backwards="0">
+                                    <p:tmAbs val="0"/>
+                                  </p:iterate>
+                                  <p:childTnLst>
+                                    <p:set>
+                                      <p:cBhvr>
+                                        <p:cTn id="12" fill="hold"/>
+                                        <p:tgtEl>
+                                          <p:spTgt spid="277">
+                                            <p:txEl>
+                                              <p:pRg st="1" end="1"/>
+                                            </p:txEl>
+                                          </p:spTgt>
+                                        </p:tgtEl>
+                                        <p:attrNameLst>
+                                          <p:attrName>style.visibility</p:attrName>
+                                        </p:attrNameLst>
+                                      </p:cBhvr>
+                                      <p:to>
+                                        <p:strVal val="visible"/>
+                                      </p:to>
+                                    </p:set>
+                                  </p:childTnLst>
+                                </p:cTn>
+                              </p:par>
+                            </p:childTnLst>
+                          </p:cTn>
+                        </p:par>
+                      </p:childTnLst>
+                    </p:cTn>
+                  </p:par>
+                  <p:par>
+                    <p:cTn id="13" fill="hold">
+                      <p:stCondLst>
+                        <p:cond delay="indefinite"/>
+                      </p:stCondLst>
+                      <p:childTnLst>
+                        <p:par>
+                          <p:cTn id="14" fill="hold">
+                            <p:stCondLst>
+                              <p:cond delay="0"/>
+                            </p:stCondLst>
+                            <p:childTnLst>
+                              <p:par>
+                                <p:cTn id="15" presetClass="entr" nodeType="clickEffect" presetSubtype="0" presetID="1" grpId="1" fill="hold">
+                                  <p:stCondLst>
+                                    <p:cond delay="0"/>
+                                  </p:stCondLst>
+                                  <p:iterate type="el" backwards="0">
+                                    <p:tmAbs val="0"/>
+                                  </p:iterate>
+                                  <p:childTnLst>
+                                    <p:set>
+                                      <p:cBhvr>
+                                        <p:cTn id="16" fill="hold"/>
+                                        <p:tgtEl>
+                                          <p:spTgt spid="277">
+                                            <p:txEl>
+                                              <p:pRg st="2" end="2"/>
+                                            </p:txEl>
+                                          </p:spTgt>
+                                        </p:tgtEl>
+                                        <p:attrNameLst>
+                                          <p:attrName>style.visibility</p:attrName>
+                                        </p:attrNameLst>
+                                      </p:cBhvr>
+                                      <p:to>
+                                        <p:strVal val="visible"/>
+                                      </p:to>
+                                    </p:set>
+                                  </p:childTnLst>
+                                </p:cTn>
+                              </p:par>
+                            </p:childTnLst>
+                          </p:cTn>
+                        </p:par>
+                      </p:childTnLst>
+                    </p:cTn>
+                  </p:par>
+                  <p:par>
+                    <p:cTn id="17" fill="hold">
+                      <p:stCondLst>
+                        <p:cond delay="indefinite"/>
+                      </p:stCondLst>
+                      <p:childTnLst>
+                        <p:par>
+                          <p:cTn id="18" fill="hold">
+                            <p:stCondLst>
+                              <p:cond delay="0"/>
+                            </p:stCondLst>
+                            <p:childTnLst>
+                              <p:par>
+                                <p:cTn id="19" presetClass="entr" nodeType="clickEffect" presetSubtype="0" presetID="1" grpId="1" fill="hold">
+                                  <p:stCondLst>
+                                    <p:cond delay="0"/>
+                                  </p:stCondLst>
+                                  <p:iterate type="el" backwards="0">
+                                    <p:tmAbs val="0"/>
+                                  </p:iterate>
+                                  <p:childTnLst>
+                                    <p:set>
+                                      <p:cBhvr>
+                                        <p:cTn id="20" fill="hold"/>
+                                        <p:tgtEl>
+                                          <p:spTgt spid="277">
+                                            <p:txEl>
+                                              <p:pRg st="3" end="3"/>
+                                            </p:txEl>
+                                          </p:spTgt>
+                                        </p:tgtEl>
+                                        <p:attrNameLst>
+                                          <p:attrName>style.visibility</p:attrName>
+                                        </p:attrNameLst>
+                                      </p:cBhvr>
+                                      <p:to>
+                                        <p:strVal val="visible"/>
+                                      </p:to>
+                                    </p:set>
+                                  </p:childTnLst>
+                                </p:cTn>
+                              </p:par>
+                            </p:childTnLst>
+                          </p:cTn>
+                        </p:par>
+                      </p:childTnLst>
+                    </p:cTn>
+                  </p:par>
+                  <p:par>
+                    <p:cTn id="21" fill="hold">
+                      <p:stCondLst>
+                        <p:cond delay="indefinite"/>
+                      </p:stCondLst>
+                      <p:childTnLst>
+                        <p:par>
+                          <p:cTn id="22" fill="hold">
+                            <p:stCondLst>
+                              <p:cond delay="0"/>
+                            </p:stCondLst>
+                            <p:childTnLst>
+                              <p:par>
+                                <p:cTn id="23" presetClass="entr" nodeType="clickEffect" presetSubtype="0" presetID="1" grpId="1" fill="hold">
+                                  <p:stCondLst>
+                                    <p:cond delay="0"/>
+                                  </p:stCondLst>
+                                  <p:iterate type="el" backwards="0">
+                                    <p:tmAbs val="0"/>
+                                  </p:iterate>
+                                  <p:childTnLst>
+                                    <p:set>
+                                      <p:cBhvr>
+                                        <p:cTn id="24" fill="hold"/>
+                                        <p:tgtEl>
+                                          <p:spTgt spid="277">
+                                            <p:txEl>
+                                              <p:pRg st="4" end="4"/>
+                                            </p:txEl>
+                                          </p:spTgt>
+                                        </p:tgtEl>
+                                        <p:attrNameLst>
+                                          <p:attrName>style.visibility</p:attrName>
+                                        </p:attrNameLst>
+                                      </p:cBhvr>
+                                      <p:to>
+                                        <p:strVal val="visible"/>
+                                      </p:to>
+                                    </p:set>
+                                  </p:childTnLst>
+                                </p:cTn>
+                              </p:par>
+                            </p:childTnLst>
+                          </p:cTn>
+                        </p:par>
+                      </p:childTnLst>
+                    </p:cTn>
+                  </p:par>
+                  <p:par>
+                    <p:cTn id="25" fill="hold">
+                      <p:stCondLst>
+                        <p:cond delay="indefinite"/>
+                      </p:stCondLst>
+                      <p:childTnLst>
+                        <p:par>
+                          <p:cTn id="26" fill="hold">
+                            <p:stCondLst>
+                              <p:cond delay="0"/>
+                            </p:stCondLst>
+                            <p:childTnLst>
+                              <p:par>
+                                <p:cTn id="27" presetClass="entr" nodeType="clickEffect" presetSubtype="0" presetID="1" grpId="1" fill="hold">
+                                  <p:stCondLst>
+                                    <p:cond delay="0"/>
+                                  </p:stCondLst>
+                                  <p:iterate type="el" backwards="0">
+                                    <p:tmAbs val="0"/>
+                                  </p:iterate>
+                                  <p:childTnLst>
+                                    <p:set>
+                                      <p:cBhvr>
+                                        <p:cTn id="28" fill="hold"/>
+                                        <p:tgtEl>
+                                          <p:spTgt spid="277">
+                                            <p:txEl>
+                                              <p:pRg st="5" end="5"/>
+                                            </p:txEl>
+                                          </p:spTgt>
+                                        </p:tgtEl>
+                                        <p:attrNameLst>
+                                          <p:attrName>style.visibility</p:attrName>
+                                        </p:attrNameLst>
+                                      </p:cBhvr>
+                                      <p:to>
+                                        <p:strVal val="visible"/>
+                                      </p:to>
+                                    </p:set>
+                                  </p:childTnLst>
+                                </p:cTn>
+                              </p:par>
+                            </p:childTnLst>
+                          </p:cTn>
+                        </p:par>
+                      </p:childTnLst>
+                    </p:cTn>
+                  </p:par>
+                  <p:par>
+                    <p:cTn id="29" fill="hold">
+                      <p:stCondLst>
+                        <p:cond delay="indefinite"/>
+                      </p:stCondLst>
+                      <p:childTnLst>
+                        <p:par>
+                          <p:cTn id="30" fill="hold">
+                            <p:stCondLst>
+                              <p:cond delay="0"/>
+                            </p:stCondLst>
+                            <p:childTnLst>
+                              <p:par>
+                                <p:cTn id="31" presetClass="entr" nodeType="clickEffect" presetSubtype="0" presetID="1" grpId="1" fill="hold">
+                                  <p:stCondLst>
+                                    <p:cond delay="0"/>
+                                  </p:stCondLst>
+                                  <p:iterate type="el" backwards="0">
+                                    <p:tmAbs val="0"/>
+                                  </p:iterate>
+                                  <p:childTnLst>
+                                    <p:set>
+                                      <p:cBhvr>
+                                        <p:cTn id="32" fill="hold"/>
+                                        <p:tgtEl>
+                                          <p:spTgt spid="277">
+                                            <p:txEl>
+                                              <p:pRg st="6" end="6"/>
+                                            </p:txEl>
+                                          </p:spTgt>
+                                        </p:tgtEl>
+                                        <p:attrNameLst>
+                                          <p:attrName>style.visibility</p:attrName>
+                                        </p:attrNameLst>
+                                      </p:cBhvr>
+                                      <p:to>
+                                        <p:strVal val="visible"/>
+                                      </p:to>
+                                    </p:set>
+                                  </p:childTnLst>
+                                </p:cTn>
+                              </p:par>
+                            </p:childTnLst>
+                          </p:cTn>
+                        </p:par>
+                      </p:childTnLst>
+                    </p:cTn>
+                  </p:par>
+                  <p:par>
+                    <p:cTn id="33" fill="hold">
+                      <p:stCondLst>
+                        <p:cond delay="indefinite"/>
+                      </p:stCondLst>
+                      <p:childTnLst>
+                        <p:par>
+                          <p:cTn id="34" fill="hold">
+                            <p:stCondLst>
+                              <p:cond delay="0"/>
+                            </p:stCondLst>
+                            <p:childTnLst>
+                              <p:par>
+                                <p:cTn id="35" presetClass="entr" nodeType="clickEffect" presetSubtype="0" presetID="1" grpId="1" fill="hold">
+                                  <p:stCondLst>
+                                    <p:cond delay="0"/>
+                                  </p:stCondLst>
+                                  <p:iterate type="el" backwards="0">
+                                    <p:tmAbs val="0"/>
+                                  </p:iterate>
+                                  <p:childTnLst>
+                                    <p:set>
+                                      <p:cBhvr>
+                                        <p:cTn id="36" fill="hold"/>
+                                        <p:tgtEl>
+                                          <p:spTgt spid="277">
+                                            <p:txEl>
+                                              <p:pRg st="7" end="7"/>
+                                            </p:txEl>
+                                          </p:spTgt>
+                                        </p:tgtEl>
+                                        <p:attrNameLst>
+                                          <p:attrName>style.visibility</p:attrName>
+                                        </p:attrNameLst>
+                                      </p:cBhvr>
+                                      <p:to>
+                                        <p:strVal val="visible"/>
+                                      </p:to>
+                                    </p:set>
+                                  </p:childTnLst>
+                                </p:cTn>
+                              </p:par>
+                            </p:childTnLst>
+                          </p:cTn>
+                        </p:par>
+                      </p:childTnLst>
+                    </p:cTn>
+                  </p:par>
+                  <p:par>
+                    <p:cTn id="37" fill="hold">
+                      <p:stCondLst>
+                        <p:cond delay="indefinite"/>
+                      </p:stCondLst>
+                      <p:childTnLst>
+                        <p:par>
+                          <p:cTn id="38" fill="hold">
+                            <p:stCondLst>
+                              <p:cond delay="0"/>
+                            </p:stCondLst>
+                            <p:childTnLst>
+                              <p:par>
+                                <p:cTn id="39" presetClass="entr" nodeType="clickEffect" presetSubtype="0" presetID="1" grpId="1" fill="hold">
+                                  <p:stCondLst>
+                                    <p:cond delay="0"/>
+                                  </p:stCondLst>
+                                  <p:iterate type="el" backwards="0">
+                                    <p:tmAbs val="0"/>
+                                  </p:iterate>
+                                  <p:childTnLst>
+                                    <p:set>
+                                      <p:cBhvr>
+                                        <p:cTn id="40" fill="hold"/>
+                                        <p:tgtEl>
+                                          <p:spTgt spid="277">
+                                            <p:txEl>
+                                              <p:pRg st="8" end="8"/>
+                                            </p:txEl>
+                                          </p:spTgt>
+                                        </p:tgtEl>
+                                        <p:attrNameLst>
+                                          <p:attrName>style.visibility</p:attrName>
+                                        </p:attrNameLst>
+                                      </p:cBhvr>
+                                      <p:to>
+                                        <p:strVal val="visible"/>
+                                      </p:to>
+                                    </p:set>
+                                  </p:childTnLst>
+                                </p:cTn>
+                              </p:par>
+                            </p:childTnLst>
+                          </p:cTn>
+                        </p:par>
+                      </p:childTnLst>
+                    </p:cTn>
+                  </p:par>
+                  <p:par>
+                    <p:cTn id="41" fill="hold">
+                      <p:stCondLst>
+                        <p:cond delay="indefinite"/>
+                      </p:stCondLst>
+                      <p:childTnLst>
+                        <p:par>
+                          <p:cTn id="42" fill="hold">
+                            <p:stCondLst>
+                              <p:cond delay="0"/>
+                            </p:stCondLst>
+                            <p:childTnLst>
+                              <p:par>
+                                <p:cTn id="43" presetClass="entr" nodeType="clickEffect" presetSubtype="0" presetID="1" grpId="1" fill="hold">
+                                  <p:stCondLst>
+                                    <p:cond delay="0"/>
+                                  </p:stCondLst>
+                                  <p:iterate type="el" backwards="0">
+                                    <p:tmAbs val="0"/>
+                                  </p:iterate>
+                                  <p:childTnLst>
+                                    <p:set>
+                                      <p:cBhvr>
+                                        <p:cTn id="44" fill="hold"/>
+                                        <p:tgtEl>
+                                          <p:spTgt spid="277">
+                                            <p:txEl>
+                                              <p:pRg st="9" end="9"/>
+                                            </p:txEl>
+                                          </p:spTgt>
+                                        </p:tgtEl>
+                                        <p:attrNameLst>
+                                          <p:attrName>style.visibility</p:attrName>
+                                        </p:attrNameLst>
+                                      </p:cBhvr>
+                                      <p:to>
+                                        <p:strVal val="visible"/>
+                                      </p:to>
+                                    </p:set>
+                                  </p:childTnLst>
+                                </p:cTn>
+                              </p:par>
+                            </p:childTnLst>
+                          </p:cTn>
+                        </p:par>
+                      </p:childTnLst>
+                    </p:cTn>
+                  </p:par>
+                  <p:par>
+                    <p:cTn id="45" fill="hold">
+                      <p:stCondLst>
+                        <p:cond delay="indefinite"/>
+                      </p:stCondLst>
+                      <p:childTnLst>
+                        <p:par>
+                          <p:cTn id="46" fill="hold">
+                            <p:stCondLst>
+                              <p:cond delay="0"/>
+                            </p:stCondLst>
+                            <p:childTnLst>
+                              <p:par>
+                                <p:cTn id="47" presetClass="entr" nodeType="clickEffect" presetSubtype="0" presetID="1" grpId="1" fill="hold">
+                                  <p:stCondLst>
+                                    <p:cond delay="0"/>
+                                  </p:stCondLst>
+                                  <p:iterate type="el" backwards="0">
+                                    <p:tmAbs val="0"/>
+                                  </p:iterate>
+                                  <p:childTnLst>
+                                    <p:set>
+                                      <p:cBhvr>
+                                        <p:cTn id="48" fill="hold"/>
+                                        <p:tgtEl>
+                                          <p:spTgt spid="277">
+                                            <p:txEl>
+                                              <p:pRg st="10" end="10"/>
+                                            </p:txEl>
+                                          </p:spTgt>
+                                        </p:tgtEl>
+                                        <p:attrNameLst>
+                                          <p:attrName>style.visibility</p:attrName>
+                                        </p:attrNameLst>
+                                      </p:cBhvr>
+                                      <p:to>
+                                        <p:strVal val="visible"/>
+                                      </p:to>
+                                    </p:set>
+                                  </p:childTnLst>
+                                </p:cTn>
+                              </p:par>
+                            </p:childTnLst>
+                          </p:cTn>
+                        </p:par>
+                      </p:childTnLst>
+                    </p:cTn>
+                  </p:par>
+                  <p:par>
+                    <p:cTn id="49" fill="hold">
+                      <p:stCondLst>
+                        <p:cond delay="indefinite"/>
+                      </p:stCondLst>
+                      <p:childTnLst>
+                        <p:par>
+                          <p:cTn id="50" fill="hold">
+                            <p:stCondLst>
+                              <p:cond delay="0"/>
+                            </p:stCondLst>
+                            <p:childTnLst>
+                              <p:par>
+                                <p:cTn id="51" presetClass="entr" nodeType="clickEffect" presetSubtype="0" presetID="1" grpId="1" fill="hold">
+                                  <p:stCondLst>
+                                    <p:cond delay="0"/>
+                                  </p:stCondLst>
+                                  <p:iterate type="el" backwards="0">
+                                    <p:tmAbs val="0"/>
+                                  </p:iterate>
+                                  <p:childTnLst>
+                                    <p:set>
+                                      <p:cBhvr>
+                                        <p:cTn id="52" fill="hold"/>
+                                        <p:tgtEl>
+                                          <p:spTgt spid="277">
+                                            <p:txEl>
+                                              <p:pRg st="11" end="11"/>
+                                            </p:txEl>
+                                          </p:spTgt>
+                                        </p:tgtEl>
+                                        <p:attrNameLst>
+                                          <p:attrName>style.visibility</p:attrName>
+                                        </p:attrNameLst>
+                                      </p:cBhvr>
+                                      <p:to>
+                                        <p:strVal val="visible"/>
+                                      </p:to>
+                                    </p:set>
+                                  </p:childTnLst>
+                                </p:cTn>
+                              </p:par>
+                            </p:childTnLst>
+                          </p:cTn>
+                        </p:par>
+                      </p:childTnLst>
+                    </p:cTn>
+                  </p:par>
+                  <p:par>
+                    <p:cTn id="53" fill="hold">
+                      <p:stCondLst>
+                        <p:cond delay="indefinite"/>
+                      </p:stCondLst>
+                      <p:childTnLst>
+                        <p:par>
+                          <p:cTn id="54" fill="hold">
+                            <p:stCondLst>
+                              <p:cond delay="0"/>
+                            </p:stCondLst>
+                            <p:childTnLst>
+                              <p:par>
+                                <p:cTn id="55" presetClass="entr" nodeType="clickEffect" presetSubtype="0" presetID="1" grpId="1" fill="hold">
+                                  <p:stCondLst>
+                                    <p:cond delay="0"/>
+                                  </p:stCondLst>
+                                  <p:iterate type="el" backwards="0">
+                                    <p:tmAbs val="0"/>
+                                  </p:iterate>
+                                  <p:childTnLst>
+                                    <p:set>
+                                      <p:cBhvr>
+                                        <p:cTn id="56" fill="hold"/>
+                                        <p:tgtEl>
+                                          <p:spTgt spid="277">
+                                            <p:txEl>
+                                              <p:pRg st="12" end="12"/>
+                                            </p:txEl>
+                                          </p:spTgt>
+                                        </p:tgtEl>
+                                        <p:attrNameLst>
+                                          <p:attrName>style.visibility</p:attrName>
+                                        </p:attrNameLst>
+                                      </p:cBhvr>
+                                      <p:to>
+                                        <p:strVal val="visible"/>
+                                      </p:to>
+                                    </p:set>
+                                  </p:childTnLst>
+                                </p:cTn>
+                              </p:par>
+                            </p:childTnLst>
+                          </p:cTn>
+                        </p:par>
+                      </p:childTnLst>
+                    </p:cTn>
+                  </p:par>
+                  <p:par>
+                    <p:cTn id="57" fill="hold">
+                      <p:stCondLst>
+                        <p:cond delay="indefinite"/>
+                      </p:stCondLst>
+                      <p:childTnLst>
+                        <p:par>
+                          <p:cTn id="58" fill="hold">
+                            <p:stCondLst>
+                              <p:cond delay="0"/>
+                            </p:stCondLst>
+                            <p:childTnLst>
+                              <p:par>
+                                <p:cTn id="59" presetClass="entr" nodeType="clickEffect" presetSubtype="0" presetID="1" grpId="1" fill="hold">
+                                  <p:stCondLst>
+                                    <p:cond delay="0"/>
+                                  </p:stCondLst>
+                                  <p:iterate type="el" backwards="0">
+                                    <p:tmAbs val="0"/>
+                                  </p:iterate>
+                                  <p:childTnLst>
+                                    <p:set>
+                                      <p:cBhvr>
+                                        <p:cTn id="60" fill="hold"/>
+                                        <p:tgtEl>
+                                          <p:spTgt spid="277">
+                                            <p:txEl>
+                                              <p:pRg st="13" end="13"/>
+                                            </p:txEl>
+                                          </p:spTgt>
+                                        </p:tgtEl>
+                                        <p:attrNameLst>
+                                          <p:attrName>style.visibility</p:attrName>
+                                        </p:attrNameLst>
+                                      </p:cBhvr>
+                                      <p:to>
+                                        <p:strVal val="visible"/>
+                                      </p:to>
+                                    </p:set>
+                                  </p:childTnLst>
+                                </p:cTn>
+                              </p:par>
+                            </p:childTnLst>
+                          </p:cTn>
+                        </p:par>
+                      </p:childTnLst>
+                    </p:cTn>
+                  </p:par>
+                </p:childTnLst>
+              </p:cTn>
+              <p:prevCondLst>
+                <p:cond evt="onPrev">
+                  <p:tgtEl>
+                    <p:sldTgt/>
+                  </p:tgtEl>
+                </p:cond>
+              </p:prevCondLst>
+              <p:nextCondLst>
+                <p:cond evt="onNext">
+                  <p:tgtEl>
+                    <p:sldTgt/>
+                  </p:tgtEl>
+                </p:cond>
+              </p:nextCondLst>
+            </p:seq>
+          </p:childTnLst>
+        </p:cTn>
+      </p:par>
+    </p:tnLst>
+    <p:bldLst>
+      <p:bldP build="p" bldLvl="5" animBg="1" rev="0" advAuto="0" spid="277" grpId="1"/>
+    </p:bldLst>
+  </p:timing>
 </p:sld>
 </file>
 
@@ -27267,7 +29957,7 @@
       </p:grpSpPr>
       <p:sp>
         <p:nvSpPr>
-          <p:cNvPr id="273" name="Recurrence Relation: Master Theorem"/>
+          <p:cNvPr id="282" name="Recurrence Relation: Master Theorem"/>
           <p:cNvSpPr txBox="1"/>
           <p:nvPr>
             <p:ph type="title"/>
@@ -27299,7 +29989,7 @@
       </p:sp>
       <p:sp>
         <p:nvSpPr>
-          <p:cNvPr id="274" name="Slide Number"/>
+          <p:cNvPr id="283" name="Slide Number"/>
           <p:cNvSpPr txBox="1"/>
           <p:nvPr>
             <p:ph type="sldNum" sz="quarter" idx="2"/>
@@ -27326,7 +30016,7 @@
       </p:sp>
       <p:sp>
         <p:nvSpPr>
-          <p:cNvPr id="275" name="DAA/Divide and Conquer"/>
+          <p:cNvPr id="284" name="DAA/Divide and Conquer"/>
           <p:cNvSpPr txBox="1"/>
           <p:nvPr/>
         </p:nvSpPr>
@@ -27366,7 +30056,7 @@
       </p:sp>
       <p:sp>
         <p:nvSpPr>
-          <p:cNvPr id="276" name="RPR/"/>
+          <p:cNvPr id="285" name="RPR/"/>
           <p:cNvSpPr txBox="1"/>
           <p:nvPr/>
         </p:nvSpPr>
@@ -27406,7 +30096,7 @@
       </p:sp>
       <p:sp>
         <p:nvSpPr>
-          <p:cNvPr id="277" name="Equation"/>
+          <p:cNvPr id="286" name="Equation"/>
           <p:cNvSpPr txBox="1"/>
           <p:nvPr/>
         </p:nvSpPr>
@@ -28108,7 +30798,7 @@
       </p:sp>
       <p:sp>
         <p:nvSpPr>
-          <p:cNvPr id="278" name="T(n)=aT(n/b)+Θ(nd) for n=bk, k=1,2,…"/>
+          <p:cNvPr id="287" name="T(n)=aT(n/b)+Θ(nd) for n=bk, k=1,2,…"/>
           <p:cNvSpPr txBox="1"/>
           <p:nvPr/>
         </p:nvSpPr>
@@ -28351,7 +31041,7 @@
                                       <p:cBhvr>
                                         <p:cTn id="6" fill="hold"/>
                                         <p:tgtEl>
-                                          <p:spTgt spid="277"/>
+                                          <p:spTgt spid="286"/>
                                         </p:tgtEl>
                                         <p:attrNameLst>
                                           <p:attrName>style.visibility</p:attrName>
@@ -28392,7 +31082,7 @@
       </p:par>
     </p:tnLst>
     <p:bldLst>
-      <p:bldP build="whole" bldLvl="1" animBg="1" rev="0" advAuto="0" spid="277" grpId="1"/>
+      <p:bldP build="whole" bldLvl="1" animBg="1" rev="0" advAuto="0" spid="286" grpId="1"/>
     </p:bldLst>
   </p:timing>
 </p:sld>
